--- a/outputs/TR_Interview_Presentation.pptx
+++ b/outputs/TR_Interview_Presentation.pptx
@@ -521,7 +521,9 @@
           <a:p>
             <a:r>
               <a:rPr lang="en-US" dirty="0"/>
-              <a:t/>
+              <a:t>Welcome everyone, and thank you for your time. Today I'll walk you through my feasibility study on automating procedural posture classification for judicial opinions.
+The goal of this challenge wasn't to build a production system — it was to characterize performance, understand the data, and make an honest recommendation about whether automation is feasible.
+KEY CONCEPT — Procedural Posture: The procedural posture of a case summarizes how the case arrived before the court. It includes the procedural history and any prior decisions under appeal. Business partners currently label these manually and want to know if automation can help.</a:t>
             </a:r>
             <a:endParaRPr lang="en-US" dirty="0"/>
           </a:p>
@@ -609,7 +611,10 @@
           <a:p>
             <a:r>
               <a:rPr lang="en-US" dirty="0"/>
-              <a:t/>
+              <a:t>Here's the technical architecture. The classifier is lexlms/legal-longformer-base, a transformer pre-trained on legal text with a 4,096-token context window. The summarizer is nsi319/legal-led-base-16384 for documents exceeding the classifier's limit.
+KEY CONCEPT — Longformer: A transformer architecture that uses sliding-window attention (each token attends to nearby tokens) plus global attention on special tokens. This makes it efficient for long sequences — O(n) instead of O(n²) — enabling 4,096-token input, which is 8x BERT's limit.
+KEY CONCEPT — pos_weight: In PyTorch's binary cross-entropy loss, pos_weight multiplies the loss contribution of positive (minority) examples. If a class has 50 positive and 950 negative samples, setting pos_weight=19 makes the model pay 19x more attention when it misses a positive example. This helps with class imbalance but can cause over-prediction if set too aggressively.
+We cached all 5,530 summaries to disk for reproducibility — summarization is expensive and deterministic, so caching avoids redundant computation.</a:t>
             </a:r>
             <a:endParaRPr lang="en-US" dirty="0"/>
           </a:p>
@@ -697,7 +702,7 @@
           <a:p>
             <a:r>
               <a:rPr lang="en-US" dirty="0"/>
-              <a:t/>
+              <a:t>Let me show you how the project is organized.</a:t>
             </a:r>
             <a:endParaRPr lang="en-US" dirty="0"/>
           </a:p>
@@ -785,7 +790,9 @@
           <a:p>
             <a:r>
               <a:rPr lang="en-US" dirty="0"/>
-              <a:t/>
+              <a:t>The project follows a clean separation: all logic lives in reusable Python modules under src/, while notebooks are thin wrappers that call into these modules. This makes the code testable, maintainable, and easy to follow.
+Each module has a single responsibility: data_loader.py handles I/O, data_analyzer.py does analysis, model_trainer.py manages the TF-IDF pipeline, model_evaluator.py handles all evaluation metrics, and bert_trainer.py orchestrates the transformer workflow.
+The outputs directory contains cached summaries for the 5,530 long documents, model checkpoints, and training history for reproducibility.</a:t>
             </a:r>
             <a:endParaRPr lang="en-US" dirty="0"/>
           </a:p>
@@ -873,7 +880,8 @@
           <a:p>
             <a:r>
               <a:rPr lang="en-US" dirty="0"/>
-              <a:t/>
+              <a:t>A few key design decisions worth highlighting. The modular pipeline — DataLoader → DataPreparer → Trainer → Evaluator — makes it easy to swap components. The HybridLegalClassifier automatically routes documents through the right path (direct vs summarize-first).
+The SummaryCache uses content-based hashing so summaries survive across different runs and data splits. And DeviceManager auto-detects CUDA, MPS, or CPU, making the code portable across hardware.</a:t>
             </a:r>
             <a:endParaRPr lang="en-US" dirty="0"/>
           </a:p>
@@ -961,7 +969,7 @@
           <a:p>
             <a:r>
               <a:rPr lang="en-US" dirty="0"/>
-              <a:t/>
+              <a:t>Now for the results — this is where it gets interesting.</a:t>
             </a:r>
             <a:endParaRPr lang="en-US" dirty="0"/>
           </a:p>
@@ -1049,7 +1057,10 @@
           <a:p>
             <a:r>
               <a:rPr lang="en-US" dirty="0"/>
-              <a:t/>
+              <a:t>The TF-IDF baseline achieved F1 Micro of 0.752 and F1 Macro of 0.533. The gap between micro and macro tells an important story.
+KEY CONCEPT — F1 Micro vs F1 Macro: F1 Micro aggregates all true positives, false positives, and false negatives globally across all labels, then computes F1. It's dominated by frequent classes because they contribute more to the totals. F1 Macro computes F1 independently for each class, then averages. It treats rare classes equally with common ones. When micro is much higher than macro (0.75 vs 0.53), it means the model is good at frequent postures but struggles with rare ones.
+KEY CONCEPT — Precision vs Recall: Precision answers "of everything the model flagged, how much was correct?" Recall answers "of everything that should have been flagged, how much did the model find?" Our baseline has high recall (0.90) but lower precision (0.65), meaning it catches most positive cases but also generates some false positives.
+The top performers — Appellate Review at 0.95, On Appeal at 0.93 — all have large sample sizes. The bottom performers with F1 below 0.25 are rare classes. This sets our baseline — can the transformer do better?</a:t>
             </a:r>
             <a:endParaRPr lang="en-US" dirty="0"/>
           </a:p>
@@ -1137,7 +1148,10 @@
           <a:p>
             <a:r>
               <a:rPr lang="en-US" dirty="0"/>
-              <a:t/>
+              <a:t>This is the most important slide. At first glance, the transformer with default threshold 0.5 looked like a failure — F1 Micro dropped to 0.63, well below the baseline's 0.75. But look at what happens with threshold optimization.
+The problem was over-prediction: at threshold 0.5, the model predicted too many labels (recall 0.94 but precision only 0.48). Per-class threshold optimization — finding the optimal probability cutoff for each label independently on the validation set — fixed this dramatically.
+KEY CONCEPT — Threshold Optimization: In multi-label classification, the model outputs a probability for each label. The default is to predict "positive" if probability &gt; 0.5. But for imbalanced problems, 0.5 is rarely optimal. Per-class threshold optimization finds the cutoff per class that maximizes F1 on validation data, then applies those thresholds to test data. Our optimal thresholds ranged from 0.45 to 0.90 with a mean of 0.72 — much higher than the naive 0.5.
+The result: LF Per-Class achieves F1 Micro 0.7735 (+2.1% over baseline) and F1 Macro 0.6000 (+6.7% over baseline). The transformer beats the baseline on both metrics, especially on rare classes where the macro improvement is most pronounced.</a:t>
             </a:r>
             <a:endParaRPr lang="en-US" dirty="0"/>
           </a:p>
@@ -1225,7 +1239,10 @@
           <a:p>
             <a:r>
               <a:rPr lang="en-US" dirty="0"/>
-              <a:t/>
+              <a:t>Now let's talk about feasibility. Using the TF-IDF baseline as a conservative reference, 13 out of 41 postures are automatable with F1 at or above the human agreement threshold of 0.63. One posture — Appellate Review — reaches 0.95, which exceeds even the highest human agreement.
+KEY CONCEPT — Cohen's Kappa as Benchmark: We use the inter-annotator agreement range (kappa 0.63–0.93) as the benchmark for automation. If a model achieves F1 comparable to human agreement on a posture, that posture is a candidate for automation. Below 0.63, the model is worse than human disagreement; above 0.93, it matches the best human performance.
+The tiered deployment strategy is practical: fully automate what's reliable, use the model as an assistant where it's decent, and keep humans in the loop where the model struggles. Critically, ~92% of labeling volume falls in the automatable or review tiers because the most common postures happen to be the easiest to classify.
+The per-class threshold model pushes these numbers even higher, with +2.1% F1 Micro and +6.7% F1 Macro improvement over the baseline.</a:t>
             </a:r>
             <a:endParaRPr lang="en-US" dirty="0"/>
           </a:p>
@@ -1313,7 +1330,12 @@
           <a:p>
             <a:r>
               <a:rPr lang="en-US" dirty="0"/>
-              <a:t/>
+              <a:t>Four key takeaways. First, sample size dominates performance — this is the single most actionable finding. If you want better models, invest in labeling more data for the rare classes.
+Second, per-class threshold optimization was the breakthrough. It turned a seemingly failed transformer into the best model, beating the TF-IDF baseline on all metrics. This is a general lesson: in imbalanced multi-label problems, threshold tuning matters as much as model architecture.
+Third, document length is a real engineering constraint. The hybrid summarize-then-classify approach works but adds complexity and some information loss. Future work with even longer-context models could help.
+Fourth, the multi-label nature — with labels encoding orthogonal dimensions — adds fundamental complexity that simple models can't fully capture. Hierarchical approaches leveraging the ontology structure could help.
+KEY CONCEPT — Hamming Loss: The fraction of incorrect labels across all label-sample pairs, counting both false positives and false negatives. Unlike F1, it penalizes every individual labeling error equally. A Hamming loss of 0.03 means 97% of individual label predictions are correct.
+The business recommendation: partial automation is feasible and worth pursuing. A tiered deployment can cover ~92% of labeling volume.</a:t>
             </a:r>
             <a:endParaRPr lang="en-US" dirty="0"/>
           </a:p>
@@ -1401,7 +1423,10 @@
           <a:p>
             <a:r>
               <a:rPr lang="en-US" dirty="0"/>
-              <a:t/>
+              <a:t>If this project continues, there are clear paths for improvement on both the modeling and production sides.
+For modeling: GPU training with larger batches, more epochs, and proper hyperparameter search would likely improve the transformer significantly — we only ran 5 epochs on Apple MPS. Hierarchical classification using the ontology structure could leverage the IS-A relationships between postures. Data augmentation and ensemble strategies could boost rare class performance.
+For production: a confidence-based routing system would send high-confidence predictions for auto-labeling and uncertain ones to human reviewers. Active learning would use the model's own uncertainty to prioritize which examples humans should label next, creating a virtuous cycle. Monitoring for concept drift is essential — legal language and posture distributions may shift over time.
+KEY CONCEPT — Active Learning: A machine learning paradigm where the model identifies the most informative unlabeled examples and asks a human to label them. This is more efficient than random labeling because it focuses human effort where the model is most uncertain, accelerating improvement.</a:t>
             </a:r>
             <a:endParaRPr lang="en-US" dirty="0"/>
           </a:p>
@@ -1489,7 +1514,9 @@
           <a:p>
             <a:r>
               <a:rPr lang="en-US" dirty="0"/>
-              <a:t/>
+              <a:t>So what exactly is procedural posture? It's essentially the "how did we get here?" of a court case. When a judge writes an opinion, the procedural posture tells you what legal actions led to this point.
+For example, a case might be "On Appeal" after a lower court ruling, or involve a "Motion to Dismiss" where one party is asking the court to throw out the case. These labels are critical metadata for legal research — they help lawyers find relevant precedents.
+The business need is clear: human labelers currently assign these postures manually, which is expensive and slow. We want to know if machine learning can do part of this job reliably.</a:t>
             </a:r>
             <a:endParaRPr lang="en-US" dirty="0"/>
           </a:p>
@@ -1577,7 +1604,8 @@
           <a:p>
             <a:r>
               <a:rPr lang="en-US" dirty="0"/>
-              <a:t/>
+              <a:t>Thank you for your attention. I'm happy to dive deeper into any aspect of the analysis — the data exploration, the modeling decisions, the evaluation methodology, or the production planning.
+The key message: this feasibility study shows that partial automation of procedural posture classification is viable, with the Legal-Longformer achieving F1 Micro 0.77 using per-class threshold optimization. A tiered deployment strategy can cover the vast majority of labeling volume while maintaining quality through human oversight where needed.</a:t>
             </a:r>
             <a:endParaRPr lang="en-US" dirty="0"/>
           </a:p>
@@ -1665,7 +1693,9 @@
           <a:p>
             <a:r>
               <a:rPr lang="en-US" dirty="0"/>
-              <a:t/>
+              <a:t>Let me walk you through the dataset. We have 18,000 judicial opinions — each is a structured document with sections and paragraphs, totaling over half a million paragraphs. There are 224 unique posture labels, and critically, this is a multi-label problem: nearly half the documents have more than one posture.
+KEY CONCEPT — Multi-label Classification: Unlike multi-class classification where each document gets exactly one label, multi-label means each document can have zero, one, or many labels simultaneously. This is harder because the model must make independent yes/no decisions for each possible label.
+The mean document length of nearly 3,000 words is a significant engineering challenge, as we'll see later.</a:t>
             </a:r>
             <a:endParaRPr lang="en-US" dirty="0"/>
           </a:p>
@@ -1753,7 +1783,9 @@
           <a:p>
             <a:r>
               <a:rPr lang="en-US" dirty="0"/>
-              <a:t/>
+              <a:t>This slide shows the extreme class imbalance we're dealing with. The 27 most common labels cover 91.5% of all label occurrences, while 140 rare labels have fewer than 10 samples each — including 44 labels that appear only once in the entire dataset.
+The class imbalance ratio of 9,197x means the most frequent label is over nine thousand times more common than the rarest. For modeling, we filtered to 41 labels with at least 50 samples, which still covers 94.8% of all label occurrences. This is a pragmatic decision — you can't build a reliable classifier on 5 training examples.
+KEY CONCEPT — Class Imbalance: When some classes have many more samples than others. Standard ML algorithms tend to predict the majority class and ignore minorities. Solutions include oversampling, class weights, and threshold optimization.</a:t>
             </a:r>
             <a:endParaRPr lang="en-US" dirty="0"/>
           </a:p>
@@ -1841,7 +1873,9 @@
           <a:p>
             <a:r>
               <a:rPr lang="en-US" dirty="0"/>
-              <a:t/>
+              <a:t>The domain complexity is what makes this problem genuinely hard. The labels aren't just arbitrary categories — they encode multiple orthogonal dimensions: the litigation stage (where in the process), the motion type (what action), the proceeding type (what legal domain), and procedural events.
+There are also hierarchical relationships. For example, "Motion to Dismiss for Lack of Subject Matter Jurisdiction" IS-A specific type of "Motion to Dismiss." This means some label confusions are less severe than others.
+KEY CONCEPT — Cohen's Kappa: An inter-annotator agreement metric that corrects for chance agreement. Kappa = 0 means agreement is no better than random; kappa = 1 means perfect agreement. Our human benchmark range of 0.63–0.93 tells us that some postures are inherently harder to classify, even for trained legal professionals. This range defines our target — a model performing at kappa-equivalent levels could be trusted for automation.</a:t>
             </a:r>
             <a:endParaRPr lang="en-US" dirty="0"/>
           </a:p>
@@ -1929,7 +1963,7 @@
           <a:p>
             <a:r>
               <a:rPr lang="en-US" dirty="0"/>
-              <a:t/>
+              <a:t>Now let's look at how I approached the modeling. I designed a two-model strategy to understand the problem from different angles.</a:t>
             </a:r>
             <a:endParaRPr lang="en-US" dirty="0"/>
           </a:p>
@@ -2017,7 +2051,8 @@
           <a:p>
             <a:r>
               <a:rPr lang="en-US" dirty="0"/>
-              <a:t/>
+              <a:t>I built two models: a TF-IDF baseline and a Legal-Longformer hybrid transformer. The key principle here was to characterize performance, not chase state-of-the-art. The baseline tells us "how well can simple features do?" and the transformer tells us "does deep learning add value?"
+KEY CONCEPT — TF-IDF (Term Frequency–Inverse Document Frequency): A way to convert text into numerical features. Each word gets a weight based on two factors: how often it appears in this specific document (TF) and how rare it is across all documents (IDF). Words that are frequent in one document but rare overall get the highest weights — these are the most discriminative features. TF-IDF is fast, interpretable, and surprisingly effective for legal text because legal language has strong keyword signals.</a:t>
             </a:r>
             <a:endParaRPr lang="en-US" dirty="0"/>
           </a:p>
@@ -2105,7 +2140,10 @@
           <a:p>
             <a:r>
               <a:rPr lang="en-US" dirty="0"/>
-              <a:t/>
+              <a:t>The baseline uses TF-IDF features with logistic regression in a OneVsRest configuration. We extract the top 10,000 features using unigrams and bigrams, then train a separate binary classifier for each of the 41 labels.
+KEY CONCEPT — OneVsRest (OVR): A strategy for multi-label classification that trains one independent binary classifier per label. Each classifier learns "is this label present: yes or no?" This is simple but effective — each label gets its own decision boundary. The disadvantage is that it doesn't model label correlations.
+KEY CONCEPT — Unigrams and Bigrams: Unigrams are single words ("motion", "dismiss"); bigrams are word pairs ("motion to", "to dismiss"). Bigrams capture phrases that single words miss, which is crucial in legal text where "motion to dismiss" means something very different from "motion" alone.
+The 70/15/15 split gives us 11,706 training samples, 2,509 for validation, and 2,509 for testing.</a:t>
             </a:r>
             <a:endParaRPr lang="en-US" dirty="0"/>
           </a:p>
@@ -2193,7 +2231,10 @@
           <a:p>
             <a:r>
               <a:rPr lang="en-US" dirty="0"/>
-              <a:t/>
+              <a:t>This is a critical engineering challenge. BERT, the standard transformer, has a 512-token limit — only 4.1% of our documents fit. Even the Legal-Longformer with its 4,096-token window only covers 65% directly.
+KEY CONCEPT — Tokens: The units a transformer processes. Roughly, 1 token ≈ 0.75 words. BERT's 512-token limit means about 384 words — far too short for legal opinions averaging nearly 3,000 words.
+KEY CONCEPT — LED (Longformer Encoder-Decoder): A transformer designed for long documents, supporting up to 16,384 tokens using efficient sliding-window attention. We use it as a summarizer: it compresses long documents into summaries that fit the classifier's 4,096-token window.
+Our hybrid strategy: documents under 4,096 tokens go directly to the classifier; longer ones get summarized first by Legal-LED, then classified. About 33% of documents needed summarization.</a:t>
             </a:r>
             <a:endParaRPr lang="en-US" dirty="0"/>
           </a:p>
@@ -4958,7 +4999,7 @@
         </p:nvSpPr>
         <p:spPr>
           <a:xfrm>
-            <a:off x="457200" y="279350"/>
+            <a:off x="457200" y="228451"/>
             <a:ext cx="8394192" cy="295275"/>
           </a:xfrm>
           <a:prstGeom prst="rect">
@@ -4997,12 +5038,12 @@
         </p:nvSpPr>
         <p:spPr>
           <a:xfrm>
-            <a:off x="457200" y="676126"/>
-            <a:ext cx="4965650" cy="4467374"/>
+            <a:off x="457200" y="599926"/>
+            <a:ext cx="4980980" cy="4543574"/>
           </a:xfrm>
           <a:prstGeom prst="roundRect">
             <a:avLst>
-              <a:gd name="adj" fmla="val 1706"/>
+              <a:gd name="adj" fmla="val 1677"/>
             </a:avLst>
           </a:prstGeom>
           <a:solidFill>
@@ -5035,27 +5076,27 @@
         </p:nvSpPr>
         <p:spPr>
           <a:xfrm>
-            <a:off x="644426" y="787152"/>
-            <a:ext cx="4683023" cy="161776"/>
-          </a:xfrm>
-          <a:prstGeom prst="rect">
-            <a:avLst/>
-          </a:prstGeom>
-          <a:noFill/>
-          <a:ln/>
-        </p:spPr>
-        <p:txBody>
-          <a:bodyPr wrap="square" lIns="0" tIns="0" rIns="0" bIns="0" rtlCol="0" anchor="t"/>
-          <a:lstStyle/>
-          <a:p>
-            <a:pPr algn="l" indent="0" marL="0">
-              <a:lnSpc>
-                <a:spcPts val="1275"/>
-              </a:lnSpc>
-              <a:buNone/>
-            </a:pPr>
-            <a:r>
-              <a:rPr lang="en-US" sz="850" b="1" dirty="0">
+            <a:off x="644426" y="710952"/>
+            <a:ext cx="4698659" cy="142280"/>
+          </a:xfrm>
+          <a:prstGeom prst="rect">
+            <a:avLst/>
+          </a:prstGeom>
+          <a:noFill/>
+          <a:ln/>
+        </p:spPr>
+        <p:txBody>
+          <a:bodyPr wrap="square" lIns="0" tIns="0" rIns="0" bIns="0" rtlCol="0" anchor="t"/>
+          <a:lstStyle/>
+          <a:p>
+            <a:pPr algn="l" indent="0" marL="0">
+              <a:lnSpc>
+                <a:spcPts val="1120"/>
+              </a:lnSpc>
+              <a:buNone/>
+            </a:pPr>
+            <a:r>
+              <a:rPr lang="en-US" sz="800" b="1" dirty="0">
                 <a:solidFill>
                   <a:srgbClr val="00B4D8"/>
                 </a:solidFill>
@@ -5065,7 +5106,7 @@
               </a:rPr>
               <a:t>TR_hiring_exercise/</a:t>
             </a:r>
-            <a:endParaRPr lang="en-US" sz="850" dirty="0"/>
+            <a:endParaRPr lang="en-US" sz="800" dirty="0"/>
           </a:p>
         </p:txBody>
       </p:sp>
@@ -5077,27 +5118,27 @@
         </p:nvSpPr>
         <p:spPr>
           <a:xfrm>
-            <a:off x="644426" y="948928"/>
-            <a:ext cx="4683023" cy="161776"/>
-          </a:xfrm>
-          <a:prstGeom prst="rect">
-            <a:avLst/>
-          </a:prstGeom>
-          <a:noFill/>
-          <a:ln/>
-        </p:spPr>
-        <p:txBody>
-          <a:bodyPr wrap="square" lIns="0" tIns="0" rIns="0" bIns="0" rtlCol="0" anchor="t"/>
-          <a:lstStyle/>
-          <a:p>
-            <a:pPr algn="l" indent="0" marL="0">
-              <a:lnSpc>
-                <a:spcPts val="1275"/>
-              </a:lnSpc>
-              <a:buNone/>
-            </a:pPr>
-            <a:r>
-              <a:rPr lang="en-US" sz="850" b="1" dirty="0">
+            <a:off x="644426" y="853232"/>
+            <a:ext cx="4698659" cy="142280"/>
+          </a:xfrm>
+          <a:prstGeom prst="rect">
+            <a:avLst/>
+          </a:prstGeom>
+          <a:noFill/>
+          <a:ln/>
+        </p:spPr>
+        <p:txBody>
+          <a:bodyPr wrap="square" lIns="0" tIns="0" rIns="0" bIns="0" rtlCol="0" anchor="t"/>
+          <a:lstStyle/>
+          <a:p>
+            <a:pPr algn="l" indent="0" marL="0">
+              <a:lnSpc>
+                <a:spcPts val="1120"/>
+              </a:lnSpc>
+              <a:buNone/>
+            </a:pPr>
+            <a:r>
+              <a:rPr lang="en-US" sz="800" b="1" dirty="0">
                 <a:solidFill>
                   <a:srgbClr val="00B4D8"/>
                 </a:solidFill>
@@ -5107,7 +5148,7 @@
               </a:rPr>
               <a:t>notebooks/</a:t>
             </a:r>
-            <a:endParaRPr lang="en-US" sz="850" dirty="0"/>
+            <a:endParaRPr lang="en-US" sz="800" dirty="0"/>
           </a:p>
         </p:txBody>
       </p:sp>
@@ -5119,27 +5160,27 @@
         </p:nvSpPr>
         <p:spPr>
           <a:xfrm>
-            <a:off x="644426" y="1110704"/>
-            <a:ext cx="4683023" cy="161776"/>
-          </a:xfrm>
-          <a:prstGeom prst="rect">
-            <a:avLst/>
-          </a:prstGeom>
-          <a:noFill/>
-          <a:ln/>
-        </p:spPr>
-        <p:txBody>
-          <a:bodyPr wrap="square" lIns="0" tIns="0" rIns="0" bIns="0" rtlCol="0" anchor="t"/>
-          <a:lstStyle/>
-          <a:p>
-            <a:pPr algn="l" indent="0" marL="0">
-              <a:lnSpc>
-                <a:spcPts val="1275"/>
-              </a:lnSpc>
-              <a:buNone/>
-            </a:pPr>
-            <a:r>
-              <a:rPr lang="en-US" sz="850" dirty="0">
+            <a:off x="644426" y="995511"/>
+            <a:ext cx="4698659" cy="142280"/>
+          </a:xfrm>
+          <a:prstGeom prst="rect">
+            <a:avLst/>
+          </a:prstGeom>
+          <a:noFill/>
+          <a:ln/>
+        </p:spPr>
+        <p:txBody>
+          <a:bodyPr wrap="square" lIns="0" tIns="0" rIns="0" bIns="0" rtlCol="0" anchor="t"/>
+          <a:lstStyle/>
+          <a:p>
+            <a:pPr algn="l" indent="0" marL="0">
+              <a:lnSpc>
+                <a:spcPts val="1120"/>
+              </a:lnSpc>
+              <a:buNone/>
+            </a:pPr>
+            <a:r>
+              <a:rPr lang="en-US" sz="800" dirty="0">
                 <a:solidFill>
                   <a:srgbClr val="CBD5E1"/>
                 </a:solidFill>
@@ -5149,7 +5190,7 @@
               </a:rPr>
               <a:t>01_data_exploration.ipynb</a:t>
             </a:r>
-            <a:endParaRPr lang="en-US" sz="850" dirty="0"/>
+            <a:endParaRPr lang="en-US" sz="800" dirty="0"/>
           </a:p>
         </p:txBody>
       </p:sp>
@@ -5161,27 +5202,27 @@
         </p:nvSpPr>
         <p:spPr>
           <a:xfrm>
-            <a:off x="644426" y="1272480"/>
-            <a:ext cx="4683023" cy="161776"/>
-          </a:xfrm>
-          <a:prstGeom prst="rect">
-            <a:avLst/>
-          </a:prstGeom>
-          <a:noFill/>
-          <a:ln/>
-        </p:spPr>
-        <p:txBody>
-          <a:bodyPr wrap="square" lIns="0" tIns="0" rIns="0" bIns="0" rtlCol="0" anchor="t"/>
-          <a:lstStyle/>
-          <a:p>
-            <a:pPr algn="l" indent="0" marL="0">
-              <a:lnSpc>
-                <a:spcPts val="1275"/>
-              </a:lnSpc>
-              <a:buNone/>
-            </a:pPr>
-            <a:r>
-              <a:rPr lang="en-US" sz="850" dirty="0">
+            <a:off x="644426" y="1137791"/>
+            <a:ext cx="4698659" cy="142280"/>
+          </a:xfrm>
+          <a:prstGeom prst="rect">
+            <a:avLst/>
+          </a:prstGeom>
+          <a:noFill/>
+          <a:ln/>
+        </p:spPr>
+        <p:txBody>
+          <a:bodyPr wrap="square" lIns="0" tIns="0" rIns="0" bIns="0" rtlCol="0" anchor="t"/>
+          <a:lstStyle/>
+          <a:p>
+            <a:pPr algn="l" indent="0" marL="0">
+              <a:lnSpc>
+                <a:spcPts val="1120"/>
+              </a:lnSpc>
+              <a:buNone/>
+            </a:pPr>
+            <a:r>
+              <a:rPr lang="en-US" sz="800" dirty="0">
                 <a:solidFill>
                   <a:srgbClr val="CBD5E1"/>
                 </a:solidFill>
@@ -5191,7 +5232,7 @@
               </a:rPr>
               <a:t>02_modeling.ipynb</a:t>
             </a:r>
-            <a:endParaRPr lang="en-US" sz="850" dirty="0"/>
+            <a:endParaRPr lang="en-US" sz="800" dirty="0"/>
           </a:p>
         </p:txBody>
       </p:sp>
@@ -5203,27 +5244,27 @@
         </p:nvSpPr>
         <p:spPr>
           <a:xfrm>
-            <a:off x="644426" y="1434257"/>
-            <a:ext cx="4683023" cy="161776"/>
-          </a:xfrm>
-          <a:prstGeom prst="rect">
-            <a:avLst/>
-          </a:prstGeom>
-          <a:noFill/>
-          <a:ln/>
-        </p:spPr>
-        <p:txBody>
-          <a:bodyPr wrap="square" lIns="0" tIns="0" rIns="0" bIns="0" rtlCol="0" anchor="t"/>
-          <a:lstStyle/>
-          <a:p>
-            <a:pPr algn="l" indent="0" marL="0">
-              <a:lnSpc>
-                <a:spcPts val="1275"/>
-              </a:lnSpc>
-              <a:buNone/>
-            </a:pPr>
-            <a:r>
-              <a:rPr lang="en-US" sz="850" dirty="0">
+            <a:off x="644426" y="1280071"/>
+            <a:ext cx="4698659" cy="142280"/>
+          </a:xfrm>
+          <a:prstGeom prst="rect">
+            <a:avLst/>
+          </a:prstGeom>
+          <a:noFill/>
+          <a:ln/>
+        </p:spPr>
+        <p:txBody>
+          <a:bodyPr wrap="square" lIns="0" tIns="0" rIns="0" bIns="0" rtlCol="0" anchor="t"/>
+          <a:lstStyle/>
+          <a:p>
+            <a:pPr algn="l" indent="0" marL="0">
+              <a:lnSpc>
+                <a:spcPts val="1120"/>
+              </a:lnSpc>
+              <a:buNone/>
+            </a:pPr>
+            <a:r>
+              <a:rPr lang="en-US" sz="800" dirty="0">
                 <a:solidFill>
                   <a:srgbClr val="CBD5E1"/>
                 </a:solidFill>
@@ -5231,9 +5272,9 @@
                 <a:ea typeface="Courier New" pitchFamily="34" charset="-122"/>
                 <a:cs typeface="Courier New" pitchFamily="34" charset="-120"/>
               </a:rPr>
-              <a:t>ontology_verification.ipynb</a:t>
-            </a:r>
-            <a:endParaRPr lang="en-US" sz="850" dirty="0"/>
+              <a:t>03_evaluation.ipynb</a:t>
+            </a:r>
+            <a:endParaRPr lang="en-US" sz="800" dirty="0"/>
           </a:p>
         </p:txBody>
       </p:sp>
@@ -5245,37 +5286,37 @@
         </p:nvSpPr>
         <p:spPr>
           <a:xfrm>
-            <a:off x="644426" y="1596033"/>
-            <a:ext cx="4683023" cy="161776"/>
-          </a:xfrm>
-          <a:prstGeom prst="rect">
-            <a:avLst/>
-          </a:prstGeom>
-          <a:noFill/>
-          <a:ln/>
-        </p:spPr>
-        <p:txBody>
-          <a:bodyPr wrap="square" lIns="0" tIns="0" rIns="0" bIns="0" rtlCol="0" anchor="t"/>
-          <a:lstStyle/>
-          <a:p>
-            <a:pPr algn="l" indent="0" marL="0">
-              <a:lnSpc>
-                <a:spcPts val="1275"/>
-              </a:lnSpc>
-              <a:buNone/>
-            </a:pPr>
-            <a:r>
-              <a:rPr lang="en-US" sz="850" b="1" dirty="0">
-                <a:solidFill>
-                  <a:srgbClr val="00B4D8"/>
+            <a:off x="644426" y="1422350"/>
+            <a:ext cx="4698659" cy="142280"/>
+          </a:xfrm>
+          <a:prstGeom prst="rect">
+            <a:avLst/>
+          </a:prstGeom>
+          <a:noFill/>
+          <a:ln/>
+        </p:spPr>
+        <p:txBody>
+          <a:bodyPr wrap="square" lIns="0" tIns="0" rIns="0" bIns="0" rtlCol="0" anchor="t"/>
+          <a:lstStyle/>
+          <a:p>
+            <a:pPr algn="l" indent="0" marL="0">
+              <a:lnSpc>
+                <a:spcPts val="1120"/>
+              </a:lnSpc>
+              <a:buNone/>
+            </a:pPr>
+            <a:r>
+              <a:rPr lang="en-US" sz="800" dirty="0">
+                <a:solidFill>
+                  <a:srgbClr val="CBD5E1"/>
                 </a:solidFill>
                 <a:latin typeface="Courier New" pitchFamily="34" charset="0"/>
                 <a:ea typeface="Courier New" pitchFamily="34" charset="-122"/>
                 <a:cs typeface="Courier New" pitchFamily="34" charset="-120"/>
               </a:rPr>
-              <a:t>src/</a:t>
-            </a:r>
-            <a:endParaRPr lang="en-US" sz="850" dirty="0"/>
+              <a:t>04_ensemble_analysis.ipynb</a:t>
+            </a:r>
+            <a:endParaRPr lang="en-US" sz="800" dirty="0"/>
           </a:p>
         </p:txBody>
       </p:sp>
@@ -5287,37 +5328,37 @@
         </p:nvSpPr>
         <p:spPr>
           <a:xfrm>
-            <a:off x="644426" y="1757809"/>
-            <a:ext cx="4683023" cy="161776"/>
-          </a:xfrm>
-          <a:prstGeom prst="rect">
-            <a:avLst/>
-          </a:prstGeom>
-          <a:noFill/>
-          <a:ln/>
-        </p:spPr>
-        <p:txBody>
-          <a:bodyPr wrap="square" lIns="0" tIns="0" rIns="0" bIns="0" rtlCol="0" anchor="t"/>
-          <a:lstStyle/>
-          <a:p>
-            <a:pPr algn="l" indent="0" marL="0">
-              <a:lnSpc>
-                <a:spcPts val="1275"/>
-              </a:lnSpc>
-              <a:buNone/>
-            </a:pPr>
-            <a:r>
-              <a:rPr lang="en-US" sz="850" dirty="0">
-                <a:solidFill>
-                  <a:srgbClr val="CBD5E1"/>
+            <a:off x="644426" y="1564630"/>
+            <a:ext cx="4698659" cy="142280"/>
+          </a:xfrm>
+          <a:prstGeom prst="rect">
+            <a:avLst/>
+          </a:prstGeom>
+          <a:noFill/>
+          <a:ln/>
+        </p:spPr>
+        <p:txBody>
+          <a:bodyPr wrap="square" lIns="0" tIns="0" rIns="0" bIns="0" rtlCol="0" anchor="t"/>
+          <a:lstStyle/>
+          <a:p>
+            <a:pPr algn="l" indent="0" marL="0">
+              <a:lnSpc>
+                <a:spcPts val="1120"/>
+              </a:lnSpc>
+              <a:buNone/>
+            </a:pPr>
+            <a:r>
+              <a:rPr lang="en-US" sz="800" b="1" dirty="0">
+                <a:solidFill>
+                  <a:srgbClr val="00B4D8"/>
                 </a:solidFill>
                 <a:latin typeface="Courier New" pitchFamily="34" charset="0"/>
                 <a:ea typeface="Courier New" pitchFamily="34" charset="-122"/>
                 <a:cs typeface="Courier New" pitchFamily="34" charset="-120"/>
               </a:rPr>
-              <a:t>data_loader.py</a:t>
-            </a:r>
-            <a:endParaRPr lang="en-US" sz="850" dirty="0"/>
+              <a:t>src/</a:t>
+            </a:r>
+            <a:endParaRPr lang="en-US" sz="800" dirty="0"/>
           </a:p>
         </p:txBody>
       </p:sp>
@@ -5329,27 +5370,27 @@
         </p:nvSpPr>
         <p:spPr>
           <a:xfrm>
-            <a:off x="644426" y="1919585"/>
-            <a:ext cx="4683023" cy="161776"/>
-          </a:xfrm>
-          <a:prstGeom prst="rect">
-            <a:avLst/>
-          </a:prstGeom>
-          <a:noFill/>
-          <a:ln/>
-        </p:spPr>
-        <p:txBody>
-          <a:bodyPr wrap="square" lIns="0" tIns="0" rIns="0" bIns="0" rtlCol="0" anchor="t"/>
-          <a:lstStyle/>
-          <a:p>
-            <a:pPr algn="l" indent="0" marL="0">
-              <a:lnSpc>
-                <a:spcPts val="1275"/>
-              </a:lnSpc>
-              <a:buNone/>
-            </a:pPr>
-            <a:r>
-              <a:rPr lang="en-US" sz="850" dirty="0">
+            <a:off x="644426" y="1706910"/>
+            <a:ext cx="4698659" cy="142280"/>
+          </a:xfrm>
+          <a:prstGeom prst="rect">
+            <a:avLst/>
+          </a:prstGeom>
+          <a:noFill/>
+          <a:ln/>
+        </p:spPr>
+        <p:txBody>
+          <a:bodyPr wrap="square" lIns="0" tIns="0" rIns="0" bIns="0" rtlCol="0" anchor="t"/>
+          <a:lstStyle/>
+          <a:p>
+            <a:pPr algn="l" indent="0" marL="0">
+              <a:lnSpc>
+                <a:spcPts val="1120"/>
+              </a:lnSpc>
+              <a:buNone/>
+            </a:pPr>
+            <a:r>
+              <a:rPr lang="en-US" sz="800" dirty="0">
                 <a:solidFill>
                   <a:srgbClr val="CBD5E1"/>
                 </a:solidFill>
@@ -5357,9 +5398,9 @@
                 <a:ea typeface="Courier New" pitchFamily="34" charset="-122"/>
                 <a:cs typeface="Courier New" pitchFamily="34" charset="-120"/>
               </a:rPr>
-              <a:t>data_analyzer.py</a:t>
-            </a:r>
-            <a:endParaRPr lang="en-US" sz="850" dirty="0"/>
+              <a:t>data_loader.py</a:t>
+            </a:r>
+            <a:endParaRPr lang="en-US" sz="800" dirty="0"/>
           </a:p>
         </p:txBody>
       </p:sp>
@@ -5371,27 +5412,27 @@
         </p:nvSpPr>
         <p:spPr>
           <a:xfrm>
-            <a:off x="644426" y="2081361"/>
-            <a:ext cx="4683023" cy="161776"/>
-          </a:xfrm>
-          <a:prstGeom prst="rect">
-            <a:avLst/>
-          </a:prstGeom>
-          <a:noFill/>
-          <a:ln/>
-        </p:spPr>
-        <p:txBody>
-          <a:bodyPr wrap="square" lIns="0" tIns="0" rIns="0" bIns="0" rtlCol="0" anchor="t"/>
-          <a:lstStyle/>
-          <a:p>
-            <a:pPr algn="l" indent="0" marL="0">
-              <a:lnSpc>
-                <a:spcPts val="1275"/>
-              </a:lnSpc>
-              <a:buNone/>
-            </a:pPr>
-            <a:r>
-              <a:rPr lang="en-US" sz="850" dirty="0">
+            <a:off x="644426" y="1849189"/>
+            <a:ext cx="4698659" cy="142280"/>
+          </a:xfrm>
+          <a:prstGeom prst="rect">
+            <a:avLst/>
+          </a:prstGeom>
+          <a:noFill/>
+          <a:ln/>
+        </p:spPr>
+        <p:txBody>
+          <a:bodyPr wrap="square" lIns="0" tIns="0" rIns="0" bIns="0" rtlCol="0" anchor="t"/>
+          <a:lstStyle/>
+          <a:p>
+            <a:pPr algn="l" indent="0" marL="0">
+              <a:lnSpc>
+                <a:spcPts val="1120"/>
+              </a:lnSpc>
+              <a:buNone/>
+            </a:pPr>
+            <a:r>
+              <a:rPr lang="en-US" sz="800" dirty="0">
                 <a:solidFill>
                   <a:srgbClr val="CBD5E1"/>
                 </a:solidFill>
@@ -5399,9 +5440,9 @@
                 <a:ea typeface="Courier New" pitchFamily="34" charset="-122"/>
                 <a:cs typeface="Courier New" pitchFamily="34" charset="-120"/>
               </a:rPr>
-              <a:t>model_trainer.py</a:t>
-            </a:r>
-            <a:endParaRPr lang="en-US" sz="850" dirty="0"/>
+              <a:t>data_analyzer.py</a:t>
+            </a:r>
+            <a:endParaRPr lang="en-US" sz="800" dirty="0"/>
           </a:p>
         </p:txBody>
       </p:sp>
@@ -5413,27 +5454,27 @@
         </p:nvSpPr>
         <p:spPr>
           <a:xfrm>
-            <a:off x="644426" y="2243138"/>
-            <a:ext cx="4683023" cy="161776"/>
-          </a:xfrm>
-          <a:prstGeom prst="rect">
-            <a:avLst/>
-          </a:prstGeom>
-          <a:noFill/>
-          <a:ln/>
-        </p:spPr>
-        <p:txBody>
-          <a:bodyPr wrap="square" lIns="0" tIns="0" rIns="0" bIns="0" rtlCol="0" anchor="t"/>
-          <a:lstStyle/>
-          <a:p>
-            <a:pPr algn="l" indent="0" marL="0">
-              <a:lnSpc>
-                <a:spcPts val="1275"/>
-              </a:lnSpc>
-              <a:buNone/>
-            </a:pPr>
-            <a:r>
-              <a:rPr lang="en-US" sz="850" dirty="0">
+            <a:off x="644426" y="1991469"/>
+            <a:ext cx="4698659" cy="142280"/>
+          </a:xfrm>
+          <a:prstGeom prst="rect">
+            <a:avLst/>
+          </a:prstGeom>
+          <a:noFill/>
+          <a:ln/>
+        </p:spPr>
+        <p:txBody>
+          <a:bodyPr wrap="square" lIns="0" tIns="0" rIns="0" bIns="0" rtlCol="0" anchor="t"/>
+          <a:lstStyle/>
+          <a:p>
+            <a:pPr algn="l" indent="0" marL="0">
+              <a:lnSpc>
+                <a:spcPts val="1120"/>
+              </a:lnSpc>
+              <a:buNone/>
+            </a:pPr>
+            <a:r>
+              <a:rPr lang="en-US" sz="800" dirty="0">
                 <a:solidFill>
                   <a:srgbClr val="CBD5E1"/>
                 </a:solidFill>
@@ -5441,9 +5482,9 @@
                 <a:ea typeface="Courier New" pitchFamily="34" charset="-122"/>
                 <a:cs typeface="Courier New" pitchFamily="34" charset="-120"/>
               </a:rPr>
-              <a:t>model_evaluator.py</a:t>
-            </a:r>
-            <a:endParaRPr lang="en-US" sz="850" dirty="0"/>
+              <a:t>model_trainer.py</a:t>
+            </a:r>
+            <a:endParaRPr lang="en-US" sz="800" dirty="0"/>
           </a:p>
         </p:txBody>
       </p:sp>
@@ -5455,27 +5496,27 @@
         </p:nvSpPr>
         <p:spPr>
           <a:xfrm>
-            <a:off x="644426" y="2404914"/>
-            <a:ext cx="4683023" cy="161776"/>
-          </a:xfrm>
-          <a:prstGeom prst="rect">
-            <a:avLst/>
-          </a:prstGeom>
-          <a:noFill/>
-          <a:ln/>
-        </p:spPr>
-        <p:txBody>
-          <a:bodyPr wrap="square" lIns="0" tIns="0" rIns="0" bIns="0" rtlCol="0" anchor="t"/>
-          <a:lstStyle/>
-          <a:p>
-            <a:pPr algn="l" indent="0" marL="0">
-              <a:lnSpc>
-                <a:spcPts val="1275"/>
-              </a:lnSpc>
-              <a:buNone/>
-            </a:pPr>
-            <a:r>
-              <a:rPr lang="en-US" sz="850" dirty="0">
+            <a:off x="644426" y="2133749"/>
+            <a:ext cx="4698659" cy="142280"/>
+          </a:xfrm>
+          <a:prstGeom prst="rect">
+            <a:avLst/>
+          </a:prstGeom>
+          <a:noFill/>
+          <a:ln/>
+        </p:spPr>
+        <p:txBody>
+          <a:bodyPr wrap="square" lIns="0" tIns="0" rIns="0" bIns="0" rtlCol="0" anchor="t"/>
+          <a:lstStyle/>
+          <a:p>
+            <a:pPr algn="l" indent="0" marL="0">
+              <a:lnSpc>
+                <a:spcPts val="1120"/>
+              </a:lnSpc>
+              <a:buNone/>
+            </a:pPr>
+            <a:r>
+              <a:rPr lang="en-US" sz="800" dirty="0">
                 <a:solidFill>
                   <a:srgbClr val="CBD5E1"/>
                 </a:solidFill>
@@ -5483,9 +5524,9 @@
                 <a:ea typeface="Courier New" pitchFamily="34" charset="-122"/>
                 <a:cs typeface="Courier New" pitchFamily="34" charset="-120"/>
               </a:rPr>
-              <a:t>bert_trainer.py</a:t>
-            </a:r>
-            <a:endParaRPr lang="en-US" sz="850" dirty="0"/>
+              <a:t>model_evaluator.py</a:t>
+            </a:r>
+            <a:endParaRPr lang="en-US" sz="800" dirty="0"/>
           </a:p>
         </p:txBody>
       </p:sp>
@@ -5497,27 +5538,27 @@
         </p:nvSpPr>
         <p:spPr>
           <a:xfrm>
-            <a:off x="644426" y="2566690"/>
-            <a:ext cx="4683023" cy="161776"/>
-          </a:xfrm>
-          <a:prstGeom prst="rect">
-            <a:avLst/>
-          </a:prstGeom>
-          <a:noFill/>
-          <a:ln/>
-        </p:spPr>
-        <p:txBody>
-          <a:bodyPr wrap="square" lIns="0" tIns="0" rIns="0" bIns="0" rtlCol="0" anchor="t"/>
-          <a:lstStyle/>
-          <a:p>
-            <a:pPr algn="l" indent="0" marL="0">
-              <a:lnSpc>
-                <a:spcPts val="1275"/>
-              </a:lnSpc>
-              <a:buNone/>
-            </a:pPr>
-            <a:r>
-              <a:rPr lang="en-US" sz="850" dirty="0">
+            <a:off x="644426" y="2276029"/>
+            <a:ext cx="4698659" cy="142280"/>
+          </a:xfrm>
+          <a:prstGeom prst="rect">
+            <a:avLst/>
+          </a:prstGeom>
+          <a:noFill/>
+          <a:ln/>
+        </p:spPr>
+        <p:txBody>
+          <a:bodyPr wrap="square" lIns="0" tIns="0" rIns="0" bIns="0" rtlCol="0" anchor="t"/>
+          <a:lstStyle/>
+          <a:p>
+            <a:pPr algn="l" indent="0" marL="0">
+              <a:lnSpc>
+                <a:spcPts val="1120"/>
+              </a:lnSpc>
+              <a:buNone/>
+            </a:pPr>
+            <a:r>
+              <a:rPr lang="en-US" sz="800" dirty="0">
                 <a:solidFill>
                   <a:srgbClr val="CBD5E1"/>
                 </a:solidFill>
@@ -5525,9 +5566,9 @@
                 <a:ea typeface="Courier New" pitchFamily="34" charset="-122"/>
                 <a:cs typeface="Courier New" pitchFamily="34" charset="-120"/>
               </a:rPr>
-              <a:t>visualization.py</a:t>
-            </a:r>
-            <a:endParaRPr lang="en-US" sz="850" dirty="0"/>
+              <a:t>bert_trainer.py</a:t>
+            </a:r>
+            <a:endParaRPr lang="en-US" sz="800" dirty="0"/>
           </a:p>
         </p:txBody>
       </p:sp>
@@ -5539,37 +5580,37 @@
         </p:nvSpPr>
         <p:spPr>
           <a:xfrm>
-            <a:off x="644426" y="2728466"/>
-            <a:ext cx="4683023" cy="161776"/>
-          </a:xfrm>
-          <a:prstGeom prst="rect">
-            <a:avLst/>
-          </a:prstGeom>
-          <a:noFill/>
-          <a:ln/>
-        </p:spPr>
-        <p:txBody>
-          <a:bodyPr wrap="square" lIns="0" tIns="0" rIns="0" bIns="0" rtlCol="0" anchor="t"/>
-          <a:lstStyle/>
-          <a:p>
-            <a:pPr algn="l" indent="0" marL="0">
-              <a:lnSpc>
-                <a:spcPts val="1275"/>
-              </a:lnSpc>
-              <a:buNone/>
-            </a:pPr>
-            <a:r>
-              <a:rPr lang="en-US" sz="850" b="1" dirty="0">
-                <a:solidFill>
-                  <a:srgbClr val="00B4D8"/>
+            <a:off x="644426" y="2418308"/>
+            <a:ext cx="4698659" cy="142280"/>
+          </a:xfrm>
+          <a:prstGeom prst="rect">
+            <a:avLst/>
+          </a:prstGeom>
+          <a:noFill/>
+          <a:ln/>
+        </p:spPr>
+        <p:txBody>
+          <a:bodyPr wrap="square" lIns="0" tIns="0" rIns="0" bIns="0" rtlCol="0" anchor="t"/>
+          <a:lstStyle/>
+          <a:p>
+            <a:pPr algn="l" indent="0" marL="0">
+              <a:lnSpc>
+                <a:spcPts val="1120"/>
+              </a:lnSpc>
+              <a:buNone/>
+            </a:pPr>
+            <a:r>
+              <a:rPr lang="en-US" sz="800" dirty="0">
+                <a:solidFill>
+                  <a:srgbClr val="CBD5E1"/>
                 </a:solidFill>
                 <a:latin typeface="Courier New" pitchFamily="34" charset="0"/>
                 <a:ea typeface="Courier New" pitchFamily="34" charset="-122"/>
                 <a:cs typeface="Courier New" pitchFamily="34" charset="-120"/>
               </a:rPr>
-              <a:t>docs/</a:t>
-            </a:r>
-            <a:endParaRPr lang="en-US" sz="850" dirty="0"/>
+              <a:t>visualization.py</a:t>
+            </a:r>
+            <a:endParaRPr lang="en-US" sz="800" dirty="0"/>
           </a:p>
         </p:txBody>
       </p:sp>
@@ -5581,37 +5622,37 @@
         </p:nvSpPr>
         <p:spPr>
           <a:xfrm>
-            <a:off x="644426" y="2890242"/>
-            <a:ext cx="4683023" cy="161776"/>
-          </a:xfrm>
-          <a:prstGeom prst="rect">
-            <a:avLst/>
-          </a:prstGeom>
-          <a:noFill/>
-          <a:ln/>
-        </p:spPr>
-        <p:txBody>
-          <a:bodyPr wrap="square" lIns="0" tIns="0" rIns="0" bIns="0" rtlCol="0" anchor="t"/>
-          <a:lstStyle/>
-          <a:p>
-            <a:pPr algn="l" indent="0" marL="0">
-              <a:lnSpc>
-                <a:spcPts val="1275"/>
-              </a:lnSpc>
-              <a:buNone/>
-            </a:pPr>
-            <a:r>
-              <a:rPr lang="en-US" sz="850" dirty="0">
-                <a:solidFill>
-                  <a:srgbClr val="CBD5E1"/>
+            <a:off x="644426" y="2560588"/>
+            <a:ext cx="4698659" cy="142280"/>
+          </a:xfrm>
+          <a:prstGeom prst="rect">
+            <a:avLst/>
+          </a:prstGeom>
+          <a:noFill/>
+          <a:ln/>
+        </p:spPr>
+        <p:txBody>
+          <a:bodyPr wrap="square" lIns="0" tIns="0" rIns="0" bIns="0" rtlCol="0" anchor="t"/>
+          <a:lstStyle/>
+          <a:p>
+            <a:pPr algn="l" indent="0" marL="0">
+              <a:lnSpc>
+                <a:spcPts val="1120"/>
+              </a:lnSpc>
+              <a:buNone/>
+            </a:pPr>
+            <a:r>
+              <a:rPr lang="en-US" sz="800" b="1" dirty="0">
+                <a:solidFill>
+                  <a:srgbClr val="00B4D8"/>
                 </a:solidFill>
                 <a:latin typeface="Courier New" pitchFamily="34" charset="0"/>
                 <a:ea typeface="Courier New" pitchFamily="34" charset="-122"/>
                 <a:cs typeface="Courier New" pitchFamily="34" charset="-120"/>
               </a:rPr>
-              <a:t>legal_posture_ontology.md</a:t>
-            </a:r>
-            <a:endParaRPr lang="en-US" sz="850" dirty="0"/>
+              <a:t>tests/</a:t>
+            </a:r>
+            <a:endParaRPr lang="en-US" sz="800" dirty="0"/>
           </a:p>
         </p:txBody>
       </p:sp>
@@ -5623,27 +5664,27 @@
         </p:nvSpPr>
         <p:spPr>
           <a:xfrm>
-            <a:off x="644426" y="3052018"/>
-            <a:ext cx="4683023" cy="161776"/>
-          </a:xfrm>
-          <a:prstGeom prst="rect">
-            <a:avLst/>
-          </a:prstGeom>
-          <a:noFill/>
-          <a:ln/>
-        </p:spPr>
-        <p:txBody>
-          <a:bodyPr wrap="square" lIns="0" tIns="0" rIns="0" bIns="0" rtlCol="0" anchor="t"/>
-          <a:lstStyle/>
-          <a:p>
-            <a:pPr algn="l" indent="0" marL="0">
-              <a:lnSpc>
-                <a:spcPts val="1275"/>
-              </a:lnSpc>
-              <a:buNone/>
-            </a:pPr>
-            <a:r>
-              <a:rPr lang="en-US" sz="850" dirty="0">
+            <a:off x="644426" y="2702868"/>
+            <a:ext cx="4698659" cy="142280"/>
+          </a:xfrm>
+          <a:prstGeom prst="rect">
+            <a:avLst/>
+          </a:prstGeom>
+          <a:noFill/>
+          <a:ln/>
+        </p:spPr>
+        <p:txBody>
+          <a:bodyPr wrap="square" lIns="0" tIns="0" rIns="0" bIns="0" rtlCol="0" anchor="t"/>
+          <a:lstStyle/>
+          <a:p>
+            <a:pPr algn="l" indent="0" marL="0">
+              <a:lnSpc>
+                <a:spcPts val="1120"/>
+              </a:lnSpc>
+              <a:buNone/>
+            </a:pPr>
+            <a:r>
+              <a:rPr lang="en-US" sz="800" dirty="0">
                 <a:solidFill>
                   <a:srgbClr val="CBD5E1"/>
                 </a:solidFill>
@@ -5651,9 +5692,9 @@
                 <a:ea typeface="Courier New" pitchFamily="34" charset="-122"/>
                 <a:cs typeface="Courier New" pitchFamily="34" charset="-120"/>
               </a:rPr>
-              <a:t>challenge_description.txt</a:t>
-            </a:r>
-            <a:endParaRPr lang="en-US" sz="850" dirty="0"/>
+              <a:t>test_data_loader.py</a:t>
+            </a:r>
+            <a:endParaRPr lang="en-US" sz="800" dirty="0"/>
           </a:p>
         </p:txBody>
       </p:sp>
@@ -5665,37 +5706,37 @@
         </p:nvSpPr>
         <p:spPr>
           <a:xfrm>
-            <a:off x="644426" y="3213795"/>
-            <a:ext cx="4683023" cy="161776"/>
-          </a:xfrm>
-          <a:prstGeom prst="rect">
-            <a:avLst/>
-          </a:prstGeom>
-          <a:noFill/>
-          <a:ln/>
-        </p:spPr>
-        <p:txBody>
-          <a:bodyPr wrap="square" lIns="0" tIns="0" rIns="0" bIns="0" rtlCol="0" anchor="t"/>
-          <a:lstStyle/>
-          <a:p>
-            <a:pPr algn="l" indent="0" marL="0">
-              <a:lnSpc>
-                <a:spcPts val="1275"/>
-              </a:lnSpc>
-              <a:buNone/>
-            </a:pPr>
-            <a:r>
-              <a:rPr lang="en-US" sz="850" b="1" dirty="0">
-                <a:solidFill>
-                  <a:srgbClr val="00B4D8"/>
+            <a:off x="644426" y="2845147"/>
+            <a:ext cx="4698659" cy="142280"/>
+          </a:xfrm>
+          <a:prstGeom prst="rect">
+            <a:avLst/>
+          </a:prstGeom>
+          <a:noFill/>
+          <a:ln/>
+        </p:spPr>
+        <p:txBody>
+          <a:bodyPr wrap="square" lIns="0" tIns="0" rIns="0" bIns="0" rtlCol="0" anchor="t"/>
+          <a:lstStyle/>
+          <a:p>
+            <a:pPr algn="l" indent="0" marL="0">
+              <a:lnSpc>
+                <a:spcPts val="1120"/>
+              </a:lnSpc>
+              <a:buNone/>
+            </a:pPr>
+            <a:r>
+              <a:rPr lang="en-US" sz="800" dirty="0">
+                <a:solidFill>
+                  <a:srgbClr val="CBD5E1"/>
                 </a:solidFill>
                 <a:latin typeface="Courier New" pitchFamily="34" charset="0"/>
                 <a:ea typeface="Courier New" pitchFamily="34" charset="-122"/>
                 <a:cs typeface="Courier New" pitchFamily="34" charset="-120"/>
               </a:rPr>
-              <a:t>data/</a:t>
-            </a:r>
-            <a:endParaRPr lang="en-US" sz="850" dirty="0"/>
+              <a:t>test_model_trainer.py</a:t>
+            </a:r>
+            <a:endParaRPr lang="en-US" sz="800" dirty="0"/>
           </a:p>
         </p:txBody>
       </p:sp>
@@ -5707,27 +5748,27 @@
         </p:nvSpPr>
         <p:spPr>
           <a:xfrm>
-            <a:off x="644426" y="3375571"/>
-            <a:ext cx="4683023" cy="161776"/>
-          </a:xfrm>
-          <a:prstGeom prst="rect">
-            <a:avLst/>
-          </a:prstGeom>
-          <a:noFill/>
-          <a:ln/>
-        </p:spPr>
-        <p:txBody>
-          <a:bodyPr wrap="square" lIns="0" tIns="0" rIns="0" bIns="0" rtlCol="0" anchor="t"/>
-          <a:lstStyle/>
-          <a:p>
-            <a:pPr algn="l" indent="0" marL="0">
-              <a:lnSpc>
-                <a:spcPts val="1275"/>
-              </a:lnSpc>
-              <a:buNone/>
-            </a:pPr>
-            <a:r>
-              <a:rPr lang="en-US" sz="850" dirty="0">
+            <a:off x="644426" y="2987427"/>
+            <a:ext cx="4698659" cy="142280"/>
+          </a:xfrm>
+          <a:prstGeom prst="rect">
+            <a:avLst/>
+          </a:prstGeom>
+          <a:noFill/>
+          <a:ln/>
+        </p:spPr>
+        <p:txBody>
+          <a:bodyPr wrap="square" lIns="0" tIns="0" rIns="0" bIns="0" rtlCol="0" anchor="t"/>
+          <a:lstStyle/>
+          <a:p>
+            <a:pPr algn="l" indent="0" marL="0">
+              <a:lnSpc>
+                <a:spcPts val="1120"/>
+              </a:lnSpc>
+              <a:buNone/>
+            </a:pPr>
+            <a:r>
+              <a:rPr lang="en-US" sz="800" dirty="0">
                 <a:solidFill>
                   <a:srgbClr val="CBD5E1"/>
                 </a:solidFill>
@@ -5735,9 +5776,9 @@
                 <a:ea typeface="Courier New" pitchFamily="34" charset="-122"/>
                 <a:cs typeface="Courier New" pitchFamily="34" charset="-120"/>
               </a:rPr>
-              <a:t>TRDataChallenge2023.txt</a:t>
-            </a:r>
-            <a:endParaRPr lang="en-US" sz="850" dirty="0"/>
+              <a:t>test_model_evaluator.py</a:t>
+            </a:r>
+            <a:endParaRPr lang="en-US" sz="800" dirty="0"/>
           </a:p>
         </p:txBody>
       </p:sp>
@@ -5749,27 +5790,27 @@
         </p:nvSpPr>
         <p:spPr>
           <a:xfrm>
-            <a:off x="644426" y="3537347"/>
-            <a:ext cx="4683023" cy="161776"/>
-          </a:xfrm>
-          <a:prstGeom prst="rect">
-            <a:avLst/>
-          </a:prstGeom>
-          <a:noFill/>
-          <a:ln/>
-        </p:spPr>
-        <p:txBody>
-          <a:bodyPr wrap="square" lIns="0" tIns="0" rIns="0" bIns="0" rtlCol="0" anchor="t"/>
-          <a:lstStyle/>
-          <a:p>
-            <a:pPr algn="l" indent="0" marL="0">
-              <a:lnSpc>
-                <a:spcPts val="1275"/>
-              </a:lnSpc>
-              <a:buNone/>
-            </a:pPr>
-            <a:r>
-              <a:rPr lang="en-US" sz="850" dirty="0">
+            <a:off x="644426" y="3129707"/>
+            <a:ext cx="4698659" cy="142280"/>
+          </a:xfrm>
+          <a:prstGeom prst="rect">
+            <a:avLst/>
+          </a:prstGeom>
+          <a:noFill/>
+          <a:ln/>
+        </p:spPr>
+        <p:txBody>
+          <a:bodyPr wrap="square" lIns="0" tIns="0" rIns="0" bIns="0" rtlCol="0" anchor="t"/>
+          <a:lstStyle/>
+          <a:p>
+            <a:pPr algn="l" indent="0" marL="0">
+              <a:lnSpc>
+                <a:spcPts val="1120"/>
+              </a:lnSpc>
+              <a:buNone/>
+            </a:pPr>
+            <a:r>
+              <a:rPr lang="en-US" sz="800" dirty="0">
                 <a:solidFill>
                   <a:srgbClr val="CBD5E1"/>
                 </a:solidFill>
@@ -5777,9 +5818,9 @@
                 <a:ea typeface="Courier New" pitchFamily="34" charset="-122"/>
                 <a:cs typeface="Courier New" pitchFamily="34" charset="-120"/>
               </a:rPr>
-              <a:t>label_distribution.json</a:t>
-            </a:r>
-            <a:endParaRPr lang="en-US" sz="850" dirty="0"/>
+              <a:t>test_bert_trainer.py</a:t>
+            </a:r>
+            <a:endParaRPr lang="en-US" sz="800" dirty="0"/>
           </a:p>
         </p:txBody>
       </p:sp>
@@ -5791,27 +5832,27 @@
         </p:nvSpPr>
         <p:spPr>
           <a:xfrm>
-            <a:off x="644426" y="3699123"/>
-            <a:ext cx="4683023" cy="161776"/>
-          </a:xfrm>
-          <a:prstGeom prst="rect">
-            <a:avLst/>
-          </a:prstGeom>
-          <a:noFill/>
-          <a:ln/>
-        </p:spPr>
-        <p:txBody>
-          <a:bodyPr wrap="square" lIns="0" tIns="0" rIns="0" bIns="0" rtlCol="0" anchor="t"/>
-          <a:lstStyle/>
-          <a:p>
-            <a:pPr algn="l" indent="0" marL="0">
-              <a:lnSpc>
-                <a:spcPts val="1275"/>
-              </a:lnSpc>
-              <a:buNone/>
-            </a:pPr>
-            <a:r>
-              <a:rPr lang="en-US" sz="850" b="1" dirty="0">
+            <a:off x="644426" y="3271986"/>
+            <a:ext cx="4698659" cy="142280"/>
+          </a:xfrm>
+          <a:prstGeom prst="rect">
+            <a:avLst/>
+          </a:prstGeom>
+          <a:noFill/>
+          <a:ln/>
+        </p:spPr>
+        <p:txBody>
+          <a:bodyPr wrap="square" lIns="0" tIns="0" rIns="0" bIns="0" rtlCol="0" anchor="t"/>
+          <a:lstStyle/>
+          <a:p>
+            <a:pPr algn="l" indent="0" marL="0">
+              <a:lnSpc>
+                <a:spcPts val="1120"/>
+              </a:lnSpc>
+              <a:buNone/>
+            </a:pPr>
+            <a:r>
+              <a:rPr lang="en-US" sz="800" b="1" dirty="0">
                 <a:solidFill>
                   <a:srgbClr val="00B4D8"/>
                 </a:solidFill>
@@ -5819,9 +5860,9 @@
                 <a:ea typeface="Courier New" pitchFamily="34" charset="-122"/>
                 <a:cs typeface="Courier New" pitchFamily="34" charset="-120"/>
               </a:rPr>
-              <a:t>outputs/</a:t>
-            </a:r>
-            <a:endParaRPr lang="en-US" sz="850" dirty="0"/>
+              <a:t>docs/</a:t>
+            </a:r>
+            <a:endParaRPr lang="en-US" sz="800" dirty="0"/>
           </a:p>
         </p:txBody>
       </p:sp>
@@ -5833,27 +5874,27 @@
         </p:nvSpPr>
         <p:spPr>
           <a:xfrm>
-            <a:off x="644426" y="3860899"/>
-            <a:ext cx="4683023" cy="161776"/>
-          </a:xfrm>
-          <a:prstGeom prst="rect">
-            <a:avLst/>
-          </a:prstGeom>
-          <a:noFill/>
-          <a:ln/>
-        </p:spPr>
-        <p:txBody>
-          <a:bodyPr wrap="square" lIns="0" tIns="0" rIns="0" bIns="0" rtlCol="0" anchor="t"/>
-          <a:lstStyle/>
-          <a:p>
-            <a:pPr algn="l" indent="0" marL="0">
-              <a:lnSpc>
-                <a:spcPts val="1275"/>
-              </a:lnSpc>
-              <a:buNone/>
-            </a:pPr>
-            <a:r>
-              <a:rPr lang="en-US" sz="850" dirty="0">
+            <a:off x="644426" y="3414266"/>
+            <a:ext cx="4698659" cy="142280"/>
+          </a:xfrm>
+          <a:prstGeom prst="rect">
+            <a:avLst/>
+          </a:prstGeom>
+          <a:noFill/>
+          <a:ln/>
+        </p:spPr>
+        <p:txBody>
+          <a:bodyPr wrap="square" lIns="0" tIns="0" rIns="0" bIns="0" rtlCol="0" anchor="t"/>
+          <a:lstStyle/>
+          <a:p>
+            <a:pPr algn="l" indent="0" marL="0">
+              <a:lnSpc>
+                <a:spcPts val="1120"/>
+              </a:lnSpc>
+              <a:buNone/>
+            </a:pPr>
+            <a:r>
+              <a:rPr lang="en-US" sz="800" dirty="0">
                 <a:solidFill>
                   <a:srgbClr val="CBD5E1"/>
                 </a:solidFill>
@@ -5861,9 +5902,9 @@
                 <a:ea typeface="Courier New" pitchFamily="34" charset="-122"/>
                 <a:cs typeface="Courier New" pitchFamily="34" charset="-120"/>
               </a:rPr>
-              <a:t>summaries/  (5,530 cached)</a:t>
-            </a:r>
-            <a:endParaRPr lang="en-US" sz="850" dirty="0"/>
+              <a:t>legal_posture_ontology.md</a:t>
+            </a:r>
+            <a:endParaRPr lang="en-US" sz="800" dirty="0"/>
           </a:p>
         </p:txBody>
       </p:sp>
@@ -5875,27 +5916,27 @@
         </p:nvSpPr>
         <p:spPr>
           <a:xfrm>
-            <a:off x="644426" y="4022675"/>
-            <a:ext cx="4683023" cy="161776"/>
-          </a:xfrm>
-          <a:prstGeom prst="rect">
-            <a:avLst/>
-          </a:prstGeom>
-          <a:noFill/>
-          <a:ln/>
-        </p:spPr>
-        <p:txBody>
-          <a:bodyPr wrap="square" lIns="0" tIns="0" rIns="0" bIns="0" rtlCol="0" anchor="t"/>
-          <a:lstStyle/>
-          <a:p>
-            <a:pPr algn="l" indent="0" marL="0">
-              <a:lnSpc>
-                <a:spcPts val="1275"/>
-              </a:lnSpc>
-              <a:buNone/>
-            </a:pPr>
-            <a:r>
-              <a:rPr lang="en-US" sz="850" dirty="0">
+            <a:off x="644426" y="3556546"/>
+            <a:ext cx="4698659" cy="142280"/>
+          </a:xfrm>
+          <a:prstGeom prst="rect">
+            <a:avLst/>
+          </a:prstGeom>
+          <a:noFill/>
+          <a:ln/>
+        </p:spPr>
+        <p:txBody>
+          <a:bodyPr wrap="square" lIns="0" tIns="0" rIns="0" bIns="0" rtlCol="0" anchor="t"/>
+          <a:lstStyle/>
+          <a:p>
+            <a:pPr algn="l" indent="0" marL="0">
+              <a:lnSpc>
+                <a:spcPts val="1120"/>
+              </a:lnSpc>
+              <a:buNone/>
+            </a:pPr>
+            <a:r>
+              <a:rPr lang="en-US" sz="800" dirty="0">
                 <a:solidFill>
                   <a:srgbClr val="CBD5E1"/>
                 </a:solidFill>
@@ -5903,9 +5944,9 @@
                 <a:ea typeface="Courier New" pitchFamily="34" charset="-122"/>
                 <a:cs typeface="Courier New" pitchFamily="34" charset="-120"/>
               </a:rPr>
-              <a:t>legal_longformer_best.pt</a:t>
-            </a:r>
-            <a:endParaRPr lang="en-US" sz="850" dirty="0"/>
+              <a:t>question_3_next_steps.md</a:t>
+            </a:r>
+            <a:endParaRPr lang="en-US" sz="800" dirty="0"/>
           </a:p>
         </p:txBody>
       </p:sp>
@@ -5917,54 +5958,264 @@
         </p:nvSpPr>
         <p:spPr>
           <a:xfrm>
-            <a:off x="644426" y="4184452"/>
-            <a:ext cx="4683023" cy="161776"/>
-          </a:xfrm>
-          <a:prstGeom prst="rect">
-            <a:avLst/>
-          </a:prstGeom>
-          <a:noFill/>
-          <a:ln/>
-        </p:spPr>
-        <p:txBody>
-          <a:bodyPr wrap="square" lIns="0" tIns="0" rIns="0" bIns="0" rtlCol="0" anchor="t"/>
-          <a:lstStyle/>
-          <a:p>
-            <a:pPr algn="l" indent="0" marL="0">
-              <a:lnSpc>
-                <a:spcPts val="1275"/>
-              </a:lnSpc>
-              <a:buNone/>
-            </a:pPr>
-            <a:r>
-              <a:rPr lang="en-US" sz="850" dirty="0">
-                <a:solidFill>
-                  <a:srgbClr val="CBD5E1"/>
+            <a:off x="644426" y="3698825"/>
+            <a:ext cx="4698659" cy="142280"/>
+          </a:xfrm>
+          <a:prstGeom prst="rect">
+            <a:avLst/>
+          </a:prstGeom>
+          <a:noFill/>
+          <a:ln/>
+        </p:spPr>
+        <p:txBody>
+          <a:bodyPr wrap="square" lIns="0" tIns="0" rIns="0" bIns="0" rtlCol="0" anchor="t"/>
+          <a:lstStyle/>
+          <a:p>
+            <a:pPr algn="l" indent="0" marL="0">
+              <a:lnSpc>
+                <a:spcPts val="1120"/>
+              </a:lnSpc>
+              <a:buNone/>
+            </a:pPr>
+            <a:r>
+              <a:rPr lang="en-US" sz="800" b="1" dirty="0">
+                <a:solidFill>
+                  <a:srgbClr val="00B4D8"/>
                 </a:solidFill>
                 <a:latin typeface="Courier New" pitchFamily="34" charset="0"/>
                 <a:ea typeface="Courier New" pitchFamily="34" charset="-122"/>
                 <a:cs typeface="Courier New" pitchFamily="34" charset="-120"/>
               </a:rPr>
+              <a:t>data/</a:t>
+            </a:r>
+            <a:endParaRPr lang="en-US" sz="800" dirty="0"/>
+          </a:p>
+        </p:txBody>
+      </p:sp>
+      <p:sp>
+        <p:nvSpPr>
+          <p:cNvPr id="27" name="Text 24"/>
+          <p:cNvSpPr/>
+          <p:nvPr/>
+        </p:nvSpPr>
+        <p:spPr>
+          <a:xfrm>
+            <a:off x="644426" y="3841105"/>
+            <a:ext cx="4698659" cy="142280"/>
+          </a:xfrm>
+          <a:prstGeom prst="rect">
+            <a:avLst/>
+          </a:prstGeom>
+          <a:noFill/>
+          <a:ln/>
+        </p:spPr>
+        <p:txBody>
+          <a:bodyPr wrap="square" lIns="0" tIns="0" rIns="0" bIns="0" rtlCol="0" anchor="t"/>
+          <a:lstStyle/>
+          <a:p>
+            <a:pPr algn="l" indent="0" marL="0">
+              <a:lnSpc>
+                <a:spcPts val="1120"/>
+              </a:lnSpc>
+              <a:buNone/>
+            </a:pPr>
+            <a:r>
+              <a:rPr lang="en-US" sz="800" dirty="0">
+                <a:solidFill>
+                  <a:srgbClr val="CBD5E1"/>
+                </a:solidFill>
+                <a:latin typeface="Courier New" pitchFamily="34" charset="0"/>
+                <a:ea typeface="Courier New" pitchFamily="34" charset="-122"/>
+                <a:cs typeface="Courier New" pitchFamily="34" charset="-120"/>
+              </a:rPr>
+              <a:t>TRDataChallenge2023.txt</a:t>
+            </a:r>
+            <a:endParaRPr lang="en-US" sz="800" dirty="0"/>
+          </a:p>
+        </p:txBody>
+      </p:sp>
+      <p:sp>
+        <p:nvSpPr>
+          <p:cNvPr id="28" name="Text 25"/>
+          <p:cNvSpPr/>
+          <p:nvPr/>
+        </p:nvSpPr>
+        <p:spPr>
+          <a:xfrm>
+            <a:off x="644426" y="3983385"/>
+            <a:ext cx="4698659" cy="142280"/>
+          </a:xfrm>
+          <a:prstGeom prst="rect">
+            <a:avLst/>
+          </a:prstGeom>
+          <a:noFill/>
+          <a:ln/>
+        </p:spPr>
+        <p:txBody>
+          <a:bodyPr wrap="square" lIns="0" tIns="0" rIns="0" bIns="0" rtlCol="0" anchor="t"/>
+          <a:lstStyle/>
+          <a:p>
+            <a:pPr algn="l" indent="0" marL="0">
+              <a:lnSpc>
+                <a:spcPts val="1120"/>
+              </a:lnSpc>
+              <a:buNone/>
+            </a:pPr>
+            <a:r>
+              <a:rPr lang="en-US" sz="800" b="1" dirty="0">
+                <a:solidFill>
+                  <a:srgbClr val="00B4D8"/>
+                </a:solidFill>
+                <a:latin typeface="Courier New" pitchFamily="34" charset="0"/>
+                <a:ea typeface="Courier New" pitchFamily="34" charset="-122"/>
+                <a:cs typeface="Courier New" pitchFamily="34" charset="-120"/>
+              </a:rPr>
+              <a:t>outputs/</a:t>
+            </a:r>
+            <a:endParaRPr lang="en-US" sz="800" dirty="0"/>
+          </a:p>
+        </p:txBody>
+      </p:sp>
+      <p:sp>
+        <p:nvSpPr>
+          <p:cNvPr id="29" name="Text 26"/>
+          <p:cNvSpPr/>
+          <p:nvPr/>
+        </p:nvSpPr>
+        <p:spPr>
+          <a:xfrm>
+            <a:off x="644426" y="4125664"/>
+            <a:ext cx="4698659" cy="142280"/>
+          </a:xfrm>
+          <a:prstGeom prst="rect">
+            <a:avLst/>
+          </a:prstGeom>
+          <a:noFill/>
+          <a:ln/>
+        </p:spPr>
+        <p:txBody>
+          <a:bodyPr wrap="square" lIns="0" tIns="0" rIns="0" bIns="0" rtlCol="0" anchor="t"/>
+          <a:lstStyle/>
+          <a:p>
+            <a:pPr algn="l" indent="0" marL="0">
+              <a:lnSpc>
+                <a:spcPts val="1120"/>
+              </a:lnSpc>
+              <a:buNone/>
+            </a:pPr>
+            <a:r>
+              <a:rPr lang="en-US" sz="800" dirty="0">
+                <a:solidFill>
+                  <a:srgbClr val="CBD5E1"/>
+                </a:solidFill>
+                <a:latin typeface="Courier New" pitchFamily="34" charset="0"/>
+                <a:ea typeface="Courier New" pitchFamily="34" charset="-122"/>
+                <a:cs typeface="Courier New" pitchFamily="34" charset="-120"/>
+              </a:rPr>
+              <a:t>summaries/  (5,530 cached)</a:t>
+            </a:r>
+            <a:endParaRPr lang="en-US" sz="800" dirty="0"/>
+          </a:p>
+        </p:txBody>
+      </p:sp>
+      <p:sp>
+        <p:nvSpPr>
+          <p:cNvPr id="30" name="Text 27"/>
+          <p:cNvSpPr/>
+          <p:nvPr/>
+        </p:nvSpPr>
+        <p:spPr>
+          <a:xfrm>
+            <a:off x="644426" y="4267944"/>
+            <a:ext cx="4698659" cy="142280"/>
+          </a:xfrm>
+          <a:prstGeom prst="rect">
+            <a:avLst/>
+          </a:prstGeom>
+          <a:noFill/>
+          <a:ln/>
+        </p:spPr>
+        <p:txBody>
+          <a:bodyPr wrap="square" lIns="0" tIns="0" rIns="0" bIns="0" rtlCol="0" anchor="t"/>
+          <a:lstStyle/>
+          <a:p>
+            <a:pPr algn="l" indent="0" marL="0">
+              <a:lnSpc>
+                <a:spcPts val="1120"/>
+              </a:lnSpc>
+              <a:buNone/>
+            </a:pPr>
+            <a:r>
+              <a:rPr lang="en-US" sz="800" dirty="0">
+                <a:solidFill>
+                  <a:srgbClr val="CBD5E1"/>
+                </a:solidFill>
+                <a:latin typeface="Courier New" pitchFamily="34" charset="0"/>
+                <a:ea typeface="Courier New" pitchFamily="34" charset="-122"/>
+                <a:cs typeface="Courier New" pitchFamily="34" charset="-120"/>
+              </a:rPr>
+              <a:t>*_predictions.npz</a:t>
+            </a:r>
+            <a:endParaRPr lang="en-US" sz="800" dirty="0"/>
+          </a:p>
+        </p:txBody>
+      </p:sp>
+      <p:sp>
+        <p:nvSpPr>
+          <p:cNvPr id="31" name="Text 28"/>
+          <p:cNvSpPr/>
+          <p:nvPr/>
+        </p:nvSpPr>
+        <p:spPr>
+          <a:xfrm>
+            <a:off x="644426" y="4410224"/>
+            <a:ext cx="4698659" cy="142280"/>
+          </a:xfrm>
+          <a:prstGeom prst="rect">
+            <a:avLst/>
+          </a:prstGeom>
+          <a:noFill/>
+          <a:ln/>
+        </p:spPr>
+        <p:txBody>
+          <a:bodyPr wrap="square" lIns="0" tIns="0" rIns="0" bIns="0" rtlCol="0" anchor="t"/>
+          <a:lstStyle/>
+          <a:p>
+            <a:pPr algn="l" indent="0" marL="0">
+              <a:lnSpc>
+                <a:spcPts val="1120"/>
+              </a:lnSpc>
+              <a:buNone/>
+            </a:pPr>
+            <a:r>
+              <a:rPr lang="en-US" sz="800" dirty="0">
+                <a:solidFill>
+                  <a:srgbClr val="CBD5E1"/>
+                </a:solidFill>
+                <a:latin typeface="Courier New" pitchFamily="34" charset="0"/>
+                <a:ea typeface="Courier New" pitchFamily="34" charset="-122"/>
+                <a:cs typeface="Courier New" pitchFamily="34" charset="-120"/>
+              </a:rPr>
               <a:t>*.history.json</a:t>
             </a:r>
-            <a:endParaRPr lang="en-US" sz="850" dirty="0"/>
-          </a:p>
-        </p:txBody>
-      </p:sp>
-      <p:sp>
-        <p:nvSpPr>
-          <p:cNvPr id="27" name="Text 24"/>
-          <p:cNvSpPr/>
-          <p:nvPr/>
-        </p:nvSpPr>
-        <p:spPr>
-          <a:xfrm>
-            <a:off x="5626001" y="676126"/>
-            <a:ext cx="3060799" cy="453926"/>
+            <a:endParaRPr lang="en-US" sz="800" dirty="0"/>
+          </a:p>
+        </p:txBody>
+      </p:sp>
+      <p:sp>
+        <p:nvSpPr>
+          <p:cNvPr id="32" name="Text 29"/>
+          <p:cNvSpPr/>
+          <p:nvPr/>
+        </p:nvSpPr>
+        <p:spPr>
+          <a:xfrm>
+            <a:off x="5615880" y="599926"/>
+            <a:ext cx="3070920" cy="403027"/>
           </a:xfrm>
           <a:prstGeom prst="roundRect">
             <a:avLst>
-              <a:gd name="adj" fmla="val 16787"/>
+              <a:gd name="adj" fmla="val 18907"/>
             </a:avLst>
           </a:prstGeom>
           <a:solidFill>
@@ -5991,14 +6242,14 @@
       </p:sp>
       <p:sp>
         <p:nvSpPr>
-          <p:cNvPr id="28" name="Text 25"/>
-          <p:cNvSpPr/>
-          <p:nvPr/>
-        </p:nvSpPr>
-        <p:spPr>
-          <a:xfrm>
-            <a:off x="5762476" y="761851"/>
-            <a:ext cx="2843605" cy="142875"/>
+          <p:cNvPr id="33" name="Text 30"/>
+          <p:cNvSpPr/>
+          <p:nvPr/>
+        </p:nvSpPr>
+        <p:spPr>
+          <a:xfrm>
+            <a:off x="5752356" y="660202"/>
+            <a:ext cx="2853928" cy="142875"/>
           </a:xfrm>
           <a:prstGeom prst="rect">
             <a:avLst/>
@@ -6033,14 +6284,14 @@
       </p:sp>
       <p:sp>
         <p:nvSpPr>
-          <p:cNvPr id="29" name="Text 26"/>
-          <p:cNvSpPr/>
-          <p:nvPr/>
-        </p:nvSpPr>
-        <p:spPr>
-          <a:xfrm>
-            <a:off x="5762476" y="930027"/>
-            <a:ext cx="2843605" cy="114300"/>
+          <p:cNvPr id="34" name="Text 31"/>
+          <p:cNvSpPr/>
+          <p:nvPr/>
+        </p:nvSpPr>
+        <p:spPr>
+          <a:xfrm>
+            <a:off x="5752356" y="828377"/>
+            <a:ext cx="2853928" cy="114300"/>
           </a:xfrm>
           <a:prstGeom prst="rect">
             <a:avLst/>
@@ -6072,18 +6323,18 @@
       </p:sp>
       <p:sp>
         <p:nvSpPr>
-          <p:cNvPr id="30" name="Text 27"/>
-          <p:cNvSpPr/>
-          <p:nvPr/>
-        </p:nvSpPr>
-        <p:spPr>
-          <a:xfrm>
-            <a:off x="5626001" y="1180802"/>
-            <a:ext cx="3060799" cy="453926"/>
+          <p:cNvPr id="35" name="Text 32"/>
+          <p:cNvSpPr/>
+          <p:nvPr/>
+        </p:nvSpPr>
+        <p:spPr>
+          <a:xfrm>
+            <a:off x="5615880" y="1041053"/>
+            <a:ext cx="3070920" cy="403027"/>
           </a:xfrm>
           <a:prstGeom prst="roundRect">
             <a:avLst>
-              <a:gd name="adj" fmla="val 16787"/>
+              <a:gd name="adj" fmla="val 18907"/>
             </a:avLst>
           </a:prstGeom>
           <a:solidFill>
@@ -6110,14 +6361,14 @@
       </p:sp>
       <p:sp>
         <p:nvSpPr>
-          <p:cNvPr id="31" name="Text 28"/>
-          <p:cNvSpPr/>
-          <p:nvPr/>
-        </p:nvSpPr>
-        <p:spPr>
-          <a:xfrm>
-            <a:off x="5762476" y="1266527"/>
-            <a:ext cx="2843605" cy="142875"/>
+          <p:cNvPr id="36" name="Text 33"/>
+          <p:cNvSpPr/>
+          <p:nvPr/>
+        </p:nvSpPr>
+        <p:spPr>
+          <a:xfrm>
+            <a:off x="5752356" y="1101328"/>
+            <a:ext cx="2853928" cy="142875"/>
           </a:xfrm>
           <a:prstGeom prst="rect">
             <a:avLst/>
@@ -6152,14 +6403,14 @@
       </p:sp>
       <p:sp>
         <p:nvSpPr>
-          <p:cNvPr id="32" name="Text 29"/>
-          <p:cNvSpPr/>
-          <p:nvPr/>
-        </p:nvSpPr>
-        <p:spPr>
-          <a:xfrm>
-            <a:off x="5762476" y="1434703"/>
-            <a:ext cx="2843605" cy="114300"/>
+          <p:cNvPr id="37" name="Text 34"/>
+          <p:cNvSpPr/>
+          <p:nvPr/>
+        </p:nvSpPr>
+        <p:spPr>
+          <a:xfrm>
+            <a:off x="5752356" y="1269504"/>
+            <a:ext cx="2853928" cy="114300"/>
           </a:xfrm>
           <a:prstGeom prst="rect">
             <a:avLst/>
@@ -6191,18 +6442,18 @@
       </p:sp>
       <p:sp>
         <p:nvSpPr>
-          <p:cNvPr id="33" name="Text 30"/>
-          <p:cNvSpPr/>
-          <p:nvPr/>
-        </p:nvSpPr>
-        <p:spPr>
-          <a:xfrm>
-            <a:off x="5626001" y="1685479"/>
-            <a:ext cx="3060799" cy="453926"/>
+          <p:cNvPr id="38" name="Text 35"/>
+          <p:cNvSpPr/>
+          <p:nvPr/>
+        </p:nvSpPr>
+        <p:spPr>
+          <a:xfrm>
+            <a:off x="5615880" y="1482179"/>
+            <a:ext cx="3070920" cy="403027"/>
           </a:xfrm>
           <a:prstGeom prst="roundRect">
             <a:avLst>
-              <a:gd name="adj" fmla="val 16787"/>
+              <a:gd name="adj" fmla="val 18907"/>
             </a:avLst>
           </a:prstGeom>
           <a:solidFill>
@@ -6229,14 +6480,14 @@
       </p:sp>
       <p:sp>
         <p:nvSpPr>
-          <p:cNvPr id="34" name="Text 31"/>
-          <p:cNvSpPr/>
-          <p:nvPr/>
-        </p:nvSpPr>
-        <p:spPr>
-          <a:xfrm>
-            <a:off x="5762476" y="1771204"/>
-            <a:ext cx="2843605" cy="142875"/>
+          <p:cNvPr id="39" name="Text 36"/>
+          <p:cNvSpPr/>
+          <p:nvPr/>
+        </p:nvSpPr>
+        <p:spPr>
+          <a:xfrm>
+            <a:off x="5752356" y="1542455"/>
+            <a:ext cx="2853928" cy="142875"/>
           </a:xfrm>
           <a:prstGeom prst="rect">
             <a:avLst/>
@@ -6271,14 +6522,14 @@
       </p:sp>
       <p:sp>
         <p:nvSpPr>
-          <p:cNvPr id="35" name="Text 32"/>
-          <p:cNvSpPr/>
-          <p:nvPr/>
-        </p:nvSpPr>
-        <p:spPr>
-          <a:xfrm>
-            <a:off x="5762476" y="1939379"/>
-            <a:ext cx="2843605" cy="114300"/>
+          <p:cNvPr id="40" name="Text 37"/>
+          <p:cNvSpPr/>
+          <p:nvPr/>
+        </p:nvSpPr>
+        <p:spPr>
+          <a:xfrm>
+            <a:off x="5752356" y="1710630"/>
+            <a:ext cx="2853928" cy="114300"/>
           </a:xfrm>
           <a:prstGeom prst="rect">
             <a:avLst/>
@@ -6310,18 +6561,18 @@
       </p:sp>
       <p:sp>
         <p:nvSpPr>
-          <p:cNvPr id="36" name="Text 33"/>
-          <p:cNvSpPr/>
-          <p:nvPr/>
-        </p:nvSpPr>
-        <p:spPr>
-          <a:xfrm>
-            <a:off x="5626001" y="2190155"/>
-            <a:ext cx="3060799" cy="453926"/>
+          <p:cNvPr id="41" name="Text 38"/>
+          <p:cNvSpPr/>
+          <p:nvPr/>
+        </p:nvSpPr>
+        <p:spPr>
+          <a:xfrm>
+            <a:off x="5615880" y="1923306"/>
+            <a:ext cx="3070920" cy="403027"/>
           </a:xfrm>
           <a:prstGeom prst="roundRect">
             <a:avLst>
-              <a:gd name="adj" fmla="val 16787"/>
+              <a:gd name="adj" fmla="val 18907"/>
             </a:avLst>
           </a:prstGeom>
           <a:solidFill>
@@ -6348,14 +6599,14 @@
       </p:sp>
       <p:sp>
         <p:nvSpPr>
-          <p:cNvPr id="37" name="Text 34"/>
-          <p:cNvSpPr/>
-          <p:nvPr/>
-        </p:nvSpPr>
-        <p:spPr>
-          <a:xfrm>
-            <a:off x="5762476" y="2275880"/>
-            <a:ext cx="2843605" cy="142875"/>
+          <p:cNvPr id="42" name="Text 39"/>
+          <p:cNvSpPr/>
+          <p:nvPr/>
+        </p:nvSpPr>
+        <p:spPr>
+          <a:xfrm>
+            <a:off x="5752356" y="1983581"/>
+            <a:ext cx="2853928" cy="142875"/>
           </a:xfrm>
           <a:prstGeom prst="rect">
             <a:avLst/>
@@ -6390,14 +6641,14 @@
       </p:sp>
       <p:sp>
         <p:nvSpPr>
-          <p:cNvPr id="38" name="Text 35"/>
-          <p:cNvSpPr/>
-          <p:nvPr/>
-        </p:nvSpPr>
-        <p:spPr>
-          <a:xfrm>
-            <a:off x="5762476" y="2444055"/>
-            <a:ext cx="2843605" cy="114300"/>
+          <p:cNvPr id="43" name="Text 40"/>
+          <p:cNvSpPr/>
+          <p:nvPr/>
+        </p:nvSpPr>
+        <p:spPr>
+          <a:xfrm>
+            <a:off x="5752356" y="2151757"/>
+            <a:ext cx="2853928" cy="114300"/>
           </a:xfrm>
           <a:prstGeom prst="rect">
             <a:avLst/>
@@ -6429,18 +6680,18 @@
       </p:sp>
       <p:sp>
         <p:nvSpPr>
-          <p:cNvPr id="39" name="Text 36"/>
-          <p:cNvSpPr/>
-          <p:nvPr/>
-        </p:nvSpPr>
-        <p:spPr>
-          <a:xfrm>
-            <a:off x="5626001" y="2694831"/>
-            <a:ext cx="3060799" cy="453926"/>
+          <p:cNvPr id="44" name="Text 41"/>
+          <p:cNvSpPr/>
+          <p:nvPr/>
+        </p:nvSpPr>
+        <p:spPr>
+          <a:xfrm>
+            <a:off x="5615880" y="2364432"/>
+            <a:ext cx="3070920" cy="403027"/>
           </a:xfrm>
           <a:prstGeom prst="roundRect">
             <a:avLst>
-              <a:gd name="adj" fmla="val 16787"/>
+              <a:gd name="adj" fmla="val 18907"/>
             </a:avLst>
           </a:prstGeom>
           <a:solidFill>
@@ -6467,14 +6718,14 @@
       </p:sp>
       <p:sp>
         <p:nvSpPr>
-          <p:cNvPr id="40" name="Text 37"/>
-          <p:cNvSpPr/>
-          <p:nvPr/>
-        </p:nvSpPr>
-        <p:spPr>
-          <a:xfrm>
-            <a:off x="5762476" y="2780556"/>
-            <a:ext cx="2843605" cy="142875"/>
+          <p:cNvPr id="45" name="Text 42"/>
+          <p:cNvSpPr/>
+          <p:nvPr/>
+        </p:nvSpPr>
+        <p:spPr>
+          <a:xfrm>
+            <a:off x="5752356" y="2424708"/>
+            <a:ext cx="2853928" cy="142875"/>
           </a:xfrm>
           <a:prstGeom prst="rect">
             <a:avLst/>
@@ -6509,14 +6760,14 @@
       </p:sp>
       <p:sp>
         <p:nvSpPr>
-          <p:cNvPr id="41" name="Text 38"/>
-          <p:cNvSpPr/>
-          <p:nvPr/>
-        </p:nvSpPr>
-        <p:spPr>
-          <a:xfrm>
-            <a:off x="5762476" y="2948732"/>
-            <a:ext cx="2843605" cy="114300"/>
+          <p:cNvPr id="46" name="Text 43"/>
+          <p:cNvSpPr/>
+          <p:nvPr/>
+        </p:nvSpPr>
+        <p:spPr>
+          <a:xfrm>
+            <a:off x="5752356" y="2592884"/>
+            <a:ext cx="2853928" cy="114300"/>
           </a:xfrm>
           <a:prstGeom prst="rect">
             <a:avLst/>
@@ -6548,18 +6799,18 @@
       </p:sp>
       <p:sp>
         <p:nvSpPr>
-          <p:cNvPr id="42" name="Text 39"/>
-          <p:cNvSpPr/>
-          <p:nvPr/>
-        </p:nvSpPr>
-        <p:spPr>
-          <a:xfrm>
-            <a:off x="5626001" y="3199507"/>
-            <a:ext cx="3060799" cy="453926"/>
+          <p:cNvPr id="47" name="Text 44"/>
+          <p:cNvSpPr/>
+          <p:nvPr/>
+        </p:nvSpPr>
+        <p:spPr>
+          <a:xfrm>
+            <a:off x="5615880" y="2805559"/>
+            <a:ext cx="3070920" cy="403027"/>
           </a:xfrm>
           <a:prstGeom prst="roundRect">
             <a:avLst>
-              <a:gd name="adj" fmla="val 16787"/>
+              <a:gd name="adj" fmla="val 18907"/>
             </a:avLst>
           </a:prstGeom>
           <a:solidFill>
@@ -6586,14 +6837,14 @@
       </p:sp>
       <p:sp>
         <p:nvSpPr>
-          <p:cNvPr id="43" name="Text 40"/>
-          <p:cNvSpPr/>
-          <p:nvPr/>
-        </p:nvSpPr>
-        <p:spPr>
-          <a:xfrm>
-            <a:off x="5762476" y="3285232"/>
-            <a:ext cx="2843605" cy="142875"/>
+          <p:cNvPr id="48" name="Text 45"/>
+          <p:cNvSpPr/>
+          <p:nvPr/>
+        </p:nvSpPr>
+        <p:spPr>
+          <a:xfrm>
+            <a:off x="5752356" y="2865834"/>
+            <a:ext cx="2853928" cy="142875"/>
           </a:xfrm>
           <a:prstGeom prst="rect">
             <a:avLst/>
@@ -6628,14 +6879,14 @@
       </p:sp>
       <p:sp>
         <p:nvSpPr>
-          <p:cNvPr id="44" name="Text 41"/>
-          <p:cNvSpPr/>
-          <p:nvPr/>
-        </p:nvSpPr>
-        <p:spPr>
-          <a:xfrm>
-            <a:off x="5762476" y="3453408"/>
-            <a:ext cx="2843605" cy="114300"/>
+          <p:cNvPr id="49" name="Text 46"/>
+          <p:cNvSpPr/>
+          <p:nvPr/>
+        </p:nvSpPr>
+        <p:spPr>
+          <a:xfrm>
+            <a:off x="5752356" y="3034010"/>
+            <a:ext cx="2853928" cy="114300"/>
           </a:xfrm>
           <a:prstGeom prst="rect">
             <a:avLst/>
@@ -6667,14 +6918,14 @@
       </p:sp>
       <p:sp>
         <p:nvSpPr>
-          <p:cNvPr id="45" name="Text 42"/>
-          <p:cNvSpPr/>
-          <p:nvPr/>
-        </p:nvSpPr>
-        <p:spPr>
-          <a:xfrm>
-            <a:off x="5626001" y="3704183"/>
-            <a:ext cx="3060799" cy="419100"/>
+          <p:cNvPr id="50" name="Text 47"/>
+          <p:cNvSpPr/>
+          <p:nvPr/>
+        </p:nvSpPr>
+        <p:spPr>
+          <a:xfrm>
+            <a:off x="5615880" y="3259336"/>
+            <a:ext cx="3070920" cy="419100"/>
           </a:xfrm>
           <a:prstGeom prst="rect">
             <a:avLst/>
@@ -6699,13 +6950,13 @@
       </p:sp>
       <p:sp>
         <p:nvSpPr>
-          <p:cNvPr id="46" name="Shape 43"/>
-          <p:cNvSpPr/>
-          <p:nvPr/>
-        </p:nvSpPr>
-        <p:spPr>
-          <a:xfrm>
-            <a:off x="5649813" y="3704183"/>
+          <p:cNvPr id="51" name="Shape 48"/>
+          <p:cNvSpPr/>
+          <p:nvPr/>
+        </p:nvSpPr>
+        <p:spPr>
+          <a:xfrm>
+            <a:off x="5639693" y="3259336"/>
             <a:ext cx="0" cy="419100"/>
           </a:xfrm>
           <a:prstGeom prst="line">
@@ -6722,14 +6973,14 @@
       </p:sp>
       <p:sp>
         <p:nvSpPr>
-          <p:cNvPr id="47" name="Text 44"/>
-          <p:cNvSpPr/>
-          <p:nvPr/>
-        </p:nvSpPr>
-        <p:spPr>
-          <a:xfrm>
-            <a:off x="5800576" y="3780383"/>
-            <a:ext cx="2814459" cy="266700"/>
+          <p:cNvPr id="52" name="Text 49"/>
+          <p:cNvSpPr/>
+          <p:nvPr/>
+        </p:nvSpPr>
+        <p:spPr>
+          <a:xfrm>
+            <a:off x="5790456" y="3335536"/>
+            <a:ext cx="2824782" cy="266700"/>
           </a:xfrm>
           <a:prstGeom prst="rect">
             <a:avLst/>
@@ -8744,7 +8995,7 @@
                 <a:ea typeface="Arial" pitchFamily="34" charset="-122"/>
                 <a:cs typeface="Arial" pitchFamily="34" charset="-120"/>
               </a:rPr>
-              <a:t>0.751</a:t>
+              <a:t>0.752</a:t>
             </a:r>
             <a:endParaRPr lang="en-US" sz="2400" dirty="0"/>
           </a:p>
@@ -8828,7 +9079,7 @@
                 <a:ea typeface="Arial" pitchFamily="34" charset="-122"/>
                 <a:cs typeface="Arial" pitchFamily="34" charset="-120"/>
               </a:rPr>
-              <a:t>0.521</a:t>
+              <a:t>0.533</a:t>
             </a:r>
             <a:endParaRPr lang="en-US" sz="2400" dirty="0"/>
           </a:p>
@@ -9002,7 +9253,7 @@
                 <a:ea typeface="Arial" pitchFamily="34" charset="-122"/>
                 <a:cs typeface="Arial" pitchFamily="34" charset="-120"/>
               </a:rPr>
-              <a:t>Precision (micro): 0.647</a:t>
+              <a:t>Precision (micro): 0.648</a:t>
             </a:r>
             <a:endParaRPr lang="en-US" sz="1000" dirty="0"/>
           </a:p>
@@ -9047,7 +9298,7 @@
                 <a:ea typeface="Arial" pitchFamily="34" charset="-122"/>
                 <a:cs typeface="Arial" pitchFamily="34" charset="-120"/>
               </a:rPr>
-              <a:t>Recall (micro): 0.895</a:t>
+              <a:t>Recall (micro): 0.897</a:t>
             </a:r>
             <a:endParaRPr lang="en-US" sz="1000" dirty="0"/>
           </a:p>
@@ -9062,7 +9313,7 @@
         <p:spPr>
           <a:xfrm>
             <a:off x="457200" y="3223617"/>
-            <a:ext cx="3987850" cy="558403"/>
+            <a:ext cx="3987850" cy="736104"/>
           </a:xfrm>
           <a:prstGeom prst="rect">
             <a:avLst/>
@@ -9094,7 +9345,7 @@
         <p:spPr>
           <a:xfrm>
             <a:off x="481012" y="3223617"/>
-            <a:ext cx="0" cy="558403"/>
+            <a:ext cx="0" cy="736104"/>
           </a:xfrm>
           <a:prstGeom prst="line">
             <a:avLst/>
@@ -9117,7 +9368,7 @@
         <p:spPr>
           <a:xfrm>
             <a:off x="682526" y="3325118"/>
-            <a:ext cx="3656520" cy="355402"/>
+            <a:ext cx="3656520" cy="533102"/>
           </a:xfrm>
           <a:prstGeom prst="rect">
             <a:avLst/>
@@ -9161,7 +9412,7 @@
                 <a:ea typeface="Arial" pitchFamily="34" charset="-122"/>
                 <a:cs typeface="Arial" pitchFamily="34" charset="-120"/>
               </a:rPr>
-              <a:t> Performance strongly correlates with sample size. Postures with 500+ samples achieve F1 &gt; 0.92.</a:t>
+              <a:t> Performance correlates with sample size. Postures with 500+ samples achieve F1 &gt; 0.92. Can the transformer beat this?</a:t>
             </a:r>
             <a:endParaRPr lang="en-US" sz="1000" dirty="0"/>
           </a:p>
@@ -10371,7 +10622,7 @@
       </p:grpSpPr>
       <p:pic>
         <p:nvPicPr>
-          <p:cNvPr id="2" name="Image 0" descr="/Users/alessandrodibari/Ale/projects/TR_hiring_exercise/outputs/pptx_workspace/slides/accent_orange.png">    </p:cNvPr>
+          <p:cNvPr id="2" name="Image 0" descr="/Users/alessandrodibari/Ale/projects/TR_hiring_exercise/outputs/pptx_workspace/slides/accent_teal.png">    </p:cNvPr>
           <p:cNvPicPr>
             <a:picLocks noChangeAspect="1"/>
           </p:cNvPicPr>
@@ -10401,34 +10652,48 @@
         </p:nvSpPr>
         <p:spPr>
           <a:xfrm>
-            <a:off x="457200" y="355550"/>
-            <a:ext cx="8394192" cy="323850"/>
-          </a:xfrm>
-          <a:prstGeom prst="rect">
-            <a:avLst/>
-          </a:prstGeom>
-          <a:noFill/>
-          <a:ln/>
-        </p:spPr>
-        <p:txBody>
-          <a:bodyPr wrap="square" lIns="0" tIns="0" rIns="0" bIns="0" rtlCol="0" anchor="t"/>
-          <a:lstStyle/>
-          <a:p>
-            <a:pPr algn="l" indent="0" marL="0">
-              <a:buNone/>
-            </a:pPr>
-            <a:r>
-              <a:rPr lang="en-US" sz="2200" b="1" dirty="0">
-                <a:solidFill>
-                  <a:srgbClr val="E76F51"/>
-                </a:solidFill>
-                <a:latin typeface="Arial" pitchFamily="34" charset="0"/>
-                <a:ea typeface="Arial" pitchFamily="34" charset="-122"/>
-                <a:cs typeface="Arial" pitchFamily="34" charset="-120"/>
-              </a:rPr>
-              <a:t>Hybrid Model Results: An Honest Assessment</a:t>
-            </a:r>
-            <a:endParaRPr lang="en-US" sz="2200" dirty="0"/>
+            <a:off x="457200" y="304651"/>
+            <a:ext cx="8394192" cy="295275"/>
+          </a:xfrm>
+          <a:prstGeom prst="rect">
+            <a:avLst/>
+          </a:prstGeom>
+          <a:noFill/>
+          <a:ln/>
+        </p:spPr>
+        <p:txBody>
+          <a:bodyPr wrap="square" lIns="0" tIns="0" rIns="0" bIns="0" rtlCol="0" anchor="t"/>
+          <a:lstStyle/>
+          <a:p>
+            <a:pPr algn="l" indent="0" marL="0">
+              <a:buNone/>
+            </a:pPr>
+            <a:r>
+              <a:rPr lang="en-US" sz="2000" dirty="0">
+                <a:solidFill>
+                  <a:srgbClr val="00B4D8"/>
+                </a:solidFill>
+                <a:latin typeface="Arial" pitchFamily="34" charset="0"/>
+                <a:ea typeface="Arial" pitchFamily="34" charset="-122"/>
+                <a:cs typeface="Arial" pitchFamily="34" charset="-120"/>
+              </a:rPr>
+              <a:t>Threshold Optimization: </a:t>
+            </a:r>
+            <a:pPr algn="l" indent="0" marL="0">
+              <a:buNone/>
+            </a:pPr>
+            <a:r>
+              <a:rPr lang="en-US" sz="2000" b="1" dirty="0">
+                <a:solidFill>
+                  <a:srgbClr val="22C55E"/>
+                </a:solidFill>
+                <a:latin typeface="Arial" pitchFamily="34" charset="0"/>
+                <a:ea typeface="Arial" pitchFamily="34" charset="-122"/>
+                <a:cs typeface="Arial" pitchFamily="34" charset="-120"/>
+              </a:rPr>
+              <a:t>Transformer Wins</a:t>
+            </a:r>
+            <a:endParaRPr lang="en-US" sz="2000" dirty="0"/>
           </a:p>
         </p:txBody>
       </p:sp>
@@ -10440,23 +10705,20 @@
         </p:nvSpPr>
         <p:spPr>
           <a:xfrm>
-            <a:off x="457200" y="857101"/>
-            <a:ext cx="4067607" cy="159990"/>
-          </a:xfrm>
-          <a:prstGeom prst="rect">
-            <a:avLst/>
-          </a:prstGeom>
-          <a:noFill/>
-          <a:ln/>
-        </p:spPr>
-        <p:txBody>
-          <a:bodyPr wrap="square" lIns="0" tIns="0" rIns="0" bIns="0" rtlCol="0" anchor="t"/>
-          <a:lstStyle/>
-          <a:p>
-            <a:pPr algn="l" indent="0" marL="0">
-              <a:lnSpc>
-                <a:spcPts val="1260"/>
-              </a:lnSpc>
+            <a:off x="457200" y="726877"/>
+            <a:ext cx="8394192" cy="133350"/>
+          </a:xfrm>
+          <a:prstGeom prst="rect">
+            <a:avLst/>
+          </a:prstGeom>
+          <a:noFill/>
+          <a:ln/>
+        </p:spPr>
+        <p:txBody>
+          <a:bodyPr wrap="square" lIns="0" tIns="0" rIns="0" bIns="0" rtlCol="0" anchor="t"/>
+          <a:lstStyle/>
+          <a:p>
+            <a:pPr algn="l" indent="0" marL="0">
               <a:spcAft>
                 <a:spcPts val="600"/>
               </a:spcAft>
@@ -10471,7 +10733,7 @@
                 <a:ea typeface="Arial" pitchFamily="34" charset="-122"/>
                 <a:cs typeface="Arial" pitchFamily="34" charset="-120"/>
               </a:rPr>
-              <a:t>MODEL COMPARISON</a:t>
+              <a:t>MODEL COMPARISON (TEST SET)</a:t>
             </a:r>
             <a:endParaRPr lang="en-US" sz="900" dirty="0"/>
           </a:p>
@@ -10485,8 +10747,730 @@
         </p:nvSpPr>
         <p:spPr>
           <a:xfrm>
-            <a:off x="457200" y="1428155"/>
-            <a:ext cx="3987850" cy="0"/>
+            <a:off x="457200" y="1231702"/>
+            <a:ext cx="8229600" cy="0"/>
+          </a:xfrm>
+          <a:prstGeom prst="line">
+            <a:avLst/>
+          </a:prstGeom>
+          <a:noFill/>
+          <a:ln w="19050">
+            <a:solidFill>
+              <a:srgbClr val="FFFFFF"/>
+            </a:solidFill>
+            <a:prstDash val="solid"/>
+          </a:ln>
+        </p:spPr>
+      </p:sp>
+      <p:sp>
+        <p:nvSpPr>
+          <p:cNvPr id="6" name="Text 3"/>
+          <p:cNvSpPr/>
+          <p:nvPr/>
+        </p:nvSpPr>
+        <p:spPr>
+          <a:xfrm>
+            <a:off x="457200" y="1012627"/>
+            <a:ext cx="1937028" cy="133350"/>
+          </a:xfrm>
+          <a:prstGeom prst="rect">
+            <a:avLst/>
+          </a:prstGeom>
+          <a:noFill/>
+          <a:ln/>
+        </p:spPr>
+        <p:txBody>
+          <a:bodyPr wrap="square" lIns="0" tIns="0" rIns="0" bIns="0" rtlCol="0" anchor="t"/>
+          <a:lstStyle/>
+          <a:p>
+            <a:pPr algn="l" indent="0" marL="0">
+              <a:buNone/>
+            </a:pPr>
+            <a:r>
+              <a:rPr lang="en-US" sz="900" b="1" dirty="0">
+                <a:solidFill>
+                  <a:srgbClr val="94A3B8"/>
+                </a:solidFill>
+                <a:latin typeface="Arial" pitchFamily="34" charset="0"/>
+                <a:ea typeface="Arial" pitchFamily="34" charset="-122"/>
+                <a:cs typeface="Arial" pitchFamily="34" charset="-120"/>
+              </a:rPr>
+              <a:t>Metric</a:t>
+            </a:r>
+            <a:endParaRPr lang="en-US" sz="900" dirty="0"/>
+          </a:p>
+        </p:txBody>
+      </p:sp>
+      <p:sp>
+        <p:nvSpPr>
+          <p:cNvPr id="7" name="Text 4"/>
+          <p:cNvSpPr/>
+          <p:nvPr/>
+        </p:nvSpPr>
+        <p:spPr>
+          <a:xfrm>
+            <a:off x="2340420" y="1012627"/>
+            <a:ext cx="1614291" cy="133350"/>
+          </a:xfrm>
+          <a:prstGeom prst="rect">
+            <a:avLst/>
+          </a:prstGeom>
+          <a:noFill/>
+          <a:ln/>
+        </p:spPr>
+        <p:txBody>
+          <a:bodyPr wrap="square" lIns="0" tIns="0" rIns="0" bIns="0" rtlCol="0" anchor="t"/>
+          <a:lstStyle/>
+          <a:p>
+            <a:pPr algn="ctr" indent="0" marL="0">
+              <a:buNone/>
+            </a:pPr>
+            <a:r>
+              <a:rPr lang="en-US" sz="900" b="1" dirty="0">
+                <a:solidFill>
+                  <a:srgbClr val="94A3B8"/>
+                </a:solidFill>
+                <a:latin typeface="Arial" pitchFamily="34" charset="0"/>
+                <a:ea typeface="Arial" pitchFamily="34" charset="-122"/>
+                <a:cs typeface="Arial" pitchFamily="34" charset="-120"/>
+              </a:rPr>
+              <a:t>TF-IDF</a:t>
+            </a:r>
+            <a:endParaRPr lang="en-US" sz="900" dirty="0"/>
+          </a:p>
+        </p:txBody>
+      </p:sp>
+      <p:sp>
+        <p:nvSpPr>
+          <p:cNvPr id="8" name="Text 5"/>
+          <p:cNvSpPr/>
+          <p:nvPr/>
+        </p:nvSpPr>
+        <p:spPr>
+          <a:xfrm>
+            <a:off x="3923059" y="1012627"/>
+            <a:ext cx="1614291" cy="133350"/>
+          </a:xfrm>
+          <a:prstGeom prst="rect">
+            <a:avLst/>
+          </a:prstGeom>
+          <a:noFill/>
+          <a:ln/>
+        </p:spPr>
+        <p:txBody>
+          <a:bodyPr wrap="square" lIns="0" tIns="0" rIns="0" bIns="0" rtlCol="0" anchor="t"/>
+          <a:lstStyle/>
+          <a:p>
+            <a:pPr algn="ctr" indent="0" marL="0">
+              <a:buNone/>
+            </a:pPr>
+            <a:r>
+              <a:rPr lang="en-US" sz="900" b="1" dirty="0">
+                <a:solidFill>
+                  <a:srgbClr val="94A3B8"/>
+                </a:solidFill>
+                <a:latin typeface="Arial" pitchFamily="34" charset="0"/>
+                <a:ea typeface="Arial" pitchFamily="34" charset="-122"/>
+                <a:cs typeface="Arial" pitchFamily="34" charset="-120"/>
+              </a:rPr>
+              <a:t>LF (0.5)</a:t>
+            </a:r>
+            <a:endParaRPr lang="en-US" sz="900" dirty="0"/>
+          </a:p>
+        </p:txBody>
+      </p:sp>
+      <p:sp>
+        <p:nvSpPr>
+          <p:cNvPr id="9" name="Text 6"/>
+          <p:cNvSpPr/>
+          <p:nvPr/>
+        </p:nvSpPr>
+        <p:spPr>
+          <a:xfrm>
+            <a:off x="5505697" y="1012627"/>
+            <a:ext cx="1614291" cy="133350"/>
+          </a:xfrm>
+          <a:prstGeom prst="rect">
+            <a:avLst/>
+          </a:prstGeom>
+          <a:noFill/>
+          <a:ln/>
+        </p:spPr>
+        <p:txBody>
+          <a:bodyPr wrap="square" lIns="0" tIns="0" rIns="0" bIns="0" rtlCol="0" anchor="t"/>
+          <a:lstStyle/>
+          <a:p>
+            <a:pPr algn="ctr" indent="0" marL="0">
+              <a:buNone/>
+            </a:pPr>
+            <a:r>
+              <a:rPr lang="en-US" sz="900" b="1" dirty="0">
+                <a:solidFill>
+                  <a:srgbClr val="94A3B8"/>
+                </a:solidFill>
+                <a:latin typeface="Arial" pitchFamily="34" charset="0"/>
+                <a:ea typeface="Arial" pitchFamily="34" charset="-122"/>
+                <a:cs typeface="Arial" pitchFamily="34" charset="-120"/>
+              </a:rPr>
+              <a:t>LF (0.6)</a:t>
+            </a:r>
+            <a:endParaRPr lang="en-US" sz="900" dirty="0"/>
+          </a:p>
+        </p:txBody>
+      </p:sp>
+      <p:sp>
+        <p:nvSpPr>
+          <p:cNvPr id="10" name="Text 7"/>
+          <p:cNvSpPr/>
+          <p:nvPr/>
+        </p:nvSpPr>
+        <p:spPr>
+          <a:xfrm>
+            <a:off x="7088335" y="1012627"/>
+            <a:ext cx="1614291" cy="133350"/>
+          </a:xfrm>
+          <a:prstGeom prst="rect">
+            <a:avLst/>
+          </a:prstGeom>
+          <a:noFill/>
+          <a:ln/>
+        </p:spPr>
+        <p:txBody>
+          <a:bodyPr wrap="square" lIns="0" tIns="0" rIns="0" bIns="0" rtlCol="0" anchor="t"/>
+          <a:lstStyle/>
+          <a:p>
+            <a:pPr algn="ctr" indent="0" marL="0">
+              <a:buNone/>
+            </a:pPr>
+            <a:r>
+              <a:rPr lang="en-US" sz="900" b="1" dirty="0">
+                <a:solidFill>
+                  <a:srgbClr val="22C55E"/>
+                </a:solidFill>
+                <a:latin typeface="Arial" pitchFamily="34" charset="0"/>
+                <a:ea typeface="Arial" pitchFamily="34" charset="-122"/>
+                <a:cs typeface="Arial" pitchFamily="34" charset="-120"/>
+              </a:rPr>
+              <a:t>LF Per-Class</a:t>
+            </a:r>
+            <a:endParaRPr lang="en-US" sz="900" dirty="0"/>
+          </a:p>
+        </p:txBody>
+      </p:sp>
+      <p:sp>
+        <p:nvSpPr>
+          <p:cNvPr id="11" name="Text 8"/>
+          <p:cNvSpPr/>
+          <p:nvPr/>
+        </p:nvSpPr>
+        <p:spPr>
+          <a:xfrm>
+            <a:off x="457200" y="1241227"/>
+            <a:ext cx="8229600" cy="279202"/>
+          </a:xfrm>
+          <a:prstGeom prst="roundRect">
+            <a:avLst>
+              <a:gd name="adj" fmla="val 13646"/>
+            </a:avLst>
+          </a:prstGeom>
+          <a:solidFill>
+            <a:srgbClr val="22C55E">
+              <a:alpha val="6000"/>
+            </a:srgbClr>
+          </a:solidFill>
+          <a:ln/>
+        </p:spPr>
+        <p:txBody>
+          <a:bodyPr wrap="square" rtlCol="0" anchor="ctr"/>
+          <a:lstStyle/>
+          <a:p>
+            <a:pPr indent="0" marL="0">
+              <a:buNone/>
+            </a:pPr>
+            <a:endParaRPr lang="en-US" dirty="0"/>
+          </a:p>
+        </p:txBody>
+      </p:sp>
+      <p:sp>
+        <p:nvSpPr>
+          <p:cNvPr id="12" name="Shape 9"/>
+          <p:cNvSpPr/>
+          <p:nvPr/>
+        </p:nvSpPr>
+        <p:spPr>
+          <a:xfrm>
+            <a:off x="457200" y="1515666"/>
+            <a:ext cx="8229600" cy="0"/>
+          </a:xfrm>
+          <a:prstGeom prst="line">
+            <a:avLst/>
+          </a:prstGeom>
+          <a:noFill/>
+          <a:ln w="9525">
+            <a:solidFill>
+              <a:srgbClr val="22C55E"/>
+            </a:solidFill>
+            <a:prstDash val="solid"/>
+          </a:ln>
+        </p:spPr>
+      </p:sp>
+      <p:sp>
+        <p:nvSpPr>
+          <p:cNvPr id="13" name="Text 10"/>
+          <p:cNvSpPr/>
+          <p:nvPr/>
+        </p:nvSpPr>
+        <p:spPr>
+          <a:xfrm>
+            <a:off x="457200" y="1304627"/>
+            <a:ext cx="1937028" cy="142875"/>
+          </a:xfrm>
+          <a:prstGeom prst="rect">
+            <a:avLst/>
+          </a:prstGeom>
+          <a:noFill/>
+          <a:ln/>
+        </p:spPr>
+        <p:txBody>
+          <a:bodyPr wrap="square" lIns="0" tIns="0" rIns="0" bIns="0" rtlCol="0" anchor="t"/>
+          <a:lstStyle/>
+          <a:p>
+            <a:pPr algn="l" indent="0" marL="0">
+              <a:buNone/>
+            </a:pPr>
+            <a:r>
+              <a:rPr lang="en-US" sz="1000" b="1" dirty="0">
+                <a:solidFill>
+                  <a:srgbClr val="E2E8F0"/>
+                </a:solidFill>
+                <a:latin typeface="Arial" pitchFamily="34" charset="0"/>
+                <a:ea typeface="Arial" pitchFamily="34" charset="-122"/>
+                <a:cs typeface="Arial" pitchFamily="34" charset="-120"/>
+              </a:rPr>
+              <a:t>F1 Micro</a:t>
+            </a:r>
+            <a:endParaRPr lang="en-US" sz="1000" dirty="0"/>
+          </a:p>
+        </p:txBody>
+      </p:sp>
+      <p:sp>
+        <p:nvSpPr>
+          <p:cNvPr id="14" name="Text 11"/>
+          <p:cNvSpPr/>
+          <p:nvPr/>
+        </p:nvSpPr>
+        <p:spPr>
+          <a:xfrm>
+            <a:off x="2340420" y="1304627"/>
+            <a:ext cx="1614291" cy="142875"/>
+          </a:xfrm>
+          <a:prstGeom prst="rect">
+            <a:avLst/>
+          </a:prstGeom>
+          <a:noFill/>
+          <a:ln/>
+        </p:spPr>
+        <p:txBody>
+          <a:bodyPr wrap="square" lIns="0" tIns="0" rIns="0" bIns="0" rtlCol="0" anchor="t"/>
+          <a:lstStyle/>
+          <a:p>
+            <a:pPr algn="ctr" indent="0" marL="0">
+              <a:buNone/>
+            </a:pPr>
+            <a:r>
+              <a:rPr lang="en-US" sz="1000" dirty="0">
+                <a:solidFill>
+                  <a:srgbClr val="94A3B8"/>
+                </a:solidFill>
+                <a:latin typeface="Arial" pitchFamily="34" charset="0"/>
+                <a:ea typeface="Arial" pitchFamily="34" charset="-122"/>
+                <a:cs typeface="Arial" pitchFamily="34" charset="-120"/>
+              </a:rPr>
+              <a:t>0.7524</a:t>
+            </a:r>
+            <a:endParaRPr lang="en-US" sz="1000" dirty="0"/>
+          </a:p>
+        </p:txBody>
+      </p:sp>
+      <p:sp>
+        <p:nvSpPr>
+          <p:cNvPr id="15" name="Text 12"/>
+          <p:cNvSpPr/>
+          <p:nvPr/>
+        </p:nvSpPr>
+        <p:spPr>
+          <a:xfrm>
+            <a:off x="3923059" y="1304627"/>
+            <a:ext cx="1614291" cy="142875"/>
+          </a:xfrm>
+          <a:prstGeom prst="rect">
+            <a:avLst/>
+          </a:prstGeom>
+          <a:noFill/>
+          <a:ln/>
+        </p:spPr>
+        <p:txBody>
+          <a:bodyPr wrap="square" lIns="0" tIns="0" rIns="0" bIns="0" rtlCol="0" anchor="t"/>
+          <a:lstStyle/>
+          <a:p>
+            <a:pPr algn="ctr" indent="0" marL="0">
+              <a:buNone/>
+            </a:pPr>
+            <a:r>
+              <a:rPr lang="en-US" sz="1000" dirty="0">
+                <a:solidFill>
+                  <a:srgbClr val="64748B"/>
+                </a:solidFill>
+                <a:latin typeface="Arial" pitchFamily="34" charset="0"/>
+                <a:ea typeface="Arial" pitchFamily="34" charset="-122"/>
+                <a:cs typeface="Arial" pitchFamily="34" charset="-120"/>
+              </a:rPr>
+              <a:t>0.6333</a:t>
+            </a:r>
+            <a:endParaRPr lang="en-US" sz="1000" dirty="0"/>
+          </a:p>
+        </p:txBody>
+      </p:sp>
+      <p:sp>
+        <p:nvSpPr>
+          <p:cNvPr id="16" name="Text 13"/>
+          <p:cNvSpPr/>
+          <p:nvPr/>
+        </p:nvSpPr>
+        <p:spPr>
+          <a:xfrm>
+            <a:off x="5505697" y="1304627"/>
+            <a:ext cx="1614291" cy="142875"/>
+          </a:xfrm>
+          <a:prstGeom prst="rect">
+            <a:avLst/>
+          </a:prstGeom>
+          <a:noFill/>
+          <a:ln/>
+        </p:spPr>
+        <p:txBody>
+          <a:bodyPr wrap="square" lIns="0" tIns="0" rIns="0" bIns="0" rtlCol="0" anchor="t"/>
+          <a:lstStyle/>
+          <a:p>
+            <a:pPr algn="ctr" indent="0" marL="0">
+              <a:buNone/>
+            </a:pPr>
+            <a:r>
+              <a:rPr lang="en-US" sz="1000" dirty="0">
+                <a:solidFill>
+                  <a:srgbClr val="94A3B8"/>
+                </a:solidFill>
+                <a:latin typeface="Arial" pitchFamily="34" charset="0"/>
+                <a:ea typeface="Arial" pitchFamily="34" charset="-122"/>
+                <a:cs typeface="Arial" pitchFamily="34" charset="-120"/>
+              </a:rPr>
+              <a:t>0.7018</a:t>
+            </a:r>
+            <a:endParaRPr lang="en-US" sz="1000" dirty="0"/>
+          </a:p>
+        </p:txBody>
+      </p:sp>
+      <p:sp>
+        <p:nvSpPr>
+          <p:cNvPr id="17" name="Text 14"/>
+          <p:cNvSpPr/>
+          <p:nvPr/>
+        </p:nvSpPr>
+        <p:spPr>
+          <a:xfrm>
+            <a:off x="7088335" y="1304627"/>
+            <a:ext cx="1614291" cy="142875"/>
+          </a:xfrm>
+          <a:prstGeom prst="rect">
+            <a:avLst/>
+          </a:prstGeom>
+          <a:noFill/>
+          <a:ln/>
+        </p:spPr>
+        <p:txBody>
+          <a:bodyPr wrap="square" lIns="0" tIns="0" rIns="0" bIns="0" rtlCol="0" anchor="t"/>
+          <a:lstStyle/>
+          <a:p>
+            <a:pPr algn="ctr" indent="0" marL="0">
+              <a:buNone/>
+            </a:pPr>
+            <a:r>
+              <a:rPr lang="en-US" sz="1000" b="1" dirty="0">
+                <a:solidFill>
+                  <a:srgbClr val="22C55E"/>
+                </a:solidFill>
+                <a:latin typeface="Arial" pitchFamily="34" charset="0"/>
+                <a:ea typeface="Arial" pitchFamily="34" charset="-122"/>
+                <a:cs typeface="Arial" pitchFamily="34" charset="-120"/>
+              </a:rPr>
+              <a:t>0.7735</a:t>
+            </a:r>
+            <a:endParaRPr lang="en-US" sz="1000" dirty="0"/>
+          </a:p>
+        </p:txBody>
+      </p:sp>
+      <p:sp>
+        <p:nvSpPr>
+          <p:cNvPr id="18" name="Text 15"/>
+          <p:cNvSpPr/>
+          <p:nvPr/>
+        </p:nvSpPr>
+        <p:spPr>
+          <a:xfrm>
+            <a:off x="457200" y="1520428"/>
+            <a:ext cx="8229600" cy="279202"/>
+          </a:xfrm>
+          <a:prstGeom prst="roundRect">
+            <a:avLst>
+              <a:gd name="adj" fmla="val 13646"/>
+            </a:avLst>
+          </a:prstGeom>
+          <a:solidFill>
+            <a:srgbClr val="22C55E">
+              <a:alpha val="6000"/>
+            </a:srgbClr>
+          </a:solidFill>
+          <a:ln/>
+        </p:spPr>
+        <p:txBody>
+          <a:bodyPr wrap="square" rtlCol="0" anchor="ctr"/>
+          <a:lstStyle/>
+          <a:p>
+            <a:pPr indent="0" marL="0">
+              <a:buNone/>
+            </a:pPr>
+            <a:endParaRPr lang="en-US" dirty="0"/>
+          </a:p>
+        </p:txBody>
+      </p:sp>
+      <p:sp>
+        <p:nvSpPr>
+          <p:cNvPr id="19" name="Shape 16"/>
+          <p:cNvSpPr/>
+          <p:nvPr/>
+        </p:nvSpPr>
+        <p:spPr>
+          <a:xfrm>
+            <a:off x="457200" y="1794867"/>
+            <a:ext cx="8229600" cy="0"/>
+          </a:xfrm>
+          <a:prstGeom prst="line">
+            <a:avLst/>
+          </a:prstGeom>
+          <a:noFill/>
+          <a:ln w="9525">
+            <a:solidFill>
+              <a:srgbClr val="22C55E"/>
+            </a:solidFill>
+            <a:prstDash val="solid"/>
+          </a:ln>
+        </p:spPr>
+      </p:sp>
+      <p:sp>
+        <p:nvSpPr>
+          <p:cNvPr id="20" name="Text 17"/>
+          <p:cNvSpPr/>
+          <p:nvPr/>
+        </p:nvSpPr>
+        <p:spPr>
+          <a:xfrm>
+            <a:off x="457200" y="1583829"/>
+            <a:ext cx="1937028" cy="142875"/>
+          </a:xfrm>
+          <a:prstGeom prst="rect">
+            <a:avLst/>
+          </a:prstGeom>
+          <a:noFill/>
+          <a:ln/>
+        </p:spPr>
+        <p:txBody>
+          <a:bodyPr wrap="square" lIns="0" tIns="0" rIns="0" bIns="0" rtlCol="0" anchor="t"/>
+          <a:lstStyle/>
+          <a:p>
+            <a:pPr algn="l" indent="0" marL="0">
+              <a:buNone/>
+            </a:pPr>
+            <a:r>
+              <a:rPr lang="en-US" sz="1000" b="1" dirty="0">
+                <a:solidFill>
+                  <a:srgbClr val="E2E8F0"/>
+                </a:solidFill>
+                <a:latin typeface="Arial" pitchFamily="34" charset="0"/>
+                <a:ea typeface="Arial" pitchFamily="34" charset="-122"/>
+                <a:cs typeface="Arial" pitchFamily="34" charset="-120"/>
+              </a:rPr>
+              <a:t>F1 Macro</a:t>
+            </a:r>
+            <a:endParaRPr lang="en-US" sz="1000" dirty="0"/>
+          </a:p>
+        </p:txBody>
+      </p:sp>
+      <p:sp>
+        <p:nvSpPr>
+          <p:cNvPr id="21" name="Text 18"/>
+          <p:cNvSpPr/>
+          <p:nvPr/>
+        </p:nvSpPr>
+        <p:spPr>
+          <a:xfrm>
+            <a:off x="2340420" y="1583829"/>
+            <a:ext cx="1614291" cy="142875"/>
+          </a:xfrm>
+          <a:prstGeom prst="rect">
+            <a:avLst/>
+          </a:prstGeom>
+          <a:noFill/>
+          <a:ln/>
+        </p:spPr>
+        <p:txBody>
+          <a:bodyPr wrap="square" lIns="0" tIns="0" rIns="0" bIns="0" rtlCol="0" anchor="t"/>
+          <a:lstStyle/>
+          <a:p>
+            <a:pPr algn="ctr" indent="0" marL="0">
+              <a:buNone/>
+            </a:pPr>
+            <a:r>
+              <a:rPr lang="en-US" sz="1000" dirty="0">
+                <a:solidFill>
+                  <a:srgbClr val="94A3B8"/>
+                </a:solidFill>
+                <a:latin typeface="Arial" pitchFamily="34" charset="0"/>
+                <a:ea typeface="Arial" pitchFamily="34" charset="-122"/>
+                <a:cs typeface="Arial" pitchFamily="34" charset="-120"/>
+              </a:rPr>
+              <a:t>0.5330</a:t>
+            </a:r>
+            <a:endParaRPr lang="en-US" sz="1000" dirty="0"/>
+          </a:p>
+        </p:txBody>
+      </p:sp>
+      <p:sp>
+        <p:nvSpPr>
+          <p:cNvPr id="22" name="Text 19"/>
+          <p:cNvSpPr/>
+          <p:nvPr/>
+        </p:nvSpPr>
+        <p:spPr>
+          <a:xfrm>
+            <a:off x="3923059" y="1583829"/>
+            <a:ext cx="1614291" cy="142875"/>
+          </a:xfrm>
+          <a:prstGeom prst="rect">
+            <a:avLst/>
+          </a:prstGeom>
+          <a:noFill/>
+          <a:ln/>
+        </p:spPr>
+        <p:txBody>
+          <a:bodyPr wrap="square" lIns="0" tIns="0" rIns="0" bIns="0" rtlCol="0" anchor="t"/>
+          <a:lstStyle/>
+          <a:p>
+            <a:pPr algn="ctr" indent="0" marL="0">
+              <a:buNone/>
+            </a:pPr>
+            <a:r>
+              <a:rPr lang="en-US" sz="1000" dirty="0">
+                <a:solidFill>
+                  <a:srgbClr val="64748B"/>
+                </a:solidFill>
+                <a:latin typeface="Arial" pitchFamily="34" charset="0"/>
+                <a:ea typeface="Arial" pitchFamily="34" charset="-122"/>
+                <a:cs typeface="Arial" pitchFamily="34" charset="-120"/>
+              </a:rPr>
+              <a:t>0.4718</a:t>
+            </a:r>
+            <a:endParaRPr lang="en-US" sz="1000" dirty="0"/>
+          </a:p>
+        </p:txBody>
+      </p:sp>
+      <p:sp>
+        <p:nvSpPr>
+          <p:cNvPr id="23" name="Text 20"/>
+          <p:cNvSpPr/>
+          <p:nvPr/>
+        </p:nvSpPr>
+        <p:spPr>
+          <a:xfrm>
+            <a:off x="5505697" y="1583829"/>
+            <a:ext cx="1614291" cy="142875"/>
+          </a:xfrm>
+          <a:prstGeom prst="rect">
+            <a:avLst/>
+          </a:prstGeom>
+          <a:noFill/>
+          <a:ln/>
+        </p:spPr>
+        <p:txBody>
+          <a:bodyPr wrap="square" lIns="0" tIns="0" rIns="0" bIns="0" rtlCol="0" anchor="t"/>
+          <a:lstStyle/>
+          <a:p>
+            <a:pPr algn="ctr" indent="0" marL="0">
+              <a:buNone/>
+            </a:pPr>
+            <a:r>
+              <a:rPr lang="en-US" sz="1000" dirty="0">
+                <a:solidFill>
+                  <a:srgbClr val="94A3B8"/>
+                </a:solidFill>
+                <a:latin typeface="Arial" pitchFamily="34" charset="0"/>
+                <a:ea typeface="Arial" pitchFamily="34" charset="-122"/>
+                <a:cs typeface="Arial" pitchFamily="34" charset="-120"/>
+              </a:rPr>
+              <a:t>0.5420</a:t>
+            </a:r>
+            <a:endParaRPr lang="en-US" sz="1000" dirty="0"/>
+          </a:p>
+        </p:txBody>
+      </p:sp>
+      <p:sp>
+        <p:nvSpPr>
+          <p:cNvPr id="24" name="Text 21"/>
+          <p:cNvSpPr/>
+          <p:nvPr/>
+        </p:nvSpPr>
+        <p:spPr>
+          <a:xfrm>
+            <a:off x="7088335" y="1583829"/>
+            <a:ext cx="1614291" cy="142875"/>
+          </a:xfrm>
+          <a:prstGeom prst="rect">
+            <a:avLst/>
+          </a:prstGeom>
+          <a:noFill/>
+          <a:ln/>
+        </p:spPr>
+        <p:txBody>
+          <a:bodyPr wrap="square" lIns="0" tIns="0" rIns="0" bIns="0" rtlCol="0" anchor="t"/>
+          <a:lstStyle/>
+          <a:p>
+            <a:pPr algn="ctr" indent="0" marL="0">
+              <a:buNone/>
+            </a:pPr>
+            <a:r>
+              <a:rPr lang="en-US" sz="1000" b="1" dirty="0">
+                <a:solidFill>
+                  <a:srgbClr val="22C55E"/>
+                </a:solidFill>
+                <a:latin typeface="Arial" pitchFamily="34" charset="0"/>
+                <a:ea typeface="Arial" pitchFamily="34" charset="-122"/>
+                <a:cs typeface="Arial" pitchFamily="34" charset="-120"/>
+              </a:rPr>
+              <a:t>0.6000</a:t>
+            </a:r>
+            <a:endParaRPr lang="en-US" sz="1000" dirty="0"/>
+          </a:p>
+        </p:txBody>
+      </p:sp>
+      <p:sp>
+        <p:nvSpPr>
+          <p:cNvPr id="25" name="Shape 22"/>
+          <p:cNvSpPr/>
+          <p:nvPr/>
+        </p:nvSpPr>
+        <p:spPr>
+          <a:xfrm>
+            <a:off x="457200" y="2074069"/>
+            <a:ext cx="8229600" cy="0"/>
           </a:xfrm>
           <a:prstGeom prst="line">
             <a:avLst/>
@@ -10502,41 +11486,77 @@
       </p:sp>
       <p:sp>
         <p:nvSpPr>
-          <p:cNvPr id="6" name="Text 3"/>
-          <p:cNvSpPr/>
-          <p:nvPr/>
-        </p:nvSpPr>
-        <p:spPr>
-          <a:xfrm>
-            <a:off x="457200" y="1169491"/>
-            <a:ext cx="352642" cy="177701"/>
-          </a:xfrm>
-          <a:prstGeom prst="rect">
-            <a:avLst/>
-          </a:prstGeom>
-          <a:noFill/>
-          <a:ln/>
-        </p:spPr>
-        <p:txBody>
-          <a:bodyPr wrap="square" lIns="0" tIns="0" rIns="0" bIns="0" rtlCol="0" anchor="t"/>
-          <a:lstStyle/>
-          <a:p>
-            <a:pPr algn="l" indent="0" marL="0">
-              <a:lnSpc>
-                <a:spcPts val="1400"/>
-              </a:lnSpc>
+          <p:cNvPr id="26" name="Text 23"/>
+          <p:cNvSpPr/>
+          <p:nvPr/>
+        </p:nvSpPr>
+        <p:spPr>
+          <a:xfrm>
+            <a:off x="457200" y="1863030"/>
+            <a:ext cx="1937028" cy="142875"/>
+          </a:xfrm>
+          <a:prstGeom prst="rect">
+            <a:avLst/>
+          </a:prstGeom>
+          <a:noFill/>
+          <a:ln/>
+        </p:spPr>
+        <p:txBody>
+          <a:bodyPr wrap="square" lIns="0" tIns="0" rIns="0" bIns="0" rtlCol="0" anchor="t"/>
+          <a:lstStyle/>
+          <a:p>
+            <a:pPr algn="l" indent="0" marL="0">
               <a:buNone/>
             </a:pPr>
             <a:r>
               <a:rPr lang="en-US" sz="1000" dirty="0">
                 <a:solidFill>
+                  <a:srgbClr val="CBD5E1"/>
+                </a:solidFill>
+                <a:latin typeface="Arial" pitchFamily="34" charset="0"/>
+                <a:ea typeface="Arial" pitchFamily="34" charset="-122"/>
+                <a:cs typeface="Arial" pitchFamily="34" charset="-120"/>
+              </a:rPr>
+              <a:t>Precision</a:t>
+            </a:r>
+            <a:endParaRPr lang="en-US" sz="1000" dirty="0"/>
+          </a:p>
+        </p:txBody>
+      </p:sp>
+      <p:sp>
+        <p:nvSpPr>
+          <p:cNvPr id="27" name="Text 24"/>
+          <p:cNvSpPr/>
+          <p:nvPr/>
+        </p:nvSpPr>
+        <p:spPr>
+          <a:xfrm>
+            <a:off x="2340420" y="1863030"/>
+            <a:ext cx="1614291" cy="142875"/>
+          </a:xfrm>
+          <a:prstGeom prst="rect">
+            <a:avLst/>
+          </a:prstGeom>
+          <a:noFill/>
+          <a:ln/>
+        </p:spPr>
+        <p:txBody>
+          <a:bodyPr wrap="square" lIns="0" tIns="0" rIns="0" bIns="0" rtlCol="0" anchor="t"/>
+          <a:lstStyle/>
+          <a:p>
+            <a:pPr algn="ctr" indent="0" marL="0">
+              <a:buNone/>
+            </a:pPr>
+            <a:r>
+              <a:rPr lang="en-US" sz="1000" dirty="0">
+                <a:solidFill>
                   <a:srgbClr val="94A3B8"/>
                 </a:solidFill>
                 <a:latin typeface="Arial" pitchFamily="34" charset="0"/>
                 <a:ea typeface="Arial" pitchFamily="34" charset="-122"/>
                 <a:cs typeface="Arial" pitchFamily="34" charset="-120"/>
               </a:rPr>
-              <a:t>Metric</a:t>
+              <a:t>0.6482</a:t>
             </a:r>
             <a:endParaRPr lang="en-US" sz="1000" dirty="0"/>
           </a:p>
@@ -10544,41 +11564,38 @@
       </p:sp>
       <p:sp>
         <p:nvSpPr>
-          <p:cNvPr id="7" name="Text 4"/>
-          <p:cNvSpPr/>
-          <p:nvPr/>
-        </p:nvSpPr>
-        <p:spPr>
-          <a:xfrm>
-            <a:off x="1643360" y="1169491"/>
-            <a:ext cx="496857" cy="177701"/>
-          </a:xfrm>
-          <a:prstGeom prst="rect">
-            <a:avLst/>
-          </a:prstGeom>
-          <a:noFill/>
-          <a:ln/>
-        </p:spPr>
-        <p:txBody>
-          <a:bodyPr wrap="square" lIns="0" tIns="0" rIns="0" bIns="0" rtlCol="0" anchor="t"/>
-          <a:lstStyle/>
-          <a:p>
-            <a:pPr algn="l" indent="0" marL="0">
-              <a:lnSpc>
-                <a:spcPts val="1400"/>
-              </a:lnSpc>
+          <p:cNvPr id="28" name="Text 25"/>
+          <p:cNvSpPr/>
+          <p:nvPr/>
+        </p:nvSpPr>
+        <p:spPr>
+          <a:xfrm>
+            <a:off x="3923059" y="1863030"/>
+            <a:ext cx="1614291" cy="142875"/>
+          </a:xfrm>
+          <a:prstGeom prst="rect">
+            <a:avLst/>
+          </a:prstGeom>
+          <a:noFill/>
+          <a:ln/>
+        </p:spPr>
+        <p:txBody>
+          <a:bodyPr wrap="square" lIns="0" tIns="0" rIns="0" bIns="0" rtlCol="0" anchor="t"/>
+          <a:lstStyle/>
+          <a:p>
+            <a:pPr algn="ctr" indent="0" marL="0">
               <a:buNone/>
             </a:pPr>
             <a:r>
               <a:rPr lang="en-US" sz="1000" dirty="0">
                 <a:solidFill>
-                  <a:srgbClr val="22C55E"/>
-                </a:solidFill>
-                <a:latin typeface="Arial" pitchFamily="34" charset="0"/>
-                <a:ea typeface="Arial" pitchFamily="34" charset="-122"/>
-                <a:cs typeface="Arial" pitchFamily="34" charset="-120"/>
-              </a:rPr>
-              <a:t>Baseline</a:t>
+                  <a:srgbClr val="64748B"/>
+                </a:solidFill>
+                <a:latin typeface="Arial" pitchFamily="34" charset="0"/>
+                <a:ea typeface="Arial" pitchFamily="34" charset="-122"/>
+                <a:cs typeface="Arial" pitchFamily="34" charset="-120"/>
+              </a:rPr>
+              <a:t>0.4785</a:t>
             </a:r>
             <a:endParaRPr lang="en-US" sz="1000" dirty="0"/>
           </a:p>
@@ -10586,41 +11603,38 @@
       </p:sp>
       <p:sp>
         <p:nvSpPr>
-          <p:cNvPr id="8" name="Text 5"/>
-          <p:cNvSpPr/>
-          <p:nvPr/>
-        </p:nvSpPr>
-        <p:spPr>
-          <a:xfrm>
-            <a:off x="2970758" y="1169491"/>
-            <a:ext cx="374350" cy="177701"/>
-          </a:xfrm>
-          <a:prstGeom prst="rect">
-            <a:avLst/>
-          </a:prstGeom>
-          <a:noFill/>
-          <a:ln/>
-        </p:spPr>
-        <p:txBody>
-          <a:bodyPr wrap="square" lIns="0" tIns="0" rIns="0" bIns="0" rtlCol="0" anchor="t"/>
-          <a:lstStyle/>
-          <a:p>
-            <a:pPr algn="l" indent="0" marL="0">
-              <a:lnSpc>
-                <a:spcPts val="1400"/>
-              </a:lnSpc>
+          <p:cNvPr id="29" name="Text 26"/>
+          <p:cNvSpPr/>
+          <p:nvPr/>
+        </p:nvSpPr>
+        <p:spPr>
+          <a:xfrm>
+            <a:off x="5505697" y="1863030"/>
+            <a:ext cx="1614291" cy="142875"/>
+          </a:xfrm>
+          <a:prstGeom prst="rect">
+            <a:avLst/>
+          </a:prstGeom>
+          <a:noFill/>
+          <a:ln/>
+        </p:spPr>
+        <p:txBody>
+          <a:bodyPr wrap="square" lIns="0" tIns="0" rIns="0" bIns="0" rtlCol="0" anchor="t"/>
+          <a:lstStyle/>
+          <a:p>
+            <a:pPr algn="ctr" indent="0" marL="0">
               <a:buNone/>
             </a:pPr>
             <a:r>
               <a:rPr lang="en-US" sz="1000" dirty="0">
                 <a:solidFill>
-                  <a:srgbClr val="E76F51"/>
-                </a:solidFill>
-                <a:latin typeface="Arial" pitchFamily="34" charset="0"/>
-                <a:ea typeface="Arial" pitchFamily="34" charset="-122"/>
-                <a:cs typeface="Arial" pitchFamily="34" charset="-120"/>
-              </a:rPr>
-              <a:t>Hybrid</a:t>
+                  <a:srgbClr val="94A3B8"/>
+                </a:solidFill>
+                <a:latin typeface="Arial" pitchFamily="34" charset="0"/>
+                <a:ea typeface="Arial" pitchFamily="34" charset="-122"/>
+                <a:cs typeface="Arial" pitchFamily="34" charset="-120"/>
+              </a:rPr>
+              <a:t>0.5853</a:t>
             </a:r>
             <a:endParaRPr lang="en-US" sz="1000" dirty="0"/>
           </a:p>
@@ -10628,56 +11642,53 @@
       </p:sp>
       <p:sp>
         <p:nvSpPr>
-          <p:cNvPr id="9" name="Text 6"/>
-          <p:cNvSpPr/>
-          <p:nvPr/>
-        </p:nvSpPr>
-        <p:spPr>
-          <a:xfrm>
-            <a:off x="4178201" y="1169491"/>
-            <a:ext cx="272186" cy="177701"/>
-          </a:xfrm>
-          <a:prstGeom prst="rect">
-            <a:avLst/>
-          </a:prstGeom>
-          <a:noFill/>
-          <a:ln/>
-        </p:spPr>
-        <p:txBody>
-          <a:bodyPr wrap="square" lIns="0" tIns="0" rIns="0" bIns="0" rtlCol="0" anchor="t"/>
-          <a:lstStyle/>
-          <a:p>
-            <a:pPr algn="l" indent="0" marL="0">
-              <a:lnSpc>
-                <a:spcPts val="1260"/>
-              </a:lnSpc>
-              <a:buNone/>
-            </a:pPr>
-            <a:r>
-              <a:rPr lang="en-US" sz="900" dirty="0">
-                <a:solidFill>
-                  <a:srgbClr val="EF4444"/>
-                </a:solidFill>
-                <a:latin typeface="Arial" pitchFamily="34" charset="0"/>
-                <a:ea typeface="Arial" pitchFamily="34" charset="-122"/>
-                <a:cs typeface="Arial" pitchFamily="34" charset="-120"/>
-              </a:rPr>
-              <a:t>Delta</a:t>
-            </a:r>
-            <a:endParaRPr lang="en-US" sz="900" dirty="0"/>
-          </a:p>
-        </p:txBody>
-      </p:sp>
-      <p:sp>
-        <p:nvSpPr>
-          <p:cNvPr id="10" name="Shape 7"/>
-          <p:cNvSpPr/>
-          <p:nvPr/>
-        </p:nvSpPr>
-        <p:spPr>
-          <a:xfrm>
-            <a:off x="457200" y="1767780"/>
-            <a:ext cx="3987850" cy="0"/>
+          <p:cNvPr id="30" name="Text 27"/>
+          <p:cNvSpPr/>
+          <p:nvPr/>
+        </p:nvSpPr>
+        <p:spPr>
+          <a:xfrm>
+            <a:off x="7088335" y="1863030"/>
+            <a:ext cx="1614291" cy="142875"/>
+          </a:xfrm>
+          <a:prstGeom prst="rect">
+            <a:avLst/>
+          </a:prstGeom>
+          <a:noFill/>
+          <a:ln/>
+        </p:spPr>
+        <p:txBody>
+          <a:bodyPr wrap="square" lIns="0" tIns="0" rIns="0" bIns="0" rtlCol="0" anchor="t"/>
+          <a:lstStyle/>
+          <a:p>
+            <a:pPr algn="ctr" indent="0" marL="0">
+              <a:buNone/>
+            </a:pPr>
+            <a:r>
+              <a:rPr lang="en-US" sz="1000" dirty="0">
+                <a:solidFill>
+                  <a:srgbClr val="94A3B8"/>
+                </a:solidFill>
+                <a:latin typeface="Arial" pitchFamily="34" charset="0"/>
+                <a:ea typeface="Arial" pitchFamily="34" charset="-122"/>
+                <a:cs typeface="Arial" pitchFamily="34" charset="-120"/>
+              </a:rPr>
+              <a:t>0.7116</a:t>
+            </a:r>
+            <a:endParaRPr lang="en-US" sz="1000" dirty="0"/>
+          </a:p>
+        </p:txBody>
+      </p:sp>
+      <p:sp>
+        <p:nvSpPr>
+          <p:cNvPr id="31" name="Shape 28"/>
+          <p:cNvSpPr/>
+          <p:nvPr/>
+        </p:nvSpPr>
+        <p:spPr>
+          <a:xfrm>
+            <a:off x="457200" y="2353270"/>
+            <a:ext cx="8229600" cy="0"/>
           </a:xfrm>
           <a:prstGeom prst="line">
             <a:avLst/>
@@ -10693,41 +11704,77 @@
       </p:sp>
       <p:sp>
         <p:nvSpPr>
-          <p:cNvPr id="11" name="Text 8"/>
-          <p:cNvSpPr/>
-          <p:nvPr/>
-        </p:nvSpPr>
-        <p:spPr>
-          <a:xfrm>
-            <a:off x="457200" y="1509117"/>
-            <a:ext cx="503688" cy="177701"/>
-          </a:xfrm>
-          <a:prstGeom prst="rect">
-            <a:avLst/>
-          </a:prstGeom>
-          <a:noFill/>
-          <a:ln/>
-        </p:spPr>
-        <p:txBody>
-          <a:bodyPr wrap="square" lIns="0" tIns="0" rIns="0" bIns="0" rtlCol="0" anchor="t"/>
-          <a:lstStyle/>
-          <a:p>
-            <a:pPr algn="l" indent="0" marL="0">
-              <a:lnSpc>
-                <a:spcPts val="1400"/>
-              </a:lnSpc>
+          <p:cNvPr id="32" name="Text 29"/>
+          <p:cNvSpPr/>
+          <p:nvPr/>
+        </p:nvSpPr>
+        <p:spPr>
+          <a:xfrm>
+            <a:off x="457200" y="2142232"/>
+            <a:ext cx="1937028" cy="142875"/>
+          </a:xfrm>
+          <a:prstGeom prst="rect">
+            <a:avLst/>
+          </a:prstGeom>
+          <a:noFill/>
+          <a:ln/>
+        </p:spPr>
+        <p:txBody>
+          <a:bodyPr wrap="square" lIns="0" tIns="0" rIns="0" bIns="0" rtlCol="0" anchor="t"/>
+          <a:lstStyle/>
+          <a:p>
+            <a:pPr algn="l" indent="0" marL="0">
               <a:buNone/>
             </a:pPr>
             <a:r>
               <a:rPr lang="en-US" sz="1000" dirty="0">
                 <a:solidFill>
+                  <a:srgbClr val="CBD5E1"/>
+                </a:solidFill>
+                <a:latin typeface="Arial" pitchFamily="34" charset="0"/>
+                <a:ea typeface="Arial" pitchFamily="34" charset="-122"/>
+                <a:cs typeface="Arial" pitchFamily="34" charset="-120"/>
+              </a:rPr>
+              <a:t>Recall</a:t>
+            </a:r>
+            <a:endParaRPr lang="en-US" sz="1000" dirty="0"/>
+          </a:p>
+        </p:txBody>
+      </p:sp>
+      <p:sp>
+        <p:nvSpPr>
+          <p:cNvPr id="33" name="Text 30"/>
+          <p:cNvSpPr/>
+          <p:nvPr/>
+        </p:nvSpPr>
+        <p:spPr>
+          <a:xfrm>
+            <a:off x="2340420" y="2142232"/>
+            <a:ext cx="1614291" cy="142875"/>
+          </a:xfrm>
+          <a:prstGeom prst="rect">
+            <a:avLst/>
+          </a:prstGeom>
+          <a:noFill/>
+          <a:ln/>
+        </p:spPr>
+        <p:txBody>
+          <a:bodyPr wrap="square" lIns="0" tIns="0" rIns="0" bIns="0" rtlCol="0" anchor="t"/>
+          <a:lstStyle/>
+          <a:p>
+            <a:pPr algn="ctr" indent="0" marL="0">
+              <a:buNone/>
+            </a:pPr>
+            <a:r>
+              <a:rPr lang="en-US" sz="1000" dirty="0">
+                <a:solidFill>
                   <a:srgbClr val="94A3B8"/>
                 </a:solidFill>
                 <a:latin typeface="Arial" pitchFamily="34" charset="0"/>
                 <a:ea typeface="Arial" pitchFamily="34" charset="-122"/>
                 <a:cs typeface="Arial" pitchFamily="34" charset="-120"/>
               </a:rPr>
-              <a:t>F1 Micro</a:t>
+              <a:t>0.8966</a:t>
             </a:r>
             <a:endParaRPr lang="en-US" sz="1000" dirty="0"/>
           </a:p>
@@ -10735,41 +11782,38 @@
       </p:sp>
       <p:sp>
         <p:nvSpPr>
-          <p:cNvPr id="12" name="Text 9"/>
-          <p:cNvSpPr/>
-          <p:nvPr/>
-        </p:nvSpPr>
-        <p:spPr>
-          <a:xfrm>
-            <a:off x="1795760" y="1509117"/>
-            <a:ext cx="324103" cy="177701"/>
-          </a:xfrm>
-          <a:prstGeom prst="rect">
-            <a:avLst/>
-          </a:prstGeom>
-          <a:noFill/>
-          <a:ln/>
-        </p:spPr>
-        <p:txBody>
-          <a:bodyPr wrap="square" lIns="0" tIns="0" rIns="0" bIns="0" rtlCol="0" anchor="t"/>
-          <a:lstStyle/>
-          <a:p>
-            <a:pPr algn="l" indent="0" marL="0">
-              <a:lnSpc>
-                <a:spcPts val="1400"/>
-              </a:lnSpc>
+          <p:cNvPr id="34" name="Text 31"/>
+          <p:cNvSpPr/>
+          <p:nvPr/>
+        </p:nvSpPr>
+        <p:spPr>
+          <a:xfrm>
+            <a:off x="3923059" y="2142232"/>
+            <a:ext cx="1614291" cy="142875"/>
+          </a:xfrm>
+          <a:prstGeom prst="rect">
+            <a:avLst/>
+          </a:prstGeom>
+          <a:noFill/>
+          <a:ln/>
+        </p:spPr>
+        <p:txBody>
+          <a:bodyPr wrap="square" lIns="0" tIns="0" rIns="0" bIns="0" rtlCol="0" anchor="t"/>
+          <a:lstStyle/>
+          <a:p>
+            <a:pPr algn="ctr" indent="0" marL="0">
               <a:buNone/>
             </a:pPr>
             <a:r>
               <a:rPr lang="en-US" sz="1000" dirty="0">
                 <a:solidFill>
-                  <a:srgbClr val="22C55E"/>
-                </a:solidFill>
-                <a:latin typeface="Arial" pitchFamily="34" charset="0"/>
-                <a:ea typeface="Arial" pitchFamily="34" charset="-122"/>
-                <a:cs typeface="Arial" pitchFamily="34" charset="-120"/>
-              </a:rPr>
-              <a:t>0.751</a:t>
+                  <a:srgbClr val="64748B"/>
+                </a:solidFill>
+                <a:latin typeface="Arial" pitchFamily="34" charset="0"/>
+                <a:ea typeface="Arial" pitchFamily="34" charset="-122"/>
+                <a:cs typeface="Arial" pitchFamily="34" charset="-120"/>
+              </a:rPr>
+              <a:t>0.9363</a:t>
             </a:r>
             <a:endParaRPr lang="en-US" sz="1000" dirty="0"/>
           </a:p>
@@ -10777,41 +11821,38 @@
       </p:sp>
       <p:sp>
         <p:nvSpPr>
-          <p:cNvPr id="13" name="Text 10"/>
-          <p:cNvSpPr/>
-          <p:nvPr/>
-        </p:nvSpPr>
-        <p:spPr>
-          <a:xfrm>
-            <a:off x="2958405" y="1509117"/>
-            <a:ext cx="324103" cy="177701"/>
-          </a:xfrm>
-          <a:prstGeom prst="rect">
-            <a:avLst/>
-          </a:prstGeom>
-          <a:noFill/>
-          <a:ln/>
-        </p:spPr>
-        <p:txBody>
-          <a:bodyPr wrap="square" lIns="0" tIns="0" rIns="0" bIns="0" rtlCol="0" anchor="t"/>
-          <a:lstStyle/>
-          <a:p>
-            <a:pPr algn="l" indent="0" marL="0">
-              <a:lnSpc>
-                <a:spcPts val="1400"/>
-              </a:lnSpc>
+          <p:cNvPr id="35" name="Text 32"/>
+          <p:cNvSpPr/>
+          <p:nvPr/>
+        </p:nvSpPr>
+        <p:spPr>
+          <a:xfrm>
+            <a:off x="5505697" y="2142232"/>
+            <a:ext cx="1614291" cy="142875"/>
+          </a:xfrm>
+          <a:prstGeom prst="rect">
+            <a:avLst/>
+          </a:prstGeom>
+          <a:noFill/>
+          <a:ln/>
+        </p:spPr>
+        <p:txBody>
+          <a:bodyPr wrap="square" lIns="0" tIns="0" rIns="0" bIns="0" rtlCol="0" anchor="t"/>
+          <a:lstStyle/>
+          <a:p>
+            <a:pPr algn="ctr" indent="0" marL="0">
               <a:buNone/>
             </a:pPr>
             <a:r>
               <a:rPr lang="en-US" sz="1000" dirty="0">
                 <a:solidFill>
-                  <a:srgbClr val="E76F51"/>
-                </a:solidFill>
-                <a:latin typeface="Arial" pitchFamily="34" charset="0"/>
-                <a:ea typeface="Arial" pitchFamily="34" charset="-122"/>
-                <a:cs typeface="Arial" pitchFamily="34" charset="-120"/>
-              </a:rPr>
-              <a:t>0.622</a:t>
+                  <a:srgbClr val="94A3B8"/>
+                </a:solidFill>
+                <a:latin typeface="Arial" pitchFamily="34" charset="0"/>
+                <a:ea typeface="Arial" pitchFamily="34" charset="-122"/>
+                <a:cs typeface="Arial" pitchFamily="34" charset="-120"/>
+              </a:rPr>
+              <a:t>0.8764</a:t>
             </a:r>
             <a:endParaRPr lang="en-US" sz="1000" dirty="0"/>
           </a:p>
@@ -10819,94 +11860,26 @@
       </p:sp>
       <p:sp>
         <p:nvSpPr>
-          <p:cNvPr id="14" name="Text 11"/>
-          <p:cNvSpPr/>
-          <p:nvPr/>
-        </p:nvSpPr>
-        <p:spPr>
-          <a:xfrm>
-            <a:off x="4120902" y="1509117"/>
-            <a:ext cx="330631" cy="177701"/>
-          </a:xfrm>
-          <a:prstGeom prst="rect">
-            <a:avLst/>
-          </a:prstGeom>
-          <a:noFill/>
-          <a:ln/>
-        </p:spPr>
-        <p:txBody>
-          <a:bodyPr wrap="square" lIns="0" tIns="0" rIns="0" bIns="0" rtlCol="0" anchor="t"/>
-          <a:lstStyle/>
-          <a:p>
-            <a:pPr algn="l" indent="0" marL="0">
-              <a:lnSpc>
-                <a:spcPts val="1260"/>
-              </a:lnSpc>
-              <a:buNone/>
-            </a:pPr>
-            <a:r>
-              <a:rPr lang="en-US" sz="900" dirty="0">
-                <a:solidFill>
-                  <a:srgbClr val="EF4444"/>
-                </a:solidFill>
-                <a:latin typeface="Arial" pitchFamily="34" charset="0"/>
-                <a:ea typeface="Arial" pitchFamily="34" charset="-122"/>
-                <a:cs typeface="Arial" pitchFamily="34" charset="-120"/>
-              </a:rPr>
-              <a:t>-0.129</a:t>
-            </a:r>
-            <a:endParaRPr lang="en-US" sz="900" dirty="0"/>
-          </a:p>
-        </p:txBody>
-      </p:sp>
-      <p:sp>
-        <p:nvSpPr>
-          <p:cNvPr id="15" name="Shape 12"/>
-          <p:cNvSpPr/>
-          <p:nvPr/>
-        </p:nvSpPr>
-        <p:spPr>
-          <a:xfrm>
-            <a:off x="457200" y="2107406"/>
-            <a:ext cx="3987850" cy="0"/>
-          </a:xfrm>
-          <a:prstGeom prst="line">
-            <a:avLst/>
-          </a:prstGeom>
-          <a:noFill/>
-          <a:ln w="9525">
-            <a:solidFill>
-              <a:srgbClr val="FFFFFF"/>
-            </a:solidFill>
-            <a:prstDash val="solid"/>
-          </a:ln>
-        </p:spPr>
-      </p:sp>
-      <p:sp>
-        <p:nvSpPr>
-          <p:cNvPr id="16" name="Text 13"/>
-          <p:cNvSpPr/>
-          <p:nvPr/>
-        </p:nvSpPr>
-        <p:spPr>
-          <a:xfrm>
-            <a:off x="457200" y="1848743"/>
-            <a:ext cx="546952" cy="177701"/>
-          </a:xfrm>
-          <a:prstGeom prst="rect">
-            <a:avLst/>
-          </a:prstGeom>
-          <a:noFill/>
-          <a:ln/>
-        </p:spPr>
-        <p:txBody>
-          <a:bodyPr wrap="square" lIns="0" tIns="0" rIns="0" bIns="0" rtlCol="0" anchor="t"/>
-          <a:lstStyle/>
-          <a:p>
-            <a:pPr algn="l" indent="0" marL="0">
-              <a:lnSpc>
-                <a:spcPts val="1400"/>
-              </a:lnSpc>
+          <p:cNvPr id="36" name="Text 33"/>
+          <p:cNvSpPr/>
+          <p:nvPr/>
+        </p:nvSpPr>
+        <p:spPr>
+          <a:xfrm>
+            <a:off x="7088335" y="2142232"/>
+            <a:ext cx="1614291" cy="142875"/>
+          </a:xfrm>
+          <a:prstGeom prst="rect">
+            <a:avLst/>
+          </a:prstGeom>
+          <a:noFill/>
+          <a:ln/>
+        </p:spPr>
+        <p:txBody>
+          <a:bodyPr wrap="square" lIns="0" tIns="0" rIns="0" bIns="0" rtlCol="0" anchor="t"/>
+          <a:lstStyle/>
+          <a:p>
+            <a:pPr algn="ctr" indent="0" marL="0">
               <a:buNone/>
             </a:pPr>
             <a:r>
@@ -10918,7 +11891,7 @@
                 <a:ea typeface="Arial" pitchFamily="34" charset="-122"/>
                 <a:cs typeface="Arial" pitchFamily="34" charset="-120"/>
               </a:rPr>
-              <a:t>F1 Macro</a:t>
+              <a:t>0.8472</a:t>
             </a:r>
             <a:endParaRPr lang="en-US" sz="1000" dirty="0"/>
           </a:p>
@@ -10926,713 +11899,14 @@
       </p:sp>
       <p:sp>
         <p:nvSpPr>
-          <p:cNvPr id="17" name="Text 14"/>
-          <p:cNvSpPr/>
-          <p:nvPr/>
-        </p:nvSpPr>
-        <p:spPr>
-          <a:xfrm>
-            <a:off x="1824038" y="1848743"/>
-            <a:ext cx="324103" cy="177701"/>
-          </a:xfrm>
-          <a:prstGeom prst="rect">
-            <a:avLst/>
-          </a:prstGeom>
-          <a:noFill/>
-          <a:ln/>
-        </p:spPr>
-        <p:txBody>
-          <a:bodyPr wrap="square" lIns="0" tIns="0" rIns="0" bIns="0" rtlCol="0" anchor="t"/>
-          <a:lstStyle/>
-          <a:p>
-            <a:pPr algn="l" indent="0" marL="0">
-              <a:lnSpc>
-                <a:spcPts val="1400"/>
-              </a:lnSpc>
-              <a:buNone/>
-            </a:pPr>
-            <a:r>
-              <a:rPr lang="en-US" sz="1000" dirty="0">
-                <a:solidFill>
-                  <a:srgbClr val="22C55E"/>
-                </a:solidFill>
-                <a:latin typeface="Arial" pitchFamily="34" charset="0"/>
-                <a:ea typeface="Arial" pitchFamily="34" charset="-122"/>
-                <a:cs typeface="Arial" pitchFamily="34" charset="-120"/>
-              </a:rPr>
-              <a:t>0.521</a:t>
-            </a:r>
-            <a:endParaRPr lang="en-US" sz="1000" dirty="0"/>
-          </a:p>
-        </p:txBody>
-      </p:sp>
-      <p:sp>
-        <p:nvSpPr>
-          <p:cNvPr id="18" name="Text 15"/>
-          <p:cNvSpPr/>
-          <p:nvPr/>
-        </p:nvSpPr>
-        <p:spPr>
-          <a:xfrm>
-            <a:off x="2972544" y="1848743"/>
-            <a:ext cx="324103" cy="177701"/>
-          </a:xfrm>
-          <a:prstGeom prst="rect">
-            <a:avLst/>
-          </a:prstGeom>
-          <a:noFill/>
-          <a:ln/>
-        </p:spPr>
-        <p:txBody>
-          <a:bodyPr wrap="square" lIns="0" tIns="0" rIns="0" bIns="0" rtlCol="0" anchor="t"/>
-          <a:lstStyle/>
-          <a:p>
-            <a:pPr algn="l" indent="0" marL="0">
-              <a:lnSpc>
-                <a:spcPts val="1400"/>
-              </a:lnSpc>
-              <a:buNone/>
-            </a:pPr>
-            <a:r>
-              <a:rPr lang="en-US" sz="1000" dirty="0">
-                <a:solidFill>
-                  <a:srgbClr val="E76F51"/>
-                </a:solidFill>
-                <a:latin typeface="Arial" pitchFamily="34" charset="0"/>
-                <a:ea typeface="Arial" pitchFamily="34" charset="-122"/>
-                <a:cs typeface="Arial" pitchFamily="34" charset="-120"/>
-              </a:rPr>
-              <a:t>0.436</a:t>
-            </a:r>
-            <a:endParaRPr lang="en-US" sz="1000" dirty="0"/>
-          </a:p>
-        </p:txBody>
-      </p:sp>
-      <p:sp>
-        <p:nvSpPr>
-          <p:cNvPr id="19" name="Text 16"/>
-          <p:cNvSpPr/>
-          <p:nvPr/>
-        </p:nvSpPr>
-        <p:spPr>
-          <a:xfrm>
-            <a:off x="4120902" y="1848743"/>
-            <a:ext cx="330631" cy="177701"/>
-          </a:xfrm>
-          <a:prstGeom prst="rect">
-            <a:avLst/>
-          </a:prstGeom>
-          <a:noFill/>
-          <a:ln/>
-        </p:spPr>
-        <p:txBody>
-          <a:bodyPr wrap="square" lIns="0" tIns="0" rIns="0" bIns="0" rtlCol="0" anchor="t"/>
-          <a:lstStyle/>
-          <a:p>
-            <a:pPr algn="l" indent="0" marL="0">
-              <a:lnSpc>
-                <a:spcPts val="1260"/>
-              </a:lnSpc>
-              <a:buNone/>
-            </a:pPr>
-            <a:r>
-              <a:rPr lang="en-US" sz="900" dirty="0">
-                <a:solidFill>
-                  <a:srgbClr val="EF4444"/>
-                </a:solidFill>
-                <a:latin typeface="Arial" pitchFamily="34" charset="0"/>
-                <a:ea typeface="Arial" pitchFamily="34" charset="-122"/>
-                <a:cs typeface="Arial" pitchFamily="34" charset="-120"/>
-              </a:rPr>
-              <a:t>-0.085</a:t>
-            </a:r>
-            <a:endParaRPr lang="en-US" sz="900" dirty="0"/>
-          </a:p>
-        </p:txBody>
-      </p:sp>
-      <p:sp>
-        <p:nvSpPr>
-          <p:cNvPr id="20" name="Shape 17"/>
-          <p:cNvSpPr/>
-          <p:nvPr/>
-        </p:nvSpPr>
-        <p:spPr>
-          <a:xfrm>
-            <a:off x="457200" y="2447032"/>
-            <a:ext cx="3987850" cy="0"/>
-          </a:xfrm>
-          <a:prstGeom prst="line">
-            <a:avLst/>
-          </a:prstGeom>
-          <a:noFill/>
-          <a:ln w="9525">
-            <a:solidFill>
-              <a:srgbClr val="FFFFFF"/>
-            </a:solidFill>
-            <a:prstDash val="solid"/>
-          </a:ln>
-        </p:spPr>
-      </p:sp>
-      <p:sp>
-        <p:nvSpPr>
-          <p:cNvPr id="21" name="Text 18"/>
-          <p:cNvSpPr/>
-          <p:nvPr/>
-        </p:nvSpPr>
-        <p:spPr>
-          <a:xfrm>
-            <a:off x="457200" y="2188369"/>
-            <a:ext cx="732002" cy="177701"/>
-          </a:xfrm>
-          <a:prstGeom prst="rect">
-            <a:avLst/>
-          </a:prstGeom>
-          <a:noFill/>
-          <a:ln/>
-        </p:spPr>
-        <p:txBody>
-          <a:bodyPr wrap="square" lIns="0" tIns="0" rIns="0" bIns="0" rtlCol="0" anchor="t"/>
-          <a:lstStyle/>
-          <a:p>
-            <a:pPr algn="l" indent="0" marL="0">
-              <a:lnSpc>
-                <a:spcPts val="1400"/>
-              </a:lnSpc>
-              <a:buNone/>
-            </a:pPr>
-            <a:r>
-              <a:rPr lang="en-US" sz="1000" dirty="0">
-                <a:solidFill>
-                  <a:srgbClr val="94A3B8"/>
-                </a:solidFill>
-                <a:latin typeface="Arial" pitchFamily="34" charset="0"/>
-                <a:ea typeface="Arial" pitchFamily="34" charset="-122"/>
-                <a:cs typeface="Arial" pitchFamily="34" charset="-120"/>
-              </a:rPr>
-              <a:t>F1 Weighted</a:t>
-            </a:r>
-            <a:endParaRPr lang="en-US" sz="1000" dirty="0"/>
-          </a:p>
-        </p:txBody>
-      </p:sp>
-      <p:sp>
-        <p:nvSpPr>
-          <p:cNvPr id="22" name="Text 19"/>
-          <p:cNvSpPr/>
-          <p:nvPr/>
-        </p:nvSpPr>
-        <p:spPr>
-          <a:xfrm>
-            <a:off x="1945035" y="2188369"/>
-            <a:ext cx="324103" cy="177701"/>
-          </a:xfrm>
-          <a:prstGeom prst="rect">
-            <a:avLst/>
-          </a:prstGeom>
-          <a:noFill/>
-          <a:ln/>
-        </p:spPr>
-        <p:txBody>
-          <a:bodyPr wrap="square" lIns="0" tIns="0" rIns="0" bIns="0" rtlCol="0" anchor="t"/>
-          <a:lstStyle/>
-          <a:p>
-            <a:pPr algn="l" indent="0" marL="0">
-              <a:lnSpc>
-                <a:spcPts val="1400"/>
-              </a:lnSpc>
-              <a:buNone/>
-            </a:pPr>
-            <a:r>
-              <a:rPr lang="en-US" sz="1000" dirty="0">
-                <a:solidFill>
-                  <a:srgbClr val="22C55E"/>
-                </a:solidFill>
-                <a:latin typeface="Arial" pitchFamily="34" charset="0"/>
-                <a:ea typeface="Arial" pitchFamily="34" charset="-122"/>
-                <a:cs typeface="Arial" pitchFamily="34" charset="-120"/>
-              </a:rPr>
-              <a:t>0.798</a:t>
-            </a:r>
-            <a:endParaRPr lang="en-US" sz="1000" dirty="0"/>
-          </a:p>
-        </p:txBody>
-      </p:sp>
-      <p:sp>
-        <p:nvSpPr>
-          <p:cNvPr id="23" name="Text 20"/>
-          <p:cNvSpPr/>
-          <p:nvPr/>
-        </p:nvSpPr>
-        <p:spPr>
-          <a:xfrm>
-            <a:off x="3032968" y="2188369"/>
-            <a:ext cx="324103" cy="177701"/>
-          </a:xfrm>
-          <a:prstGeom prst="rect">
-            <a:avLst/>
-          </a:prstGeom>
-          <a:noFill/>
-          <a:ln/>
-        </p:spPr>
-        <p:txBody>
-          <a:bodyPr wrap="square" lIns="0" tIns="0" rIns="0" bIns="0" rtlCol="0" anchor="t"/>
-          <a:lstStyle/>
-          <a:p>
-            <a:pPr algn="l" indent="0" marL="0">
-              <a:lnSpc>
-                <a:spcPts val="1400"/>
-              </a:lnSpc>
-              <a:buNone/>
-            </a:pPr>
-            <a:r>
-              <a:rPr lang="en-US" sz="1000" dirty="0">
-                <a:solidFill>
-                  <a:srgbClr val="E76F51"/>
-                </a:solidFill>
-                <a:latin typeface="Arial" pitchFamily="34" charset="0"/>
-                <a:ea typeface="Arial" pitchFamily="34" charset="-122"/>
-                <a:cs typeface="Arial" pitchFamily="34" charset="-120"/>
-              </a:rPr>
-              <a:t>0.713</a:t>
-            </a:r>
-            <a:endParaRPr lang="en-US" sz="1000" dirty="0"/>
-          </a:p>
-        </p:txBody>
-      </p:sp>
-      <p:sp>
-        <p:nvSpPr>
-          <p:cNvPr id="24" name="Text 21"/>
-          <p:cNvSpPr/>
-          <p:nvPr/>
-        </p:nvSpPr>
-        <p:spPr>
-          <a:xfrm>
-            <a:off x="4120902" y="2188369"/>
-            <a:ext cx="330631" cy="177701"/>
-          </a:xfrm>
-          <a:prstGeom prst="rect">
-            <a:avLst/>
-          </a:prstGeom>
-          <a:noFill/>
-          <a:ln/>
-        </p:spPr>
-        <p:txBody>
-          <a:bodyPr wrap="square" lIns="0" tIns="0" rIns="0" bIns="0" rtlCol="0" anchor="t"/>
-          <a:lstStyle/>
-          <a:p>
-            <a:pPr algn="l" indent="0" marL="0">
-              <a:lnSpc>
-                <a:spcPts val="1260"/>
-              </a:lnSpc>
-              <a:buNone/>
-            </a:pPr>
-            <a:r>
-              <a:rPr lang="en-US" sz="900" dirty="0">
-                <a:solidFill>
-                  <a:srgbClr val="EF4444"/>
-                </a:solidFill>
-                <a:latin typeface="Arial" pitchFamily="34" charset="0"/>
-                <a:ea typeface="Arial" pitchFamily="34" charset="-122"/>
-                <a:cs typeface="Arial" pitchFamily="34" charset="-120"/>
-              </a:rPr>
-              <a:t>-0.085</a:t>
-            </a:r>
-            <a:endParaRPr lang="en-US" sz="900" dirty="0"/>
-          </a:p>
-        </p:txBody>
-      </p:sp>
-      <p:sp>
-        <p:nvSpPr>
-          <p:cNvPr id="25" name="Shape 22"/>
-          <p:cNvSpPr/>
-          <p:nvPr/>
-        </p:nvSpPr>
-        <p:spPr>
-          <a:xfrm>
-            <a:off x="457200" y="2786658"/>
-            <a:ext cx="3987850" cy="0"/>
-          </a:xfrm>
-          <a:prstGeom prst="line">
-            <a:avLst/>
-          </a:prstGeom>
-          <a:noFill/>
-          <a:ln w="9525">
-            <a:solidFill>
-              <a:srgbClr val="FFFFFF"/>
-            </a:solidFill>
-            <a:prstDash val="solid"/>
-          </a:ln>
-        </p:spPr>
-      </p:sp>
-      <p:sp>
-        <p:nvSpPr>
-          <p:cNvPr id="26" name="Text 23"/>
-          <p:cNvSpPr/>
-          <p:nvPr/>
-        </p:nvSpPr>
-        <p:spPr>
-          <a:xfrm>
-            <a:off x="457200" y="2527995"/>
-            <a:ext cx="532683" cy="177701"/>
-          </a:xfrm>
-          <a:prstGeom prst="rect">
-            <a:avLst/>
-          </a:prstGeom>
-          <a:noFill/>
-          <a:ln/>
-        </p:spPr>
-        <p:txBody>
-          <a:bodyPr wrap="square" lIns="0" tIns="0" rIns="0" bIns="0" rtlCol="0" anchor="t"/>
-          <a:lstStyle/>
-          <a:p>
-            <a:pPr algn="l" indent="0" marL="0">
-              <a:lnSpc>
-                <a:spcPts val="1400"/>
-              </a:lnSpc>
-              <a:buNone/>
-            </a:pPr>
-            <a:r>
-              <a:rPr lang="en-US" sz="1000" dirty="0">
-                <a:solidFill>
-                  <a:srgbClr val="94A3B8"/>
-                </a:solidFill>
-                <a:latin typeface="Arial" pitchFamily="34" charset="0"/>
-                <a:ea typeface="Arial" pitchFamily="34" charset="-122"/>
-                <a:cs typeface="Arial" pitchFamily="34" charset="-120"/>
-              </a:rPr>
-              <a:t>Precision</a:t>
-            </a:r>
-            <a:endParaRPr lang="en-US" sz="1000" dirty="0"/>
-          </a:p>
-        </p:txBody>
-      </p:sp>
-      <p:sp>
-        <p:nvSpPr>
-          <p:cNvPr id="27" name="Text 24"/>
-          <p:cNvSpPr/>
-          <p:nvPr/>
-        </p:nvSpPr>
-        <p:spPr>
-          <a:xfrm>
-            <a:off x="1814810" y="2527995"/>
-            <a:ext cx="324103" cy="177701"/>
-          </a:xfrm>
-          <a:prstGeom prst="rect">
-            <a:avLst/>
-          </a:prstGeom>
-          <a:noFill/>
-          <a:ln/>
-        </p:spPr>
-        <p:txBody>
-          <a:bodyPr wrap="square" lIns="0" tIns="0" rIns="0" bIns="0" rtlCol="0" anchor="t"/>
-          <a:lstStyle/>
-          <a:p>
-            <a:pPr algn="l" indent="0" marL="0">
-              <a:lnSpc>
-                <a:spcPts val="1400"/>
-              </a:lnSpc>
-              <a:buNone/>
-            </a:pPr>
-            <a:r>
-              <a:rPr lang="en-US" sz="1000" dirty="0">
-                <a:solidFill>
-                  <a:srgbClr val="22C55E"/>
-                </a:solidFill>
-                <a:latin typeface="Arial" pitchFamily="34" charset="0"/>
-                <a:ea typeface="Arial" pitchFamily="34" charset="-122"/>
-                <a:cs typeface="Arial" pitchFamily="34" charset="-120"/>
-              </a:rPr>
-              <a:t>0.647</a:t>
-            </a:r>
-            <a:endParaRPr lang="en-US" sz="1000" dirty="0"/>
-          </a:p>
-        </p:txBody>
-      </p:sp>
-      <p:sp>
-        <p:nvSpPr>
-          <p:cNvPr id="28" name="Text 25"/>
-          <p:cNvSpPr/>
-          <p:nvPr/>
-        </p:nvSpPr>
-        <p:spPr>
-          <a:xfrm>
-            <a:off x="2967782" y="2527995"/>
-            <a:ext cx="324103" cy="177701"/>
-          </a:xfrm>
-          <a:prstGeom prst="rect">
-            <a:avLst/>
-          </a:prstGeom>
-          <a:noFill/>
-          <a:ln/>
-        </p:spPr>
-        <p:txBody>
-          <a:bodyPr wrap="square" lIns="0" tIns="0" rIns="0" bIns="0" rtlCol="0" anchor="t"/>
-          <a:lstStyle/>
-          <a:p>
-            <a:pPr algn="l" indent="0" marL="0">
-              <a:lnSpc>
-                <a:spcPts val="1400"/>
-              </a:lnSpc>
-              <a:buNone/>
-            </a:pPr>
-            <a:r>
-              <a:rPr lang="en-US" sz="1000" dirty="0">
-                <a:solidFill>
-                  <a:srgbClr val="E76F51"/>
-                </a:solidFill>
-                <a:latin typeface="Arial" pitchFamily="34" charset="0"/>
-                <a:ea typeface="Arial" pitchFamily="34" charset="-122"/>
-                <a:cs typeface="Arial" pitchFamily="34" charset="-120"/>
-              </a:rPr>
-              <a:t>0.471</a:t>
-            </a:r>
-            <a:endParaRPr lang="en-US" sz="1000" dirty="0"/>
-          </a:p>
-        </p:txBody>
-      </p:sp>
-      <p:sp>
-        <p:nvSpPr>
-          <p:cNvPr id="29" name="Text 26"/>
-          <p:cNvSpPr/>
-          <p:nvPr/>
-        </p:nvSpPr>
-        <p:spPr>
-          <a:xfrm>
-            <a:off x="4120902" y="2527995"/>
-            <a:ext cx="330631" cy="177701"/>
-          </a:xfrm>
-          <a:prstGeom prst="rect">
-            <a:avLst/>
-          </a:prstGeom>
-          <a:noFill/>
-          <a:ln/>
-        </p:spPr>
-        <p:txBody>
-          <a:bodyPr wrap="square" lIns="0" tIns="0" rIns="0" bIns="0" rtlCol="0" anchor="t"/>
-          <a:lstStyle/>
-          <a:p>
-            <a:pPr algn="l" indent="0" marL="0">
-              <a:lnSpc>
-                <a:spcPts val="1260"/>
-              </a:lnSpc>
-              <a:buNone/>
-            </a:pPr>
-            <a:r>
-              <a:rPr lang="en-US" sz="900" dirty="0">
-                <a:solidFill>
-                  <a:srgbClr val="EF4444"/>
-                </a:solidFill>
-                <a:latin typeface="Arial" pitchFamily="34" charset="0"/>
-                <a:ea typeface="Arial" pitchFamily="34" charset="-122"/>
-                <a:cs typeface="Arial" pitchFamily="34" charset="-120"/>
-              </a:rPr>
-              <a:t>-0.176</a:t>
-            </a:r>
-            <a:endParaRPr lang="en-US" sz="900" dirty="0"/>
-          </a:p>
-        </p:txBody>
-      </p:sp>
-      <p:sp>
-        <p:nvSpPr>
-          <p:cNvPr id="30" name="Shape 27"/>
-          <p:cNvSpPr/>
-          <p:nvPr/>
-        </p:nvSpPr>
-        <p:spPr>
-          <a:xfrm>
-            <a:off x="457200" y="3126284"/>
-            <a:ext cx="3987850" cy="0"/>
-          </a:xfrm>
-          <a:prstGeom prst="line">
-            <a:avLst/>
-          </a:prstGeom>
-          <a:noFill/>
-          <a:ln w="9525">
-            <a:solidFill>
-              <a:srgbClr val="FFFFFF"/>
-            </a:solidFill>
-            <a:prstDash val="solid"/>
-          </a:ln>
-        </p:spPr>
-      </p:sp>
-      <p:sp>
-        <p:nvSpPr>
-          <p:cNvPr id="31" name="Text 28"/>
-          <p:cNvSpPr/>
-          <p:nvPr/>
-        </p:nvSpPr>
-        <p:spPr>
-          <a:xfrm>
-            <a:off x="457200" y="2867620"/>
-            <a:ext cx="359929" cy="177701"/>
-          </a:xfrm>
-          <a:prstGeom prst="rect">
-            <a:avLst/>
-          </a:prstGeom>
-          <a:noFill/>
-          <a:ln/>
-        </p:spPr>
-        <p:txBody>
-          <a:bodyPr wrap="square" lIns="0" tIns="0" rIns="0" bIns="0" rtlCol="0" anchor="t"/>
-          <a:lstStyle/>
-          <a:p>
-            <a:pPr algn="l" indent="0" marL="0">
-              <a:lnSpc>
-                <a:spcPts val="1400"/>
-              </a:lnSpc>
-              <a:buNone/>
-            </a:pPr>
-            <a:r>
-              <a:rPr lang="en-US" sz="1000" dirty="0">
-                <a:solidFill>
-                  <a:srgbClr val="94A3B8"/>
-                </a:solidFill>
-                <a:latin typeface="Arial" pitchFamily="34" charset="0"/>
-                <a:ea typeface="Arial" pitchFamily="34" charset="-122"/>
-                <a:cs typeface="Arial" pitchFamily="34" charset="-120"/>
-              </a:rPr>
-              <a:t>Recall</a:t>
-            </a:r>
-            <a:endParaRPr lang="en-US" sz="1000" dirty="0"/>
-          </a:p>
-        </p:txBody>
-      </p:sp>
-      <p:sp>
-        <p:nvSpPr>
-          <p:cNvPr id="32" name="Text 29"/>
-          <p:cNvSpPr/>
-          <p:nvPr/>
-        </p:nvSpPr>
-        <p:spPr>
-          <a:xfrm>
-            <a:off x="1692325" y="2867620"/>
-            <a:ext cx="324103" cy="177701"/>
-          </a:xfrm>
-          <a:prstGeom prst="rect">
-            <a:avLst/>
-          </a:prstGeom>
-          <a:noFill/>
-          <a:ln/>
-        </p:spPr>
-        <p:txBody>
-          <a:bodyPr wrap="square" lIns="0" tIns="0" rIns="0" bIns="0" rtlCol="0" anchor="t"/>
-          <a:lstStyle/>
-          <a:p>
-            <a:pPr algn="l" indent="0" marL="0">
-              <a:lnSpc>
-                <a:spcPts val="1400"/>
-              </a:lnSpc>
-              <a:buNone/>
-            </a:pPr>
-            <a:r>
-              <a:rPr lang="en-US" sz="1000" dirty="0">
-                <a:solidFill>
-                  <a:srgbClr val="22C55E"/>
-                </a:solidFill>
-                <a:latin typeface="Arial" pitchFamily="34" charset="0"/>
-                <a:ea typeface="Arial" pitchFamily="34" charset="-122"/>
-                <a:cs typeface="Arial" pitchFamily="34" charset="-120"/>
-              </a:rPr>
-              <a:t>0.895</a:t>
-            </a:r>
-            <a:endParaRPr lang="en-US" sz="1000" dirty="0"/>
-          </a:p>
-        </p:txBody>
-      </p:sp>
-      <p:sp>
-        <p:nvSpPr>
-          <p:cNvPr id="33" name="Text 30"/>
-          <p:cNvSpPr/>
-          <p:nvPr/>
-        </p:nvSpPr>
-        <p:spPr>
-          <a:xfrm>
-            <a:off x="2892177" y="2867620"/>
-            <a:ext cx="324103" cy="177701"/>
-          </a:xfrm>
-          <a:prstGeom prst="rect">
-            <a:avLst/>
-          </a:prstGeom>
-          <a:noFill/>
-          <a:ln/>
-        </p:spPr>
-        <p:txBody>
-          <a:bodyPr wrap="square" lIns="0" tIns="0" rIns="0" bIns="0" rtlCol="0" anchor="t"/>
-          <a:lstStyle/>
-          <a:p>
-            <a:pPr algn="l" indent="0" marL="0">
-              <a:lnSpc>
-                <a:spcPts val="1400"/>
-              </a:lnSpc>
-              <a:buNone/>
-            </a:pPr>
-            <a:r>
-              <a:rPr lang="en-US" sz="1000" dirty="0">
-                <a:solidFill>
-                  <a:srgbClr val="E76F51"/>
-                </a:solidFill>
-                <a:latin typeface="Arial" pitchFamily="34" charset="0"/>
-                <a:ea typeface="Arial" pitchFamily="34" charset="-122"/>
-                <a:cs typeface="Arial" pitchFamily="34" charset="-120"/>
-              </a:rPr>
-              <a:t>0.916</a:t>
-            </a:r>
-            <a:endParaRPr lang="en-US" sz="1000" dirty="0"/>
-          </a:p>
-        </p:txBody>
-      </p:sp>
-      <p:sp>
-        <p:nvSpPr>
-          <p:cNvPr id="34" name="Text 31"/>
-          <p:cNvSpPr/>
-          <p:nvPr/>
-        </p:nvSpPr>
-        <p:spPr>
-          <a:xfrm>
-            <a:off x="4092178" y="2867620"/>
-            <a:ext cx="359929" cy="177701"/>
-          </a:xfrm>
-          <a:prstGeom prst="rect">
-            <a:avLst/>
-          </a:prstGeom>
-          <a:noFill/>
-          <a:ln/>
-        </p:spPr>
-        <p:txBody>
-          <a:bodyPr wrap="square" lIns="0" tIns="0" rIns="0" bIns="0" rtlCol="0" anchor="t"/>
-          <a:lstStyle/>
-          <a:p>
-            <a:pPr algn="l" indent="0" marL="0">
-              <a:lnSpc>
-                <a:spcPts val="1260"/>
-              </a:lnSpc>
-              <a:buNone/>
-            </a:pPr>
-            <a:r>
-              <a:rPr lang="en-US" sz="900" dirty="0">
-                <a:solidFill>
-                  <a:srgbClr val="EF4444"/>
-                </a:solidFill>
-                <a:latin typeface="Arial" pitchFamily="34" charset="0"/>
-                <a:ea typeface="Arial" pitchFamily="34" charset="-122"/>
-                <a:cs typeface="Arial" pitchFamily="34" charset="-120"/>
-              </a:rPr>
-              <a:t>+0.021</a:t>
-            </a:r>
-            <a:endParaRPr lang="en-US" sz="900" dirty="0"/>
-          </a:p>
-        </p:txBody>
-      </p:sp>
-      <p:sp>
-        <p:nvSpPr>
-          <p:cNvPr id="35" name="Text 32"/>
-          <p:cNvSpPr/>
-          <p:nvPr/>
-        </p:nvSpPr>
-        <p:spPr>
-          <a:xfrm>
-            <a:off x="457200" y="3232547"/>
-            <a:ext cx="3987850" cy="787003"/>
+          <p:cNvPr id="37" name="Text 34"/>
+          <p:cNvSpPr/>
+          <p:nvPr/>
+        </p:nvSpPr>
+        <p:spPr>
+          <a:xfrm>
+            <a:off x="457200" y="2459534"/>
+            <a:ext cx="4435822" cy="2683966"/>
           </a:xfrm>
           <a:prstGeom prst="rect">
             <a:avLst/>
@@ -11657,14 +11931,14 @@
       </p:sp>
       <p:sp>
         <p:nvSpPr>
-          <p:cNvPr id="36" name="Shape 33"/>
-          <p:cNvSpPr/>
-          <p:nvPr/>
-        </p:nvSpPr>
-        <p:spPr>
-          <a:xfrm>
-            <a:off x="481012" y="3232547"/>
-            <a:ext cx="0" cy="787003"/>
+          <p:cNvPr id="38" name="Shape 35"/>
+          <p:cNvSpPr/>
+          <p:nvPr/>
+        </p:nvSpPr>
+        <p:spPr>
+          <a:xfrm>
+            <a:off x="481012" y="2459534"/>
+            <a:ext cx="0" cy="2683966"/>
           </a:xfrm>
           <a:prstGeom prst="line">
             <a:avLst/>
@@ -11680,50 +11954,126 @@
       </p:sp>
       <p:sp>
         <p:nvSpPr>
-          <p:cNvPr id="37" name="Text 34"/>
-          <p:cNvSpPr/>
-          <p:nvPr/>
-        </p:nvSpPr>
-        <p:spPr>
-          <a:xfrm>
-            <a:off x="682526" y="3359497"/>
-            <a:ext cx="3656520" cy="533102"/>
-          </a:xfrm>
-          <a:prstGeom prst="rect">
-            <a:avLst/>
-          </a:prstGeom>
-          <a:noFill/>
-          <a:ln/>
-        </p:spPr>
-        <p:txBody>
-          <a:bodyPr wrap="square" lIns="0" tIns="0" rIns="0" bIns="0" rtlCol="0" anchor="t"/>
-          <a:lstStyle/>
-          <a:p>
-            <a:pPr algn="l" indent="0" marL="0">
-              <a:lnSpc>
-                <a:spcPts val="1400"/>
-              </a:lnSpc>
+          <p:cNvPr id="39" name="Text 36"/>
+          <p:cNvSpPr/>
+          <p:nvPr/>
+        </p:nvSpPr>
+        <p:spPr>
+          <a:xfrm>
+            <a:off x="657225" y="2561034"/>
+            <a:ext cx="4165065" cy="164902"/>
+          </a:xfrm>
+          <a:prstGeom prst="rect">
+            <a:avLst/>
+          </a:prstGeom>
+          <a:noFill/>
+          <a:ln/>
+        </p:spPr>
+        <p:txBody>
+          <a:bodyPr wrap="square" lIns="0" tIns="0" rIns="0" bIns="0" rtlCol="0" anchor="t"/>
+          <a:lstStyle/>
+          <a:p>
+            <a:pPr algn="l" indent="0" marL="0">
+              <a:lnSpc>
+                <a:spcPts val="1300"/>
+              </a:lnSpc>
+              <a:spcAft>
+                <a:spcPts val="400"/>
+              </a:spcAft>
               <a:buNone/>
             </a:pPr>
             <a:r>
               <a:rPr lang="en-US" sz="1000" b="1" dirty="0">
                 <a:solidFill>
+                  <a:srgbClr val="00B4D8"/>
+                </a:solidFill>
+                <a:latin typeface="Arial" pitchFamily="34" charset="0"/>
+                <a:ea typeface="Arial" pitchFamily="34" charset="-122"/>
+                <a:cs typeface="Arial" pitchFamily="34" charset="-120"/>
+              </a:rPr>
+              <a:t>Why LF (0.5) failed, and how Per-Class fixed it</a:t>
+            </a:r>
+            <a:endParaRPr lang="en-US" sz="1000" dirty="0"/>
+          </a:p>
+        </p:txBody>
+      </p:sp>
+      <p:sp>
+        <p:nvSpPr>
+          <p:cNvPr id="40" name="Text 37"/>
+          <p:cNvSpPr/>
+          <p:nvPr/>
+        </p:nvSpPr>
+        <p:spPr>
+          <a:xfrm>
+            <a:off x="657225" y="2776686"/>
+            <a:ext cx="4165065" cy="313730"/>
+          </a:xfrm>
+          <a:prstGeom prst="rect">
+            <a:avLst/>
+          </a:prstGeom>
+          <a:noFill/>
+          <a:ln/>
+        </p:spPr>
+        <p:txBody>
+          <a:bodyPr wrap="square" lIns="0" tIns="0" rIns="0" bIns="0" rtlCol="0" anchor="t"/>
+          <a:lstStyle/>
+          <a:p>
+            <a:pPr algn="l" indent="0" marL="0">
+              <a:lnSpc>
+                <a:spcPts val="1235"/>
+              </a:lnSpc>
+              <a:spcAft>
+                <a:spcPts val="300"/>
+              </a:spcAft>
+              <a:buNone/>
+            </a:pPr>
+            <a:r>
+              <a:rPr lang="en-US" sz="950" dirty="0">
+                <a:solidFill>
                   <a:srgbClr val="E2E8F0"/>
                 </a:solidFill>
                 <a:latin typeface="Arial" pitchFamily="34" charset="0"/>
                 <a:ea typeface="Arial" pitchFamily="34" charset="-122"/>
                 <a:cs typeface="Arial" pitchFamily="34" charset="-120"/>
               </a:rPr>
-              <a:t>The transformer underperformed the baseline.</a:t>
-            </a:r>
-            <a:pPr algn="l" indent="0" marL="0">
-              <a:lnSpc>
-                <a:spcPts val="1400"/>
-              </a:lnSpc>
-              <a:buNone/>
-            </a:pPr>
-            <a:r>
-              <a:rPr lang="en-US" sz="1000" dirty="0">
+              <a:t>At threshold 0.5, the model over-predicted: high recall (0.94) but low precision (0.48) — see table above.</a:t>
+            </a:r>
+            <a:endParaRPr lang="en-US" sz="950" dirty="0"/>
+          </a:p>
+        </p:txBody>
+      </p:sp>
+      <p:sp>
+        <p:nvSpPr>
+          <p:cNvPr id="41" name="Text 38"/>
+          <p:cNvSpPr/>
+          <p:nvPr/>
+        </p:nvSpPr>
+        <p:spPr>
+          <a:xfrm>
+            <a:off x="657225" y="3128516"/>
+            <a:ext cx="4165065" cy="470595"/>
+          </a:xfrm>
+          <a:prstGeom prst="rect">
+            <a:avLst/>
+          </a:prstGeom>
+          <a:noFill/>
+          <a:ln/>
+        </p:spPr>
+        <p:txBody>
+          <a:bodyPr wrap="square" lIns="0" tIns="0" rIns="0" bIns="0" rtlCol="0" anchor="t"/>
+          <a:lstStyle/>
+          <a:p>
+            <a:pPr algn="l" indent="0" marL="0">
+              <a:lnSpc>
+                <a:spcPts val="1235"/>
+              </a:lnSpc>
+              <a:spcAft>
+                <a:spcPts val="300"/>
+              </a:spcAft>
+              <a:buNone/>
+            </a:pPr>
+            <a:r>
+              <a:rPr lang="en-US" sz="950" dirty="0">
                 <a:solidFill>
                   <a:srgbClr val="E2E8F0"/>
                 </a:solidFill>
@@ -11731,81 +12081,116 @@
                 <a:ea typeface="Arial" pitchFamily="34" charset="-122"/>
                 <a:cs typeface="Arial" pitchFamily="34" charset="-120"/>
               </a:rPr>
-              <a:t> Characterizing this honestly is as valuable as reporting success.</a:t>
-            </a:r>
-            <a:endParaRPr lang="en-US" sz="1000" dirty="0"/>
-          </a:p>
-        </p:txBody>
-      </p:sp>
-      <p:sp>
-        <p:nvSpPr>
-          <p:cNvPr id="38" name="Text 35"/>
-          <p:cNvSpPr/>
-          <p:nvPr/>
-        </p:nvSpPr>
-        <p:spPr>
-          <a:xfrm>
-            <a:off x="4698950" y="857101"/>
-            <a:ext cx="4067607" cy="159990"/>
-          </a:xfrm>
-          <a:prstGeom prst="rect">
-            <a:avLst/>
-          </a:prstGeom>
-          <a:noFill/>
-          <a:ln/>
-        </p:spPr>
-        <p:txBody>
-          <a:bodyPr wrap="square" lIns="0" tIns="0" rIns="0" bIns="0" rtlCol="0" anchor="t"/>
-          <a:lstStyle/>
-          <a:p>
-            <a:pPr algn="l" indent="0" marL="0">
-              <a:lnSpc>
-                <a:spcPts val="1260"/>
+              <a:t>Per-class optimization found the best threshold per label on the </a:t>
+            </a:r>
+            <a:pPr algn="l" indent="0" marL="0">
+              <a:lnSpc>
+                <a:spcPts val="1235"/>
               </a:lnSpc>
               <a:spcAft>
-                <a:spcPts val="600"/>
+                <a:spcPts val="300"/>
               </a:spcAft>
               <a:buNone/>
             </a:pPr>
             <a:r>
-              <a:rPr lang="en-US" sz="900" dirty="0">
-                <a:solidFill>
-                  <a:srgbClr val="94A3B8"/>
-                </a:solidFill>
-                <a:latin typeface="Arial" pitchFamily="34" charset="0"/>
-                <a:ea typeface="Arial" pitchFamily="34" charset="-122"/>
-                <a:cs typeface="Arial" pitchFamily="34" charset="-120"/>
-              </a:rPr>
-              <a:t>ROOT CAUSE ANALYSIS</a:t>
-            </a:r>
-            <a:endParaRPr lang="en-US" sz="900" dirty="0"/>
-          </a:p>
-        </p:txBody>
-      </p:sp>
-      <p:sp>
-        <p:nvSpPr>
-          <p:cNvPr id="39" name="Text 36"/>
-          <p:cNvSpPr/>
-          <p:nvPr/>
-        </p:nvSpPr>
-        <p:spPr>
-          <a:xfrm>
-            <a:off x="4698950" y="1093291"/>
-            <a:ext cx="3987850" cy="559891"/>
+              <a:rPr lang="en-US" sz="950" b="1" dirty="0">
+                <a:solidFill>
+                  <a:srgbClr val="E2E8F0"/>
+                </a:solidFill>
+                <a:latin typeface="Arial" pitchFamily="34" charset="0"/>
+                <a:ea typeface="Arial" pitchFamily="34" charset="-122"/>
+                <a:cs typeface="Arial" pitchFamily="34" charset="-120"/>
+              </a:rPr>
+              <a:t>validation set</a:t>
+            </a:r>
+            <a:pPr algn="l" indent="0" marL="0">
+              <a:lnSpc>
+                <a:spcPts val="1235"/>
+              </a:lnSpc>
+              <a:spcAft>
+                <a:spcPts val="300"/>
+              </a:spcAft>
+              <a:buNone/>
+            </a:pPr>
+            <a:r>
+              <a:rPr lang="en-US" sz="950" dirty="0">
+                <a:solidFill>
+                  <a:srgbClr val="E2E8F0"/>
+                </a:solidFill>
+                <a:latin typeface="Arial" pitchFamily="34" charset="0"/>
+                <a:ea typeface="Arial" pitchFamily="34" charset="-122"/>
+                <a:cs typeface="Arial" pitchFamily="34" charset="-120"/>
+              </a:rPr>
+              <a:t> (range: 0.45-0.90), then applied to </a:t>
+            </a:r>
+            <a:pPr algn="l" indent="0" marL="0">
+              <a:lnSpc>
+                <a:spcPts val="1235"/>
+              </a:lnSpc>
+              <a:spcAft>
+                <a:spcPts val="300"/>
+              </a:spcAft>
+              <a:buNone/>
+            </a:pPr>
+            <a:r>
+              <a:rPr lang="en-US" sz="950" b="1" dirty="0">
+                <a:solidFill>
+                  <a:srgbClr val="E2E8F0"/>
+                </a:solidFill>
+                <a:latin typeface="Arial" pitchFamily="34" charset="0"/>
+                <a:ea typeface="Arial" pitchFamily="34" charset="-122"/>
+                <a:cs typeface="Arial" pitchFamily="34" charset="-120"/>
+              </a:rPr>
+              <a:t>test set</a:t>
+            </a:r>
+            <a:pPr algn="l" indent="0" marL="0">
+              <a:lnSpc>
+                <a:spcPts val="1235"/>
+              </a:lnSpc>
+              <a:spcAft>
+                <a:spcPts val="300"/>
+              </a:spcAft>
+              <a:buNone/>
+            </a:pPr>
+            <a:r>
+              <a:rPr lang="en-US" sz="950" dirty="0">
+                <a:solidFill>
+                  <a:srgbClr val="E2E8F0"/>
+                </a:solidFill>
+                <a:latin typeface="Arial" pitchFamily="34" charset="0"/>
+                <a:ea typeface="Arial" pitchFamily="34" charset="-122"/>
+                <a:cs typeface="Arial" pitchFamily="34" charset="-120"/>
+              </a:rPr>
+              <a:t>. Result: precision jumped to 0.71, F1 Micro to 0.77.</a:t>
+            </a:r>
+            <a:endParaRPr lang="en-US" sz="950" dirty="0"/>
+          </a:p>
+        </p:txBody>
+      </p:sp>
+      <p:sp>
+        <p:nvSpPr>
+          <p:cNvPr id="42" name="Text 39"/>
+          <p:cNvSpPr/>
+          <p:nvPr/>
+        </p:nvSpPr>
+        <p:spPr>
+          <a:xfrm>
+            <a:off x="5096173" y="2459534"/>
+            <a:ext cx="3590627" cy="2683966"/>
           </a:xfrm>
           <a:prstGeom prst="roundRect">
             <a:avLst>
-              <a:gd name="adj" fmla="val 13610"/>
+              <a:gd name="adj" fmla="val 2839"/>
             </a:avLst>
           </a:prstGeom>
           <a:solidFill>
-            <a:srgbClr val="FFFFFF">
-              <a:alpha val="4000"/>
+            <a:srgbClr val="22C55E">
+              <a:alpha val="8000"/>
             </a:srgbClr>
           </a:solidFill>
           <a:ln w="9525">
             <a:solidFill>
-              <a:srgbClr val="FFFFFF"/>
+              <a:srgbClr val="22C55E"/>
             </a:solidFill>
           </a:ln>
         </p:spPr>
@@ -11822,195 +12207,43 @@
       </p:sp>
       <p:sp>
         <p:nvSpPr>
-          <p:cNvPr id="40" name="Text 37"/>
-          <p:cNvSpPr/>
-          <p:nvPr/>
-        </p:nvSpPr>
-        <p:spPr>
-          <a:xfrm>
-            <a:off x="4860875" y="1204317"/>
-            <a:ext cx="3737280" cy="337840"/>
-          </a:xfrm>
-          <a:prstGeom prst="rect">
-            <a:avLst/>
-          </a:prstGeom>
-          <a:noFill/>
-          <a:ln/>
-        </p:spPr>
-        <p:txBody>
-          <a:bodyPr wrap="square" lIns="0" tIns="0" rIns="0" bIns="0" rtlCol="0" anchor="t"/>
-          <a:lstStyle/>
-          <a:p>
-            <a:pPr algn="l" indent="0" marL="0">
-              <a:lnSpc>
-                <a:spcPts val="1330"/>
-              </a:lnSpc>
-              <a:buNone/>
-            </a:pPr>
-            <a:r>
-              <a:rPr lang="en-US" sz="950" b="1" dirty="0">
-                <a:solidFill>
-                  <a:srgbClr val="E76F51"/>
-                </a:solidFill>
-                <a:latin typeface="Arial" pitchFamily="34" charset="0"/>
-                <a:ea typeface="Arial" pitchFamily="34" charset="-122"/>
-                <a:cs typeface="Arial" pitchFamily="34" charset="-120"/>
-              </a:rPr>
-              <a:t>1. Limited compute:</a:t>
-            </a:r>
-            <a:pPr algn="l" indent="0" marL="0">
-              <a:lnSpc>
-                <a:spcPts val="1330"/>
-              </a:lnSpc>
-              <a:buNone/>
-            </a:pPr>
-            <a:r>
-              <a:rPr lang="en-US" sz="950" dirty="0">
-                <a:solidFill>
-                  <a:srgbClr val="CBD5E1"/>
-                </a:solidFill>
-                <a:latin typeface="Arial" pitchFamily="34" charset="0"/>
-                <a:ea typeface="Arial" pitchFamily="34" charset="-122"/>
-                <a:cs typeface="Arial" pitchFamily="34" charset="-120"/>
-              </a:rPr>
-              <a:t> Apple MPS, not GPU cluster. Batch size=8 was necessary.</a:t>
-            </a:r>
-            <a:endParaRPr lang="en-US" sz="950" dirty="0"/>
-          </a:p>
-        </p:txBody>
-      </p:sp>
-      <p:sp>
-        <p:nvSpPr>
-          <p:cNvPr id="41" name="Text 38"/>
-          <p:cNvSpPr/>
-          <p:nvPr/>
-        </p:nvSpPr>
-        <p:spPr>
-          <a:xfrm>
-            <a:off x="4698950" y="1729383"/>
-            <a:ext cx="3987850" cy="559891"/>
-          </a:xfrm>
-          <a:prstGeom prst="roundRect">
-            <a:avLst>
-              <a:gd name="adj" fmla="val 13610"/>
-            </a:avLst>
-          </a:prstGeom>
-          <a:solidFill>
-            <a:srgbClr val="FFFFFF">
-              <a:alpha val="4000"/>
-            </a:srgbClr>
-          </a:solidFill>
-          <a:ln w="9525">
-            <a:solidFill>
-              <a:srgbClr val="FFFFFF"/>
-            </a:solidFill>
-          </a:ln>
-        </p:spPr>
-        <p:txBody>
-          <a:bodyPr wrap="square" rtlCol="0" anchor="ctr"/>
-          <a:lstStyle/>
-          <a:p>
-            <a:pPr indent="0" marL="0">
-              <a:buNone/>
-            </a:pPr>
-            <a:endParaRPr lang="en-US" dirty="0"/>
-          </a:p>
-        </p:txBody>
-      </p:sp>
-      <p:sp>
-        <p:nvSpPr>
-          <p:cNvPr id="42" name="Text 39"/>
-          <p:cNvSpPr/>
-          <p:nvPr/>
-        </p:nvSpPr>
-        <p:spPr>
-          <a:xfrm>
-            <a:off x="4860875" y="1840409"/>
-            <a:ext cx="3737280" cy="337840"/>
-          </a:xfrm>
-          <a:prstGeom prst="rect">
-            <a:avLst/>
-          </a:prstGeom>
-          <a:noFill/>
-          <a:ln/>
-        </p:spPr>
-        <p:txBody>
-          <a:bodyPr wrap="square" lIns="0" tIns="0" rIns="0" bIns="0" rtlCol="0" anchor="t"/>
-          <a:lstStyle/>
-          <a:p>
-            <a:pPr algn="l" indent="0" marL="0">
-              <a:lnSpc>
-                <a:spcPts val="1330"/>
-              </a:lnSpc>
-              <a:buNone/>
-            </a:pPr>
-            <a:r>
-              <a:rPr lang="en-US" sz="950" b="1" dirty="0">
-                <a:solidFill>
-                  <a:srgbClr val="E76F51"/>
-                </a:solidFill>
-                <a:latin typeface="Arial" pitchFamily="34" charset="0"/>
-                <a:ea typeface="Arial" pitchFamily="34" charset="-122"/>
-                <a:cs typeface="Arial" pitchFamily="34" charset="-120"/>
-              </a:rPr>
-              <a:t>2. pos_weight overcompensation:</a:t>
-            </a:r>
-            <a:pPr algn="l" indent="0" marL="0">
-              <a:lnSpc>
-                <a:spcPts val="1330"/>
-              </a:lnSpc>
-              <a:buNone/>
-            </a:pPr>
-            <a:r>
-              <a:rPr lang="en-US" sz="950" dirty="0">
-                <a:solidFill>
-                  <a:srgbClr val="CBD5E1"/>
-                </a:solidFill>
-                <a:latin typeface="Arial" pitchFamily="34" charset="0"/>
-                <a:ea typeface="Arial" pitchFamily="34" charset="-122"/>
-                <a:cs typeface="Arial" pitchFamily="34" charset="-120"/>
-              </a:rPr>
-              <a:t> Max weight 50x pushed model toward rare classes, hurting precision.</a:t>
-            </a:r>
-            <a:endParaRPr lang="en-US" sz="950" dirty="0"/>
-          </a:p>
-        </p:txBody>
-      </p:sp>
-      <p:sp>
-        <p:nvSpPr>
           <p:cNvPr id="43" name="Text 40"/>
           <p:cNvSpPr/>
           <p:nvPr/>
         </p:nvSpPr>
         <p:spPr>
           <a:xfrm>
-            <a:off x="4698950" y="2365474"/>
-            <a:ext cx="3987850" cy="559891"/>
-          </a:xfrm>
-          <a:prstGeom prst="roundRect">
-            <a:avLst>
-              <a:gd name="adj" fmla="val 13610"/>
-            </a:avLst>
-          </a:prstGeom>
-          <a:solidFill>
-            <a:srgbClr val="FFFFFF">
-              <a:alpha val="4000"/>
-            </a:srgbClr>
-          </a:solidFill>
-          <a:ln w="9525">
-            <a:solidFill>
-              <a:srgbClr val="FFFFFF"/>
-            </a:solidFill>
-          </a:ln>
-        </p:spPr>
-        <p:txBody>
-          <a:bodyPr wrap="square" rtlCol="0" anchor="ctr"/>
-          <a:lstStyle/>
-          <a:p>
-            <a:pPr indent="0" marL="0">
-              <a:buNone/>
-            </a:pPr>
-            <a:endParaRPr lang="en-US" dirty="0"/>
+            <a:off x="5225430" y="3280916"/>
+            <a:ext cx="3332113" cy="323850"/>
+          </a:xfrm>
+          <a:prstGeom prst="rect">
+            <a:avLst/>
+          </a:prstGeom>
+          <a:noFill/>
+          <a:ln/>
+        </p:spPr>
+        <p:txBody>
+          <a:bodyPr wrap="square" lIns="0" tIns="0" rIns="0" bIns="0" rtlCol="0" anchor="t"/>
+          <a:lstStyle/>
+          <a:p>
+            <a:pPr algn="ctr" indent="0" marL="0">
+              <a:spcAft>
+                <a:spcPts val="200"/>
+              </a:spcAft>
+              <a:buNone/>
+            </a:pPr>
+            <a:r>
+              <a:rPr lang="en-US" sz="2200" b="1" dirty="0">
+                <a:solidFill>
+                  <a:srgbClr val="22C55E"/>
+                </a:solidFill>
+                <a:latin typeface="Arial" pitchFamily="34" charset="0"/>
+                <a:ea typeface="Arial" pitchFamily="34" charset="-122"/>
+                <a:cs typeface="Arial" pitchFamily="34" charset="-120"/>
+              </a:rPr>
+              <a:t>+2.1%</a:t>
+            </a:r>
+            <a:endParaRPr lang="en-US" sz="2200" dirty="0"/>
           </a:p>
         </p:txBody>
       </p:sp>
@@ -12022,54 +12255,34 @@
         </p:nvSpPr>
         <p:spPr>
           <a:xfrm>
-            <a:off x="4860875" y="2476500"/>
-            <a:ext cx="3737280" cy="337840"/>
-          </a:xfrm>
-          <a:prstGeom prst="rect">
-            <a:avLst/>
-          </a:prstGeom>
-          <a:noFill/>
-          <a:ln/>
-        </p:spPr>
-        <p:txBody>
-          <a:bodyPr wrap="square" lIns="0" tIns="0" rIns="0" bIns="0" rtlCol="0" anchor="t"/>
-          <a:lstStyle/>
-          <a:p>
-            <a:pPr algn="l" indent="0" marL="0">
-              <a:lnSpc>
-                <a:spcPts val="1330"/>
-              </a:lnSpc>
-              <a:buNone/>
-            </a:pPr>
-            <a:r>
-              <a:rPr lang="en-US" sz="950" b="1" dirty="0">
-                <a:solidFill>
-                  <a:srgbClr val="E76F51"/>
-                </a:solidFill>
-                <a:latin typeface="Arial" pitchFamily="34" charset="0"/>
-                <a:ea typeface="Arial" pitchFamily="34" charset="-122"/>
-                <a:cs typeface="Arial" pitchFamily="34" charset="-120"/>
-              </a:rPr>
-              <a:t>3. Only 5 epochs:</a:t>
-            </a:r>
-            <a:pPr algn="l" indent="0" marL="0">
-              <a:lnSpc>
-                <a:spcPts val="1330"/>
-              </a:lnSpc>
-              <a:buNone/>
-            </a:pPr>
-            <a:r>
-              <a:rPr lang="en-US" sz="950" dirty="0">
-                <a:solidFill>
-                  <a:srgbClr val="CBD5E1"/>
-                </a:solidFill>
-                <a:latin typeface="Arial" pitchFamily="34" charset="0"/>
-                <a:ea typeface="Arial" pitchFamily="34" charset="-122"/>
-                <a:cs typeface="Arial" pitchFamily="34" charset="-120"/>
-              </a:rPr>
-              <a:t> Best at epoch 4 but F1 still climbing. Needed more training time.</a:t>
-            </a:r>
-            <a:endParaRPr lang="en-US" sz="950" dirty="0"/>
+            <a:off x="5225430" y="3630067"/>
+            <a:ext cx="3332113" cy="133350"/>
+          </a:xfrm>
+          <a:prstGeom prst="rect">
+            <a:avLst/>
+          </a:prstGeom>
+          <a:noFill/>
+          <a:ln/>
+        </p:spPr>
+        <p:txBody>
+          <a:bodyPr wrap="square" lIns="0" tIns="0" rIns="0" bIns="0" rtlCol="0" anchor="t"/>
+          <a:lstStyle/>
+          <a:p>
+            <a:pPr algn="ctr" indent="0" marL="0">
+              <a:buNone/>
+            </a:pPr>
+            <a:r>
+              <a:rPr lang="en-US" sz="900" dirty="0">
+                <a:solidFill>
+                  <a:srgbClr val="E2E8F0"/>
+                </a:solidFill>
+                <a:latin typeface="Arial" pitchFamily="34" charset="0"/>
+                <a:ea typeface="Arial" pitchFamily="34" charset="-122"/>
+                <a:cs typeface="Arial" pitchFamily="34" charset="-120"/>
+              </a:rPr>
+              <a:t>F1 Micro vs TF-IDF</a:t>
+            </a:r>
+            <a:endParaRPr lang="en-US" sz="900" dirty="0"/>
           </a:p>
         </p:txBody>
       </p:sp>
@@ -12081,33 +12294,40 @@
         </p:nvSpPr>
         <p:spPr>
           <a:xfrm>
-            <a:off x="4698950" y="3001566"/>
-            <a:ext cx="3987850" cy="559891"/>
-          </a:xfrm>
-          <a:prstGeom prst="roundRect">
-            <a:avLst>
-              <a:gd name="adj" fmla="val 13610"/>
-            </a:avLst>
-          </a:prstGeom>
-          <a:solidFill>
-            <a:srgbClr val="FFFFFF">
-              <a:alpha val="4000"/>
-            </a:srgbClr>
-          </a:solidFill>
-          <a:ln w="9525">
-            <a:solidFill>
-              <a:srgbClr val="FFFFFF"/>
-            </a:solidFill>
-          </a:ln>
-        </p:spPr>
-        <p:txBody>
-          <a:bodyPr wrap="square" rtlCol="0" anchor="ctr"/>
-          <a:lstStyle/>
-          <a:p>
-            <a:pPr indent="0" marL="0">
-              <a:buNone/>
-            </a:pPr>
-            <a:endParaRPr lang="en-US" dirty="0"/>
+            <a:off x="5225430" y="3839617"/>
+            <a:ext cx="3332113" cy="323850"/>
+          </a:xfrm>
+          <a:prstGeom prst="rect">
+            <a:avLst/>
+          </a:prstGeom>
+          <a:noFill/>
+          <a:ln/>
+        </p:spPr>
+        <p:txBody>
+          <a:bodyPr wrap="square" lIns="0" tIns="0" rIns="0" bIns="0" rtlCol="0" anchor="t"/>
+          <a:lstStyle/>
+          <a:p>
+            <a:pPr algn="ctr" indent="0" marL="0">
+              <a:spcBef>
+                <a:spcPts val="600"/>
+              </a:spcBef>
+              <a:spcAft>
+                <a:spcPts val="200"/>
+              </a:spcAft>
+              <a:buNone/>
+            </a:pPr>
+            <a:r>
+              <a:rPr lang="en-US" sz="2200" b="1" dirty="0">
+                <a:solidFill>
+                  <a:srgbClr val="22C55E"/>
+                </a:solidFill>
+                <a:latin typeface="Arial" pitchFamily="34" charset="0"/>
+                <a:ea typeface="Arial" pitchFamily="34" charset="-122"/>
+                <a:cs typeface="Arial" pitchFamily="34" charset="-120"/>
+              </a:rPr>
+              <a:t>+6.7%</a:t>
+            </a:r>
+            <a:endParaRPr lang="en-US" sz="2200" dirty="0"/>
           </a:p>
         </p:txBody>
       </p:sp>
@@ -12119,151 +12339,34 @@
         </p:nvSpPr>
         <p:spPr>
           <a:xfrm>
-            <a:off x="4860875" y="3112591"/>
-            <a:ext cx="3737280" cy="337840"/>
-          </a:xfrm>
-          <a:prstGeom prst="rect">
-            <a:avLst/>
-          </a:prstGeom>
-          <a:noFill/>
-          <a:ln/>
-        </p:spPr>
-        <p:txBody>
-          <a:bodyPr wrap="square" lIns="0" tIns="0" rIns="0" bIns="0" rtlCol="0" anchor="t"/>
-          <a:lstStyle/>
-          <a:p>
-            <a:pPr algn="l" indent="0" marL="0">
-              <a:lnSpc>
-                <a:spcPts val="1330"/>
-              </a:lnSpc>
-              <a:buNone/>
-            </a:pPr>
-            <a:r>
-              <a:rPr lang="en-US" sz="950" b="1" dirty="0">
-                <a:solidFill>
-                  <a:srgbClr val="E76F51"/>
-                </a:solidFill>
-                <a:latin typeface="Arial" pitchFamily="34" charset="0"/>
-                <a:ea typeface="Arial" pitchFamily="34" charset="-122"/>
-                <a:cs typeface="Arial" pitchFamily="34" charset="-120"/>
-              </a:rPr>
-              <a:t>4. Summarization loss:</a:t>
-            </a:r>
-            <a:pPr algn="l" indent="0" marL="0">
-              <a:lnSpc>
-                <a:spcPts val="1330"/>
-              </a:lnSpc>
-              <a:buNone/>
-            </a:pPr>
-            <a:r>
-              <a:rPr lang="en-US" sz="950" dirty="0">
-                <a:solidFill>
-                  <a:srgbClr val="CBD5E1"/>
-                </a:solidFill>
-                <a:latin typeface="Arial" pitchFamily="34" charset="0"/>
-                <a:ea typeface="Arial" pitchFamily="34" charset="-122"/>
-                <a:cs typeface="Arial" pitchFamily="34" charset="-120"/>
-              </a:rPr>
-              <a:t> 33% of docs lost information through LED compression.</a:t>
-            </a:r>
-            <a:endParaRPr lang="en-US" sz="950" dirty="0"/>
-          </a:p>
-        </p:txBody>
-      </p:sp>
-      <p:sp>
-        <p:nvSpPr>
-          <p:cNvPr id="47" name="Text 44"/>
-          <p:cNvSpPr/>
-          <p:nvPr/>
-        </p:nvSpPr>
-        <p:spPr>
-          <a:xfrm>
-            <a:off x="4698950" y="3637657"/>
-            <a:ext cx="3987850" cy="559891"/>
-          </a:xfrm>
-          <a:prstGeom prst="roundRect">
-            <a:avLst>
-              <a:gd name="adj" fmla="val 13610"/>
-            </a:avLst>
-          </a:prstGeom>
-          <a:solidFill>
-            <a:srgbClr val="FFFFFF">
-              <a:alpha val="4000"/>
-            </a:srgbClr>
-          </a:solidFill>
-          <a:ln w="9525">
-            <a:solidFill>
-              <a:srgbClr val="FFFFFF"/>
-            </a:solidFill>
-          </a:ln>
-        </p:spPr>
-        <p:txBody>
-          <a:bodyPr wrap="square" rtlCol="0" anchor="ctr"/>
-          <a:lstStyle/>
-          <a:p>
-            <a:pPr indent="0" marL="0">
-              <a:buNone/>
-            </a:pPr>
-            <a:endParaRPr lang="en-US" dirty="0"/>
-          </a:p>
-        </p:txBody>
-      </p:sp>
-      <p:sp>
-        <p:nvSpPr>
-          <p:cNvPr id="48" name="Text 45"/>
-          <p:cNvSpPr/>
-          <p:nvPr/>
-        </p:nvSpPr>
-        <p:spPr>
-          <a:xfrm>
-            <a:off x="4860875" y="3748683"/>
-            <a:ext cx="3737280" cy="337840"/>
-          </a:xfrm>
-          <a:prstGeom prst="rect">
-            <a:avLst/>
-          </a:prstGeom>
-          <a:noFill/>
-          <a:ln/>
-        </p:spPr>
-        <p:txBody>
-          <a:bodyPr wrap="square" lIns="0" tIns="0" rIns="0" bIns="0" rtlCol="0" anchor="t"/>
-          <a:lstStyle/>
-          <a:p>
-            <a:pPr algn="l" indent="0" marL="0">
-              <a:lnSpc>
-                <a:spcPts val="1330"/>
-              </a:lnSpc>
-              <a:buNone/>
-            </a:pPr>
-            <a:r>
-              <a:rPr lang="en-US" sz="950" b="1" dirty="0">
-                <a:solidFill>
-                  <a:srgbClr val="E76F51"/>
-                </a:solidFill>
-                <a:latin typeface="Arial" pitchFamily="34" charset="0"/>
-                <a:ea typeface="Arial" pitchFamily="34" charset="-122"/>
-                <a:cs typeface="Arial" pitchFamily="34" charset="-120"/>
-              </a:rPr>
-              <a:t>5. No hyperparameter tuning:</a:t>
-            </a:r>
-            <a:pPr algn="l" indent="0" marL="0">
-              <a:lnSpc>
-                <a:spcPts val="1330"/>
-              </a:lnSpc>
-              <a:buNone/>
-            </a:pPr>
-            <a:r>
-              <a:rPr lang="en-US" sz="950" dirty="0">
-                <a:solidFill>
-                  <a:srgbClr val="CBD5E1"/>
-                </a:solidFill>
-                <a:latin typeface="Arial" pitchFamily="34" charset="0"/>
-                <a:ea typeface="Arial" pitchFamily="34" charset="-122"/>
-                <a:cs typeface="Arial" pitchFamily="34" charset="-120"/>
-              </a:rPr>
-              <a:t> Single configuration run, no grid search.</a:t>
-            </a:r>
-            <a:endParaRPr lang="en-US" sz="950" dirty="0"/>
+            <a:off x="5225430" y="4188768"/>
+            <a:ext cx="3332113" cy="133350"/>
+          </a:xfrm>
+          <a:prstGeom prst="rect">
+            <a:avLst/>
+          </a:prstGeom>
+          <a:noFill/>
+          <a:ln/>
+        </p:spPr>
+        <p:txBody>
+          <a:bodyPr wrap="square" lIns="0" tIns="0" rIns="0" bIns="0" rtlCol="0" anchor="t"/>
+          <a:lstStyle/>
+          <a:p>
+            <a:pPr algn="ctr" indent="0" marL="0">
+              <a:buNone/>
+            </a:pPr>
+            <a:r>
+              <a:rPr lang="en-US" sz="900" dirty="0">
+                <a:solidFill>
+                  <a:srgbClr val="E2E8F0"/>
+                </a:solidFill>
+                <a:latin typeface="Arial" pitchFamily="34" charset="0"/>
+                <a:ea typeface="Arial" pitchFamily="34" charset="-122"/>
+                <a:cs typeface="Arial" pitchFamily="34" charset="-120"/>
+              </a:rPr>
+              <a:t>F1 Macro vs TF-IDF</a:t>
+            </a:r>
+            <a:endParaRPr lang="en-US" sz="900" dirty="0"/>
           </a:p>
         </p:txBody>
       </p:sp>
@@ -12338,24 +12441,24 @@
         </p:nvSpPr>
         <p:spPr>
           <a:xfrm>
-            <a:off x="457200" y="355550"/>
-            <a:ext cx="8394192" cy="323850"/>
-          </a:xfrm>
-          <a:prstGeom prst="rect">
-            <a:avLst/>
-          </a:prstGeom>
-          <a:noFill/>
-          <a:ln/>
-        </p:spPr>
-        <p:txBody>
-          <a:bodyPr wrap="square" lIns="0" tIns="0" rIns="0" bIns="0" rtlCol="0" anchor="t"/>
-          <a:lstStyle/>
-          <a:p>
-            <a:pPr algn="l" indent="0" marL="0">
-              <a:buNone/>
-            </a:pPr>
-            <a:r>
-              <a:rPr lang="en-US" sz="2200" b="1" dirty="0">
+            <a:off x="457200" y="304651"/>
+            <a:ext cx="8394192" cy="295275"/>
+          </a:xfrm>
+          <a:prstGeom prst="rect">
+            <a:avLst/>
+          </a:prstGeom>
+          <a:noFill/>
+          <a:ln/>
+        </p:spPr>
+        <p:txBody>
+          <a:bodyPr wrap="square" lIns="0" tIns="0" rIns="0" bIns="0" rtlCol="0" anchor="t"/>
+          <a:lstStyle/>
+          <a:p>
+            <a:pPr algn="l" indent="0" marL="0">
+              <a:buNone/>
+            </a:pPr>
+            <a:r>
+              <a:rPr lang="en-US" sz="2000" b="1" dirty="0">
                 <a:solidFill>
                   <a:srgbClr val="00B4D8"/>
                 </a:solidFill>
@@ -12365,7 +12468,7 @@
               </a:rPr>
               <a:t>Feasibility Analysis vs Human Agreement</a:t>
             </a:r>
-            <a:endParaRPr lang="en-US" sz="2200" dirty="0"/>
+            <a:endParaRPr lang="en-US" sz="2000" dirty="0"/>
           </a:p>
         </p:txBody>
       </p:sp>
@@ -12377,30 +12480,30 @@
         </p:nvSpPr>
         <p:spPr>
           <a:xfrm>
-            <a:off x="457200" y="831800"/>
-            <a:ext cx="4067607" cy="159990"/>
-          </a:xfrm>
-          <a:prstGeom prst="rect">
-            <a:avLst/>
-          </a:prstGeom>
-          <a:noFill/>
-          <a:ln/>
-        </p:spPr>
-        <p:txBody>
-          <a:bodyPr wrap="square" lIns="0" tIns="0" rIns="0" bIns="0" rtlCol="0" anchor="t"/>
-          <a:lstStyle/>
-          <a:p>
-            <a:pPr algn="l" indent="0" marL="0">
-              <a:lnSpc>
-                <a:spcPts val="1260"/>
+            <a:off x="457200" y="726877"/>
+            <a:ext cx="4093413" cy="140196"/>
+          </a:xfrm>
+          <a:prstGeom prst="rect">
+            <a:avLst/>
+          </a:prstGeom>
+          <a:noFill/>
+          <a:ln/>
+        </p:spPr>
+        <p:txBody>
+          <a:bodyPr wrap="square" lIns="0" tIns="0" rIns="0" bIns="0" rtlCol="0" anchor="t"/>
+          <a:lstStyle/>
+          <a:p>
+            <a:pPr algn="l" indent="0" marL="0">
+              <a:lnSpc>
+                <a:spcPts val="1105"/>
               </a:lnSpc>
               <a:spcAft>
-                <a:spcPts val="600"/>
+                <a:spcPts val="500"/>
               </a:spcAft>
               <a:buNone/>
             </a:pPr>
             <a:r>
-              <a:rPr lang="en-US" sz="900" dirty="0">
+              <a:rPr lang="en-US" sz="850" dirty="0">
                 <a:solidFill>
                   <a:srgbClr val="94A3B8"/>
                 </a:solidFill>
@@ -12410,7 +12513,7 @@
               </a:rPr>
               <a:t>RECOMMENDED TIERED DEPLOYMENT</a:t>
             </a:r>
-            <a:endParaRPr lang="en-US" sz="900" dirty="0"/>
+            <a:endParaRPr lang="en-US" sz="850" dirty="0"/>
           </a:p>
         </p:txBody>
       </p:sp>
@@ -12422,12 +12525,12 @@
         </p:nvSpPr>
         <p:spPr>
           <a:xfrm>
-            <a:off x="457200" y="1067991"/>
-            <a:ext cx="3987850" cy="768251"/>
+            <a:off x="457200" y="930473"/>
+            <a:ext cx="4013150" cy="615851"/>
           </a:xfrm>
           <a:prstGeom prst="roundRect">
             <a:avLst>
-              <a:gd name="adj" fmla="val 9919"/>
+              <a:gd name="adj" fmla="val 12373"/>
             </a:avLst>
           </a:prstGeom>
           <a:solidFill>
@@ -12460,12 +12563,12 @@
         </p:nvSpPr>
         <p:spPr>
           <a:xfrm>
-            <a:off x="644426" y="1204466"/>
-            <a:ext cx="495300" cy="495300"/>
+            <a:off x="593675" y="1028849"/>
+            <a:ext cx="419100" cy="419100"/>
           </a:xfrm>
           <a:prstGeom prst="roundRect">
             <a:avLst>
-              <a:gd name="adj" fmla="val 184615"/>
+              <a:gd name="adj" fmla="val 218182"/>
             </a:avLst>
           </a:prstGeom>
           <a:solidFill>
@@ -12498,27 +12601,27 @@
         </p:nvSpPr>
         <p:spPr>
           <a:xfrm>
-            <a:off x="842516" y="1327547"/>
-            <a:ext cx="100950" cy="248989"/>
-          </a:xfrm>
-          <a:prstGeom prst="rect">
-            <a:avLst/>
-          </a:prstGeom>
-          <a:noFill/>
-          <a:ln/>
-        </p:spPr>
-        <p:txBody>
-          <a:bodyPr wrap="square" lIns="0" tIns="0" rIns="0" bIns="0" rtlCol="0" anchor="t"/>
-          <a:lstStyle/>
-          <a:p>
-            <a:pPr algn="l" indent="0" marL="0">
-              <a:lnSpc>
-                <a:spcPts val="1960"/>
-              </a:lnSpc>
-              <a:buNone/>
-            </a:pPr>
-            <a:r>
-              <a:rPr lang="en-US" sz="1400" b="1" dirty="0">
+            <a:off x="757238" y="1131094"/>
+            <a:ext cx="93663" cy="214461"/>
+          </a:xfrm>
+          <a:prstGeom prst="rect">
+            <a:avLst/>
+          </a:prstGeom>
+          <a:noFill/>
+          <a:ln/>
+        </p:spPr>
+        <p:txBody>
+          <a:bodyPr wrap="square" lIns="0" tIns="0" rIns="0" bIns="0" rtlCol="0" anchor="t"/>
+          <a:lstStyle/>
+          <a:p>
+            <a:pPr algn="l" indent="0" marL="0">
+              <a:lnSpc>
+                <a:spcPts val="1690"/>
+              </a:lnSpc>
+              <a:buNone/>
+            </a:pPr>
+            <a:r>
+              <a:rPr lang="en-US" sz="1300" b="1" dirty="0">
                 <a:solidFill>
                   <a:srgbClr val="22C55E"/>
                 </a:solidFill>
@@ -12528,7 +12631,7 @@
               </a:rPr>
               <a:t>1</a:t>
             </a:r>
-            <a:endParaRPr lang="en-US" sz="1400" dirty="0"/>
+            <a:endParaRPr lang="en-US" sz="1300" dirty="0"/>
           </a:p>
         </p:txBody>
       </p:sp>
@@ -12540,30 +12643,30 @@
         </p:nvSpPr>
         <p:spPr>
           <a:xfrm>
-            <a:off x="1292126" y="1261616"/>
-            <a:ext cx="1986364" cy="195560"/>
-          </a:xfrm>
-          <a:prstGeom prst="rect">
-            <a:avLst/>
-          </a:prstGeom>
-          <a:noFill/>
-          <a:ln/>
-        </p:spPr>
-        <p:txBody>
-          <a:bodyPr wrap="square" lIns="0" tIns="0" rIns="0" bIns="0" rtlCol="0" anchor="t"/>
-          <a:lstStyle/>
-          <a:p>
-            <a:pPr algn="l" indent="0" marL="0">
-              <a:lnSpc>
-                <a:spcPts val="1540"/>
+            <a:off x="1139726" y="1079450"/>
+            <a:ext cx="2108112" cy="164902"/>
+          </a:xfrm>
+          <a:prstGeom prst="rect">
+            <a:avLst/>
+          </a:prstGeom>
+          <a:noFill/>
+          <a:ln/>
+        </p:spPr>
+        <p:txBody>
+          <a:bodyPr wrap="square" lIns="0" tIns="0" rIns="0" bIns="0" rtlCol="0" anchor="t"/>
+          <a:lstStyle/>
+          <a:p>
+            <a:pPr algn="l" indent="0" marL="0">
+              <a:lnSpc>
+                <a:spcPts val="1300"/>
               </a:lnSpc>
               <a:spcAft>
-                <a:spcPts val="200"/>
+                <a:spcPts val="100"/>
               </a:spcAft>
               <a:buNone/>
             </a:pPr>
             <a:r>
-              <a:rPr lang="en-US" sz="1100" b="1" dirty="0">
+              <a:rPr lang="en-US" sz="1000" b="1" dirty="0">
                 <a:solidFill>
                   <a:srgbClr val="E2E8F0"/>
                 </a:solidFill>
@@ -12573,7 +12676,7 @@
               </a:rPr>
               <a:t>Full Automation</a:t>
             </a:r>
-            <a:endParaRPr lang="en-US" sz="1100" dirty="0"/>
+            <a:endParaRPr lang="en-US" sz="1000" dirty="0"/>
           </a:p>
         </p:txBody>
       </p:sp>
@@ -12585,27 +12688,27 @@
         </p:nvSpPr>
         <p:spPr>
           <a:xfrm>
-            <a:off x="1292126" y="1482477"/>
-            <a:ext cx="1986364" cy="159990"/>
-          </a:xfrm>
-          <a:prstGeom prst="rect">
-            <a:avLst/>
-          </a:prstGeom>
-          <a:noFill/>
-          <a:ln/>
-        </p:spPr>
-        <p:txBody>
-          <a:bodyPr wrap="square" lIns="0" tIns="0" rIns="0" bIns="0" rtlCol="0" anchor="t"/>
-          <a:lstStyle/>
-          <a:p>
-            <a:pPr algn="l" indent="0" marL="0">
-              <a:lnSpc>
-                <a:spcPts val="1260"/>
-              </a:lnSpc>
-              <a:buNone/>
-            </a:pPr>
-            <a:r>
-              <a:rPr lang="en-US" sz="900" dirty="0">
+            <a:off x="1139726" y="1257002"/>
+            <a:ext cx="2108112" cy="140196"/>
+          </a:xfrm>
+          <a:prstGeom prst="rect">
+            <a:avLst/>
+          </a:prstGeom>
+          <a:noFill/>
+          <a:ln/>
+        </p:spPr>
+        <p:txBody>
+          <a:bodyPr wrap="square" lIns="0" tIns="0" rIns="0" bIns="0" rtlCol="0" anchor="t"/>
+          <a:lstStyle/>
+          <a:p>
+            <a:pPr algn="l" indent="0" marL="0">
+              <a:lnSpc>
+                <a:spcPts val="1105"/>
+              </a:lnSpc>
+              <a:buNone/>
+            </a:pPr>
+            <a:r>
+              <a:rPr lang="en-US" sz="850" dirty="0">
                 <a:solidFill>
                   <a:srgbClr val="94A3B8"/>
                 </a:solidFill>
@@ -12613,9 +12716,9 @@
                 <a:ea typeface="Arial" pitchFamily="34" charset="-122"/>
                 <a:cs typeface="Arial" pitchFamily="34" charset="-120"/>
               </a:rPr>
-              <a:t>1 posture (Appellate Review, F1=0.94)</a:t>
-            </a:r>
-            <a:endParaRPr lang="en-US" sz="900" dirty="0"/>
+              <a:t>Appellate Review (F1=0.95, highest kappa)</a:t>
+            </a:r>
+            <a:endParaRPr lang="en-US" sz="850" dirty="0"/>
           </a:p>
         </p:txBody>
       </p:sp>
@@ -12627,12 +12730,12 @@
         </p:nvSpPr>
         <p:spPr>
           <a:xfrm>
-            <a:off x="457200" y="1937742"/>
-            <a:ext cx="3987850" cy="768251"/>
+            <a:off x="457200" y="1609725"/>
+            <a:ext cx="4013150" cy="615851"/>
           </a:xfrm>
           <a:prstGeom prst="roundRect">
             <a:avLst>
-              <a:gd name="adj" fmla="val 9919"/>
+              <a:gd name="adj" fmla="val 12373"/>
             </a:avLst>
           </a:prstGeom>
           <a:solidFill>
@@ -12665,12 +12768,12 @@
         </p:nvSpPr>
         <p:spPr>
           <a:xfrm>
-            <a:off x="644426" y="2074218"/>
-            <a:ext cx="495300" cy="495300"/>
+            <a:off x="593675" y="1708100"/>
+            <a:ext cx="419100" cy="419100"/>
           </a:xfrm>
           <a:prstGeom prst="roundRect">
             <a:avLst>
-              <a:gd name="adj" fmla="val 184615"/>
+              <a:gd name="adj" fmla="val 218182"/>
             </a:avLst>
           </a:prstGeom>
           <a:solidFill>
@@ -12703,27 +12806,27 @@
         </p:nvSpPr>
         <p:spPr>
           <a:xfrm>
-            <a:off x="793105" y="2197298"/>
-            <a:ext cx="201748" cy="248989"/>
-          </a:xfrm>
-          <a:prstGeom prst="rect">
-            <a:avLst/>
-          </a:prstGeom>
-          <a:noFill/>
-          <a:ln/>
-        </p:spPr>
-        <p:txBody>
-          <a:bodyPr wrap="square" lIns="0" tIns="0" rIns="0" bIns="0" rtlCol="0" anchor="t"/>
-          <a:lstStyle/>
-          <a:p>
-            <a:pPr algn="l" indent="0" marL="0">
-              <a:lnSpc>
-                <a:spcPts val="1960"/>
-              </a:lnSpc>
-              <a:buNone/>
-            </a:pPr>
-            <a:r>
-              <a:rPr lang="en-US" sz="1400" b="1" dirty="0">
+            <a:off x="711398" y="1810345"/>
+            <a:ext cx="187327" cy="214461"/>
+          </a:xfrm>
+          <a:prstGeom prst="rect">
+            <a:avLst/>
+          </a:prstGeom>
+          <a:noFill/>
+          <a:ln/>
+        </p:spPr>
+        <p:txBody>
+          <a:bodyPr wrap="square" lIns="0" tIns="0" rIns="0" bIns="0" rtlCol="0" anchor="t"/>
+          <a:lstStyle/>
+          <a:p>
+            <a:pPr algn="l" indent="0" marL="0">
+              <a:lnSpc>
+                <a:spcPts val="1690"/>
+              </a:lnSpc>
+              <a:buNone/>
+            </a:pPr>
+            <a:r>
+              <a:rPr lang="en-US" sz="1300" b="1" dirty="0">
                 <a:solidFill>
                   <a:srgbClr val="EAB308"/>
                 </a:solidFill>
@@ -12731,9 +12834,9 @@
                 <a:ea typeface="Arial" pitchFamily="34" charset="-122"/>
                 <a:cs typeface="Arial" pitchFamily="34" charset="-120"/>
               </a:rPr>
-              <a:t>13</a:t>
-            </a:r>
-            <a:endParaRPr lang="en-US" sz="1400" dirty="0"/>
+              <a:t>12</a:t>
+            </a:r>
+            <a:endParaRPr lang="en-US" sz="1300" dirty="0"/>
           </a:p>
         </p:txBody>
       </p:sp>
@@ -12745,30 +12848,30 @@
         </p:nvSpPr>
         <p:spPr>
           <a:xfrm>
-            <a:off x="1292126" y="2131368"/>
-            <a:ext cx="2187202" cy="195560"/>
-          </a:xfrm>
-          <a:prstGeom prst="rect">
-            <a:avLst/>
-          </a:prstGeom>
-          <a:noFill/>
-          <a:ln/>
-        </p:spPr>
-        <p:txBody>
-          <a:bodyPr wrap="square" lIns="0" tIns="0" rIns="0" bIns="0" rtlCol="0" anchor="t"/>
-          <a:lstStyle/>
-          <a:p>
-            <a:pPr algn="l" indent="0" marL="0">
-              <a:lnSpc>
-                <a:spcPts val="1540"/>
+            <a:off x="1139726" y="1758702"/>
+            <a:ext cx="2187354" cy="164902"/>
+          </a:xfrm>
+          <a:prstGeom prst="rect">
+            <a:avLst/>
+          </a:prstGeom>
+          <a:noFill/>
+          <a:ln/>
+        </p:spPr>
+        <p:txBody>
+          <a:bodyPr wrap="square" lIns="0" tIns="0" rIns="0" bIns="0" rtlCol="0" anchor="t"/>
+          <a:lstStyle/>
+          <a:p>
+            <a:pPr algn="l" indent="0" marL="0">
+              <a:lnSpc>
+                <a:spcPts val="1300"/>
               </a:lnSpc>
               <a:spcAft>
-                <a:spcPts val="200"/>
+                <a:spcPts val="100"/>
               </a:spcAft>
               <a:buNone/>
             </a:pPr>
             <a:r>
-              <a:rPr lang="en-US" sz="1100" b="1" dirty="0">
+              <a:rPr lang="en-US" sz="1000" b="1" dirty="0">
                 <a:solidFill>
                   <a:srgbClr val="E2E8F0"/>
                 </a:solidFill>
@@ -12778,7 +12881,7 @@
               </a:rPr>
               <a:t>Assisted Labeling</a:t>
             </a:r>
-            <a:endParaRPr lang="en-US" sz="1100" dirty="0"/>
+            <a:endParaRPr lang="en-US" sz="1000" dirty="0"/>
           </a:p>
         </p:txBody>
       </p:sp>
@@ -12790,27 +12893,27 @@
         </p:nvSpPr>
         <p:spPr>
           <a:xfrm>
-            <a:off x="1292126" y="2352229"/>
-            <a:ext cx="2187202" cy="159990"/>
-          </a:xfrm>
-          <a:prstGeom prst="rect">
-            <a:avLst/>
-          </a:prstGeom>
-          <a:noFill/>
-          <a:ln/>
-        </p:spPr>
-        <p:txBody>
-          <a:bodyPr wrap="square" lIns="0" tIns="0" rIns="0" bIns="0" rtlCol="0" anchor="t"/>
-          <a:lstStyle/>
-          <a:p>
-            <a:pPr algn="l" indent="0" marL="0">
-              <a:lnSpc>
-                <a:spcPts val="1260"/>
-              </a:lnSpc>
-              <a:buNone/>
-            </a:pPr>
-            <a:r>
-              <a:rPr lang="en-US" sz="900" dirty="0">
+            <a:off x="1139726" y="1936254"/>
+            <a:ext cx="2187354" cy="140196"/>
+          </a:xfrm>
+          <a:prstGeom prst="rect">
+            <a:avLst/>
+          </a:prstGeom>
+          <a:noFill/>
+          <a:ln/>
+        </p:spPr>
+        <p:txBody>
+          <a:bodyPr wrap="square" lIns="0" tIns="0" rIns="0" bIns="0" rtlCol="0" anchor="t"/>
+          <a:lstStyle/>
+          <a:p>
+            <a:pPr algn="l" indent="0" marL="0">
+              <a:lnSpc>
+                <a:spcPts val="1105"/>
+              </a:lnSpc>
+              <a:buNone/>
+            </a:pPr>
+            <a:r>
+              <a:rPr lang="en-US" sz="850" dirty="0">
                 <a:solidFill>
                   <a:srgbClr val="94A3B8"/>
                 </a:solidFill>
@@ -12818,9 +12921,9 @@
                 <a:ea typeface="Arial" pitchFamily="34" charset="-122"/>
                 <a:cs typeface="Arial" pitchFamily="34" charset="-120"/>
               </a:rPr>
-              <a:t>Model labels + human review (F1 &gt;= 0.63)</a:t>
-            </a:r>
-            <a:endParaRPr lang="en-US" sz="900" dirty="0"/>
+              <a:t>Model labels + human review (F1: 0.63-0.93)</a:t>
+            </a:r>
+            <a:endParaRPr lang="en-US" sz="850" dirty="0"/>
           </a:p>
         </p:txBody>
       </p:sp>
@@ -12832,12 +12935,12 @@
         </p:nvSpPr>
         <p:spPr>
           <a:xfrm>
-            <a:off x="457200" y="2807494"/>
-            <a:ext cx="3987850" cy="768251"/>
+            <a:off x="457200" y="2288977"/>
+            <a:ext cx="4013150" cy="615851"/>
           </a:xfrm>
           <a:prstGeom prst="roundRect">
             <a:avLst>
-              <a:gd name="adj" fmla="val 9919"/>
+              <a:gd name="adj" fmla="val 12373"/>
             </a:avLst>
           </a:prstGeom>
           <a:solidFill>
@@ -12870,12 +12973,12 @@
         </p:nvSpPr>
         <p:spPr>
           <a:xfrm>
-            <a:off x="644426" y="2943969"/>
-            <a:ext cx="495300" cy="495300"/>
+            <a:off x="593675" y="2387352"/>
+            <a:ext cx="419100" cy="419100"/>
           </a:xfrm>
           <a:prstGeom prst="roundRect">
             <a:avLst>
-              <a:gd name="adj" fmla="val 184615"/>
+              <a:gd name="adj" fmla="val 218182"/>
             </a:avLst>
           </a:prstGeom>
           <a:solidFill>
@@ -12908,27 +13011,27 @@
         </p:nvSpPr>
         <p:spPr>
           <a:xfrm>
-            <a:off x="842516" y="3067050"/>
-            <a:ext cx="100950" cy="248989"/>
-          </a:xfrm>
-          <a:prstGeom prst="rect">
-            <a:avLst/>
-          </a:prstGeom>
-          <a:noFill/>
-          <a:ln/>
-        </p:spPr>
-        <p:txBody>
-          <a:bodyPr wrap="square" lIns="0" tIns="0" rIns="0" bIns="0" rtlCol="0" anchor="t"/>
-          <a:lstStyle/>
-          <a:p>
-            <a:pPr algn="l" indent="0" marL="0">
-              <a:lnSpc>
-                <a:spcPts val="1960"/>
-              </a:lnSpc>
-              <a:buNone/>
-            </a:pPr>
-            <a:r>
-              <a:rPr lang="en-US" sz="1400" b="1" dirty="0">
+            <a:off x="715863" y="2489597"/>
+            <a:ext cx="178067" cy="214461"/>
+          </a:xfrm>
+          <a:prstGeom prst="rect">
+            <a:avLst/>
+          </a:prstGeom>
+          <a:noFill/>
+          <a:ln/>
+        </p:spPr>
+        <p:txBody>
+          <a:bodyPr wrap="square" lIns="0" tIns="0" rIns="0" bIns="0" rtlCol="0" anchor="t"/>
+          <a:lstStyle/>
+          <a:p>
+            <a:pPr algn="l" indent="0" marL="0">
+              <a:lnSpc>
+                <a:spcPts val="1690"/>
+              </a:lnSpc>
+              <a:buNone/>
+            </a:pPr>
+            <a:r>
+              <a:rPr lang="en-US" sz="1300" b="1" dirty="0">
                 <a:solidFill>
                   <a:srgbClr val="E76F51"/>
                 </a:solidFill>
@@ -12936,9 +13039,9 @@
                 <a:ea typeface="Arial" pitchFamily="34" charset="-122"/>
                 <a:cs typeface="Arial" pitchFamily="34" charset="-120"/>
               </a:rPr>
-              <a:t>7</a:t>
-            </a:r>
-            <a:endParaRPr lang="en-US" sz="1400" dirty="0"/>
+              <a:t>11</a:t>
+            </a:r>
+            <a:endParaRPr lang="en-US" sz="1300" dirty="0"/>
           </a:p>
         </p:txBody>
       </p:sp>
@@ -12950,30 +13053,30 @@
         </p:nvSpPr>
         <p:spPr>
           <a:xfrm>
-            <a:off x="1292126" y="3001119"/>
-            <a:ext cx="2475631" cy="195560"/>
-          </a:xfrm>
-          <a:prstGeom prst="rect">
-            <a:avLst/>
-          </a:prstGeom>
-          <a:noFill/>
-          <a:ln/>
-        </p:spPr>
-        <p:txBody>
-          <a:bodyPr wrap="square" lIns="0" tIns="0" rIns="0" bIns="0" rtlCol="0" anchor="t"/>
-          <a:lstStyle/>
-          <a:p>
-            <a:pPr algn="l" indent="0" marL="0">
-              <a:lnSpc>
-                <a:spcPts val="1540"/>
+            <a:off x="1139726" y="2437954"/>
+            <a:ext cx="2337489" cy="164902"/>
+          </a:xfrm>
+          <a:prstGeom prst="rect">
+            <a:avLst/>
+          </a:prstGeom>
+          <a:noFill/>
+          <a:ln/>
+        </p:spPr>
+        <p:txBody>
+          <a:bodyPr wrap="square" lIns="0" tIns="0" rIns="0" bIns="0" rtlCol="0" anchor="t"/>
+          <a:lstStyle/>
+          <a:p>
+            <a:pPr algn="l" indent="0" marL="0">
+              <a:lnSpc>
+                <a:spcPts val="1300"/>
               </a:lnSpc>
               <a:spcAft>
-                <a:spcPts val="200"/>
+                <a:spcPts val="100"/>
               </a:spcAft>
               <a:buNone/>
             </a:pPr>
             <a:r>
-              <a:rPr lang="en-US" sz="1100" b="1" dirty="0">
+              <a:rPr lang="en-US" sz="1000" b="1" dirty="0">
                 <a:solidFill>
                   <a:srgbClr val="E2E8F0"/>
                 </a:solidFill>
@@ -12983,7 +13086,7 @@
               </a:rPr>
               <a:t>Human Review</a:t>
             </a:r>
-            <a:endParaRPr lang="en-US" sz="1100" dirty="0"/>
+            <a:endParaRPr lang="en-US" sz="1000" dirty="0"/>
           </a:p>
         </p:txBody>
       </p:sp>
@@ -12995,27 +13098,27 @@
         </p:nvSpPr>
         <p:spPr>
           <a:xfrm>
-            <a:off x="1292126" y="3221980"/>
-            <a:ext cx="2475631" cy="159990"/>
-          </a:xfrm>
-          <a:prstGeom prst="rect">
-            <a:avLst/>
-          </a:prstGeom>
-          <a:noFill/>
-          <a:ln/>
-        </p:spPr>
-        <p:txBody>
-          <a:bodyPr wrap="square" lIns="0" tIns="0" rIns="0" bIns="0" rtlCol="0" anchor="t"/>
-          <a:lstStyle/>
-          <a:p>
-            <a:pPr algn="l" indent="0" marL="0">
-              <a:lnSpc>
-                <a:spcPts val="1260"/>
-              </a:lnSpc>
-              <a:buNone/>
-            </a:pPr>
-            <a:r>
-              <a:rPr lang="en-US" sz="900" dirty="0">
+            <a:off x="1139726" y="2615505"/>
+            <a:ext cx="2337489" cy="140196"/>
+          </a:xfrm>
+          <a:prstGeom prst="rect">
+            <a:avLst/>
+          </a:prstGeom>
+          <a:noFill/>
+          <a:ln/>
+        </p:spPr>
+        <p:txBody>
+          <a:bodyPr wrap="square" lIns="0" tIns="0" rIns="0" bIns="0" rtlCol="0" anchor="t"/>
+          <a:lstStyle/>
+          <a:p>
+            <a:pPr algn="l" indent="0" marL="0">
+              <a:lnSpc>
+                <a:spcPts val="1105"/>
+              </a:lnSpc>
+              <a:buNone/>
+            </a:pPr>
+            <a:r>
+              <a:rPr lang="en-US" sz="850" dirty="0">
                 <a:solidFill>
                   <a:srgbClr val="94A3B8"/>
                 </a:solidFill>
@@ -13025,7 +13128,7 @@
               </a:rPr>
               <a:t>Model suggests, human decides (F1: 0.50-0.63)</a:t>
             </a:r>
-            <a:endParaRPr lang="en-US" sz="900" dirty="0"/>
+            <a:endParaRPr lang="en-US" sz="850" dirty="0"/>
           </a:p>
         </p:txBody>
       </p:sp>
@@ -13037,12 +13140,12 @@
         </p:nvSpPr>
         <p:spPr>
           <a:xfrm>
-            <a:off x="457200" y="3677245"/>
-            <a:ext cx="3987850" cy="768251"/>
+            <a:off x="457200" y="2968228"/>
+            <a:ext cx="4013150" cy="615851"/>
           </a:xfrm>
           <a:prstGeom prst="roundRect">
             <a:avLst>
-              <a:gd name="adj" fmla="val 9919"/>
+              <a:gd name="adj" fmla="val 12373"/>
             </a:avLst>
           </a:prstGeom>
           <a:solidFill>
@@ -13075,12 +13178,12 @@
         </p:nvSpPr>
         <p:spPr>
           <a:xfrm>
-            <a:off x="644426" y="3813721"/>
-            <a:ext cx="495300" cy="495300"/>
+            <a:off x="593675" y="3066604"/>
+            <a:ext cx="419100" cy="419100"/>
           </a:xfrm>
           <a:prstGeom prst="roundRect">
             <a:avLst>
-              <a:gd name="adj" fmla="val 184615"/>
+              <a:gd name="adj" fmla="val 218182"/>
             </a:avLst>
           </a:prstGeom>
           <a:solidFill>
@@ -13113,27 +13216,27 @@
         </p:nvSpPr>
         <p:spPr>
           <a:xfrm>
-            <a:off x="793105" y="3936802"/>
-            <a:ext cx="201748" cy="248989"/>
-          </a:xfrm>
-          <a:prstGeom prst="rect">
-            <a:avLst/>
-          </a:prstGeom>
-          <a:noFill/>
-          <a:ln/>
-        </p:spPr>
-        <p:txBody>
-          <a:bodyPr wrap="square" lIns="0" tIns="0" rIns="0" bIns="0" rtlCol="0" anchor="t"/>
-          <a:lstStyle/>
-          <a:p>
-            <a:pPr algn="l" indent="0" marL="0">
-              <a:lnSpc>
-                <a:spcPts val="1960"/>
-              </a:lnSpc>
-              <a:buNone/>
-            </a:pPr>
-            <a:r>
-              <a:rPr lang="en-US" sz="1400" b="1" dirty="0">
+            <a:off x="711398" y="3168848"/>
+            <a:ext cx="187327" cy="214461"/>
+          </a:xfrm>
+          <a:prstGeom prst="rect">
+            <a:avLst/>
+          </a:prstGeom>
+          <a:noFill/>
+          <a:ln/>
+        </p:spPr>
+        <p:txBody>
+          <a:bodyPr wrap="square" lIns="0" tIns="0" rIns="0" bIns="0" rtlCol="0" anchor="t"/>
+          <a:lstStyle/>
+          <a:p>
+            <a:pPr algn="l" indent="0" marL="0">
+              <a:lnSpc>
+                <a:spcPts val="1690"/>
+              </a:lnSpc>
+              <a:buNone/>
+            </a:pPr>
+            <a:r>
+              <a:rPr lang="en-US" sz="1300" b="1" dirty="0">
                 <a:solidFill>
                   <a:srgbClr val="EF4444"/>
                 </a:solidFill>
@@ -13141,9 +13244,9 @@
                 <a:ea typeface="Arial" pitchFamily="34" charset="-122"/>
                 <a:cs typeface="Arial" pitchFamily="34" charset="-120"/>
               </a:rPr>
-              <a:t>20</a:t>
-            </a:r>
-            <a:endParaRPr lang="en-US" sz="1400" dirty="0"/>
+              <a:t>17</a:t>
+            </a:r>
+            <a:endParaRPr lang="en-US" sz="1300" dirty="0"/>
           </a:p>
         </p:txBody>
       </p:sp>
@@ -13155,30 +13258,30 @@
         </p:nvSpPr>
         <p:spPr>
           <a:xfrm>
-            <a:off x="1292126" y="3870871"/>
-            <a:ext cx="2107353" cy="195560"/>
-          </a:xfrm>
-          <a:prstGeom prst="rect">
-            <a:avLst/>
-          </a:prstGeom>
-          <a:noFill/>
-          <a:ln/>
-        </p:spPr>
-        <p:txBody>
-          <a:bodyPr wrap="square" lIns="0" tIns="0" rIns="0" bIns="0" rtlCol="0" anchor="t"/>
-          <a:lstStyle/>
-          <a:p>
-            <a:pPr algn="l" indent="0" marL="0">
-              <a:lnSpc>
-                <a:spcPts val="1540"/>
+            <a:off x="1139726" y="3117205"/>
+            <a:ext cx="1989704" cy="164902"/>
+          </a:xfrm>
+          <a:prstGeom prst="rect">
+            <a:avLst/>
+          </a:prstGeom>
+          <a:noFill/>
+          <a:ln/>
+        </p:spPr>
+        <p:txBody>
+          <a:bodyPr wrap="square" lIns="0" tIns="0" rIns="0" bIns="0" rtlCol="0" anchor="t"/>
+          <a:lstStyle/>
+          <a:p>
+            <a:pPr algn="l" indent="0" marL="0">
+              <a:lnSpc>
+                <a:spcPts val="1300"/>
               </a:lnSpc>
               <a:spcAft>
-                <a:spcPts val="200"/>
+                <a:spcPts val="100"/>
               </a:spcAft>
               <a:buNone/>
             </a:pPr>
             <a:r>
-              <a:rPr lang="en-US" sz="1100" b="1" dirty="0">
+              <a:rPr lang="en-US" sz="1000" b="1" dirty="0">
                 <a:solidFill>
                   <a:srgbClr val="E2E8F0"/>
                 </a:solidFill>
@@ -13188,7 +13291,7 @@
               </a:rPr>
               <a:t>Human Only</a:t>
             </a:r>
-            <a:endParaRPr lang="en-US" sz="1100" dirty="0"/>
+            <a:endParaRPr lang="en-US" sz="1000" dirty="0"/>
           </a:p>
         </p:txBody>
       </p:sp>
@@ -13200,27 +13303,27 @@
         </p:nvSpPr>
         <p:spPr>
           <a:xfrm>
-            <a:off x="1292126" y="4091732"/>
-            <a:ext cx="2107353" cy="159990"/>
-          </a:xfrm>
-          <a:prstGeom prst="rect">
-            <a:avLst/>
-          </a:prstGeom>
-          <a:noFill/>
-          <a:ln/>
-        </p:spPr>
-        <p:txBody>
-          <a:bodyPr wrap="square" lIns="0" tIns="0" rIns="0" bIns="0" rtlCol="0" anchor="t"/>
-          <a:lstStyle/>
-          <a:p>
-            <a:pPr algn="l" indent="0" marL="0">
-              <a:lnSpc>
-                <a:spcPts val="1260"/>
-              </a:lnSpc>
-              <a:buNone/>
-            </a:pPr>
-            <a:r>
-              <a:rPr lang="en-US" sz="900" dirty="0">
+            <a:off x="1139726" y="3294757"/>
+            <a:ext cx="1989704" cy="140196"/>
+          </a:xfrm>
+          <a:prstGeom prst="rect">
+            <a:avLst/>
+          </a:prstGeom>
+          <a:noFill/>
+          <a:ln/>
+        </p:spPr>
+        <p:txBody>
+          <a:bodyPr wrap="square" lIns="0" tIns="0" rIns="0" bIns="0" rtlCol="0" anchor="t"/>
+          <a:lstStyle/>
+          <a:p>
+            <a:pPr algn="l" indent="0" marL="0">
+              <a:lnSpc>
+                <a:spcPts val="1105"/>
+              </a:lnSpc>
+              <a:buNone/>
+            </a:pPr>
+            <a:r>
+              <a:rPr lang="en-US" sz="850" dirty="0">
                 <a:solidFill>
                   <a:srgbClr val="94A3B8"/>
                 </a:solidFill>
@@ -13230,7 +13333,7 @@
               </a:rPr>
               <a:t>Insufficient model confidence (F1 &lt; 0.50)</a:t>
             </a:r>
-            <a:endParaRPr lang="en-US" sz="900" dirty="0"/>
+            <a:endParaRPr lang="en-US" sz="850" dirty="0"/>
           </a:p>
         </p:txBody>
       </p:sp>
@@ -13242,859 +13345,17 @@
         </p:nvSpPr>
         <p:spPr>
           <a:xfrm>
-            <a:off x="4698950" y="831800"/>
-            <a:ext cx="4067607" cy="159990"/>
-          </a:xfrm>
-          <a:prstGeom prst="rect">
-            <a:avLst/>
-          </a:prstGeom>
-          <a:noFill/>
-          <a:ln/>
-        </p:spPr>
-        <p:txBody>
-          <a:bodyPr wrap="square" lIns="0" tIns="0" rIns="0" bIns="0" rtlCol="0" anchor="t"/>
-          <a:lstStyle/>
-          <a:p>
-            <a:pPr algn="l" indent="0" marL="0">
-              <a:lnSpc>
-                <a:spcPts val="1260"/>
-              </a:lnSpc>
-              <a:spcAft>
-                <a:spcPts val="600"/>
-              </a:spcAft>
-              <a:buNone/>
-            </a:pPr>
-            <a:r>
-              <a:rPr lang="en-US" sz="900" dirty="0">
-                <a:solidFill>
-                  <a:srgbClr val="94A3B8"/>
-                </a:solidFill>
-                <a:latin typeface="Arial" pitchFamily="34" charset="0"/>
-                <a:ea typeface="Arial" pitchFamily="34" charset="-122"/>
-                <a:cs typeface="Arial" pitchFamily="34" charset="-120"/>
-              </a:rPr>
-              <a:t>BASELINE FEASIBILITY (BEST MODEL)</a:t>
-            </a:r>
-            <a:endParaRPr lang="en-US" sz="900" dirty="0"/>
-          </a:p>
-        </p:txBody>
-      </p:sp>
-      <p:sp>
-        <p:nvSpPr>
-          <p:cNvPr id="26" name="Shape 23"/>
-          <p:cNvSpPr/>
-          <p:nvPr/>
-        </p:nvSpPr>
-        <p:spPr>
-          <a:xfrm>
-            <a:off x="4698950" y="1377255"/>
-            <a:ext cx="3987850" cy="0"/>
-          </a:xfrm>
-          <a:prstGeom prst="line">
-            <a:avLst/>
-          </a:prstGeom>
-          <a:noFill/>
-          <a:ln w="9525">
-            <a:solidFill>
-              <a:srgbClr val="FFFFFF"/>
-            </a:solidFill>
-            <a:prstDash val="solid"/>
-          </a:ln>
-        </p:spPr>
-      </p:sp>
-      <p:sp>
-        <p:nvSpPr>
-          <p:cNvPr id="27" name="Text 24"/>
-          <p:cNvSpPr/>
-          <p:nvPr/>
-        </p:nvSpPr>
-        <p:spPr>
-          <a:xfrm>
-            <a:off x="4698950" y="1131391"/>
-            <a:ext cx="1475845" cy="177701"/>
-          </a:xfrm>
-          <a:prstGeom prst="rect">
-            <a:avLst/>
-          </a:prstGeom>
-          <a:noFill/>
-          <a:ln/>
-        </p:spPr>
-        <p:txBody>
-          <a:bodyPr wrap="square" lIns="0" tIns="0" rIns="0" bIns="0" rtlCol="0" anchor="t"/>
-          <a:lstStyle/>
-          <a:p>
-            <a:pPr algn="l" indent="0" marL="0">
-              <a:lnSpc>
-                <a:spcPts val="1400"/>
-              </a:lnSpc>
-              <a:buNone/>
-            </a:pPr>
-            <a:r>
-              <a:rPr lang="en-US" sz="1000" dirty="0">
-                <a:solidFill>
-                  <a:srgbClr val="94A3B8"/>
-                </a:solidFill>
-                <a:latin typeface="Arial" pitchFamily="34" charset="0"/>
-                <a:ea typeface="Arial" pitchFamily="34" charset="-122"/>
-                <a:cs typeface="Arial" pitchFamily="34" charset="-120"/>
-              </a:rPr>
-              <a:t>Automatable (F1 &gt;= 0.63)</a:t>
-            </a:r>
-            <a:endParaRPr lang="en-US" sz="1000" dirty="0"/>
-          </a:p>
-        </p:txBody>
-      </p:sp>
-      <p:sp>
-        <p:nvSpPr>
-          <p:cNvPr id="28" name="Text 25"/>
-          <p:cNvSpPr/>
-          <p:nvPr/>
-        </p:nvSpPr>
-        <p:spPr>
-          <a:xfrm>
-            <a:off x="8298507" y="1131391"/>
-            <a:ext cx="396058" cy="177701"/>
-          </a:xfrm>
-          <a:prstGeom prst="rect">
-            <a:avLst/>
-          </a:prstGeom>
-          <a:noFill/>
-          <a:ln/>
-        </p:spPr>
-        <p:txBody>
-          <a:bodyPr wrap="square" lIns="0" tIns="0" rIns="0" bIns="0" rtlCol="0" anchor="t"/>
-          <a:lstStyle/>
-          <a:p>
-            <a:pPr algn="l" indent="0" marL="0">
-              <a:lnSpc>
-                <a:spcPts val="1400"/>
-              </a:lnSpc>
-              <a:buNone/>
-            </a:pPr>
-            <a:r>
-              <a:rPr lang="en-US" sz="1000" b="1" dirty="0">
-                <a:solidFill>
-                  <a:srgbClr val="E2E8F0"/>
-                </a:solidFill>
-                <a:latin typeface="Arial" pitchFamily="34" charset="0"/>
-                <a:ea typeface="Arial" pitchFamily="34" charset="-122"/>
-                <a:cs typeface="Arial" pitchFamily="34" charset="-120"/>
-              </a:rPr>
-              <a:t>14 / 41</a:t>
-            </a:r>
-            <a:endParaRPr lang="en-US" sz="1000" dirty="0"/>
-          </a:p>
-        </p:txBody>
-      </p:sp>
-      <p:sp>
-        <p:nvSpPr>
-          <p:cNvPr id="29" name="Shape 26"/>
-          <p:cNvSpPr/>
-          <p:nvPr/>
-        </p:nvSpPr>
-        <p:spPr>
-          <a:xfrm>
-            <a:off x="4698950" y="1691283"/>
-            <a:ext cx="3987850" cy="0"/>
-          </a:xfrm>
-          <a:prstGeom prst="line">
-            <a:avLst/>
-          </a:prstGeom>
-          <a:noFill/>
-          <a:ln w="9525">
-            <a:solidFill>
-              <a:srgbClr val="FFFFFF"/>
-            </a:solidFill>
-            <a:prstDash val="solid"/>
-          </a:ln>
-        </p:spPr>
-      </p:sp>
-      <p:sp>
-        <p:nvSpPr>
-          <p:cNvPr id="30" name="Text 27"/>
-          <p:cNvSpPr/>
-          <p:nvPr/>
-        </p:nvSpPr>
-        <p:spPr>
-          <a:xfrm>
-            <a:off x="4698950" y="1445419"/>
-            <a:ext cx="1677442" cy="177701"/>
-          </a:xfrm>
-          <a:prstGeom prst="rect">
-            <a:avLst/>
-          </a:prstGeom>
-          <a:noFill/>
-          <a:ln/>
-        </p:spPr>
-        <p:txBody>
-          <a:bodyPr wrap="square" lIns="0" tIns="0" rIns="0" bIns="0" rtlCol="0" anchor="t"/>
-          <a:lstStyle/>
-          <a:p>
-            <a:pPr algn="l" indent="0" marL="0">
-              <a:lnSpc>
-                <a:spcPts val="1400"/>
-              </a:lnSpc>
-              <a:buNone/>
-            </a:pPr>
-            <a:r>
-              <a:rPr lang="en-US" sz="1000" dirty="0">
-                <a:solidFill>
-                  <a:srgbClr val="94A3B8"/>
-                </a:solidFill>
-                <a:latin typeface="Arial" pitchFamily="34" charset="0"/>
-                <a:ea typeface="Arial" pitchFamily="34" charset="-122"/>
-                <a:cs typeface="Arial" pitchFamily="34" charset="-120"/>
-              </a:rPr>
-              <a:t>High confidence (F1 &gt;= 0.93)</a:t>
-            </a:r>
-            <a:endParaRPr lang="en-US" sz="1000" dirty="0"/>
-          </a:p>
-        </p:txBody>
-      </p:sp>
-      <p:sp>
-        <p:nvSpPr>
-          <p:cNvPr id="31" name="Text 28"/>
-          <p:cNvSpPr/>
-          <p:nvPr/>
-        </p:nvSpPr>
-        <p:spPr>
-          <a:xfrm>
-            <a:off x="8369052" y="1445419"/>
-            <a:ext cx="324103" cy="177701"/>
-          </a:xfrm>
-          <a:prstGeom prst="rect">
-            <a:avLst/>
-          </a:prstGeom>
-          <a:noFill/>
-          <a:ln/>
-        </p:spPr>
-        <p:txBody>
-          <a:bodyPr wrap="square" lIns="0" tIns="0" rIns="0" bIns="0" rtlCol="0" anchor="t"/>
-          <a:lstStyle/>
-          <a:p>
-            <a:pPr algn="l" indent="0" marL="0">
-              <a:lnSpc>
-                <a:spcPts val="1400"/>
-              </a:lnSpc>
-              <a:buNone/>
-            </a:pPr>
-            <a:r>
-              <a:rPr lang="en-US" sz="1000" b="1" dirty="0">
-                <a:solidFill>
-                  <a:srgbClr val="E2E8F0"/>
-                </a:solidFill>
-                <a:latin typeface="Arial" pitchFamily="34" charset="0"/>
-                <a:ea typeface="Arial" pitchFamily="34" charset="-122"/>
-                <a:cs typeface="Arial" pitchFamily="34" charset="-120"/>
-              </a:rPr>
-              <a:t>1 / 41</a:t>
-            </a:r>
-            <a:endParaRPr lang="en-US" sz="1000" dirty="0"/>
-          </a:p>
-        </p:txBody>
-      </p:sp>
-      <p:sp>
-        <p:nvSpPr>
-          <p:cNvPr id="32" name="Shape 29"/>
-          <p:cNvSpPr/>
-          <p:nvPr/>
-        </p:nvSpPr>
-        <p:spPr>
-          <a:xfrm>
-            <a:off x="4698950" y="2005310"/>
-            <a:ext cx="3987850" cy="0"/>
-          </a:xfrm>
-          <a:prstGeom prst="line">
-            <a:avLst/>
-          </a:prstGeom>
-          <a:noFill/>
-          <a:ln w="9525">
-            <a:solidFill>
-              <a:srgbClr val="FFFFFF"/>
-            </a:solidFill>
-            <a:prstDash val="solid"/>
-          </a:ln>
-        </p:spPr>
-      </p:sp>
-      <p:sp>
-        <p:nvSpPr>
-          <p:cNvPr id="33" name="Text 30"/>
-          <p:cNvSpPr/>
-          <p:nvPr/>
-        </p:nvSpPr>
-        <p:spPr>
-          <a:xfrm>
-            <a:off x="4698950" y="1759446"/>
-            <a:ext cx="1454137" cy="177701"/>
-          </a:xfrm>
-          <a:prstGeom prst="rect">
-            <a:avLst/>
-          </a:prstGeom>
-          <a:noFill/>
-          <a:ln/>
-        </p:spPr>
-        <p:txBody>
-          <a:bodyPr wrap="square" lIns="0" tIns="0" rIns="0" bIns="0" rtlCol="0" anchor="t"/>
-          <a:lstStyle/>
-          <a:p>
-            <a:pPr algn="l" indent="0" marL="0">
-              <a:lnSpc>
-                <a:spcPts val="1400"/>
-              </a:lnSpc>
-              <a:buNone/>
-            </a:pPr>
-            <a:r>
-              <a:rPr lang="en-US" sz="1000" dirty="0">
-                <a:solidFill>
-                  <a:srgbClr val="94A3B8"/>
-                </a:solidFill>
-                <a:latin typeface="Arial" pitchFamily="34" charset="0"/>
-                <a:ea typeface="Arial" pitchFamily="34" charset="-122"/>
-                <a:cs typeface="Arial" pitchFamily="34" charset="-120"/>
-              </a:rPr>
-              <a:t>Needs review (0.50-0.63)</a:t>
-            </a:r>
-            <a:endParaRPr lang="en-US" sz="1000" dirty="0"/>
-          </a:p>
-        </p:txBody>
-      </p:sp>
-      <p:sp>
-        <p:nvSpPr>
-          <p:cNvPr id="34" name="Text 31"/>
-          <p:cNvSpPr/>
-          <p:nvPr/>
-        </p:nvSpPr>
-        <p:spPr>
-          <a:xfrm>
-            <a:off x="8369052" y="1759446"/>
-            <a:ext cx="324103" cy="177701"/>
-          </a:xfrm>
-          <a:prstGeom prst="rect">
-            <a:avLst/>
-          </a:prstGeom>
-          <a:noFill/>
-          <a:ln/>
-        </p:spPr>
-        <p:txBody>
-          <a:bodyPr wrap="square" lIns="0" tIns="0" rIns="0" bIns="0" rtlCol="0" anchor="t"/>
-          <a:lstStyle/>
-          <a:p>
-            <a:pPr algn="l" indent="0" marL="0">
-              <a:lnSpc>
-                <a:spcPts val="1400"/>
-              </a:lnSpc>
-              <a:buNone/>
-            </a:pPr>
-            <a:r>
-              <a:rPr lang="en-US" sz="1000" b="1" dirty="0">
-                <a:solidFill>
-                  <a:srgbClr val="E2E8F0"/>
-                </a:solidFill>
-                <a:latin typeface="Arial" pitchFamily="34" charset="0"/>
-                <a:ea typeface="Arial" pitchFamily="34" charset="-122"/>
-                <a:cs typeface="Arial" pitchFamily="34" charset="-120"/>
-              </a:rPr>
-              <a:t>7 / 41</a:t>
-            </a:r>
-            <a:endParaRPr lang="en-US" sz="1000" dirty="0"/>
-          </a:p>
-        </p:txBody>
-      </p:sp>
-      <p:sp>
-        <p:nvSpPr>
-          <p:cNvPr id="35" name="Shape 32"/>
-          <p:cNvSpPr/>
-          <p:nvPr/>
-        </p:nvSpPr>
-        <p:spPr>
-          <a:xfrm>
-            <a:off x="4698950" y="2319337"/>
-            <a:ext cx="3987850" cy="0"/>
-          </a:xfrm>
-          <a:prstGeom prst="line">
-            <a:avLst/>
-          </a:prstGeom>
-          <a:noFill/>
-          <a:ln w="9525">
-            <a:solidFill>
-              <a:srgbClr val="FFFFFF"/>
-            </a:solidFill>
-            <a:prstDash val="solid"/>
-          </a:ln>
-        </p:spPr>
-      </p:sp>
-      <p:sp>
-        <p:nvSpPr>
-          <p:cNvPr id="36" name="Text 33"/>
-          <p:cNvSpPr/>
-          <p:nvPr/>
-        </p:nvSpPr>
-        <p:spPr>
-          <a:xfrm>
-            <a:off x="4698950" y="2073473"/>
-            <a:ext cx="1356982" cy="177701"/>
-          </a:xfrm>
-          <a:prstGeom prst="rect">
-            <a:avLst/>
-          </a:prstGeom>
-          <a:noFill/>
-          <a:ln/>
-        </p:spPr>
-        <p:txBody>
-          <a:bodyPr wrap="square" lIns="0" tIns="0" rIns="0" bIns="0" rtlCol="0" anchor="t"/>
-          <a:lstStyle/>
-          <a:p>
-            <a:pPr algn="l" indent="0" marL="0">
-              <a:lnSpc>
-                <a:spcPts val="1400"/>
-              </a:lnSpc>
-              <a:buNone/>
-            </a:pPr>
-            <a:r>
-              <a:rPr lang="en-US" sz="1000" dirty="0">
-                <a:solidFill>
-                  <a:srgbClr val="94A3B8"/>
-                </a:solidFill>
-                <a:latin typeface="Arial" pitchFamily="34" charset="0"/>
-                <a:ea typeface="Arial" pitchFamily="34" charset="-122"/>
-                <a:cs typeface="Arial" pitchFamily="34" charset="-120"/>
-              </a:rPr>
-              <a:t>Not feasible (F1 &lt; 0.50)</a:t>
-            </a:r>
-            <a:endParaRPr lang="en-US" sz="1000" dirty="0"/>
-          </a:p>
-        </p:txBody>
-      </p:sp>
-      <p:sp>
-        <p:nvSpPr>
-          <p:cNvPr id="37" name="Text 34"/>
-          <p:cNvSpPr/>
-          <p:nvPr/>
-        </p:nvSpPr>
-        <p:spPr>
-          <a:xfrm>
-            <a:off x="8298507" y="2073473"/>
-            <a:ext cx="396058" cy="177701"/>
-          </a:xfrm>
-          <a:prstGeom prst="rect">
-            <a:avLst/>
-          </a:prstGeom>
-          <a:noFill/>
-          <a:ln/>
-        </p:spPr>
-        <p:txBody>
-          <a:bodyPr wrap="square" lIns="0" tIns="0" rIns="0" bIns="0" rtlCol="0" anchor="t"/>
-          <a:lstStyle/>
-          <a:p>
-            <a:pPr algn="l" indent="0" marL="0">
-              <a:lnSpc>
-                <a:spcPts val="1400"/>
-              </a:lnSpc>
-              <a:buNone/>
-            </a:pPr>
-            <a:r>
-              <a:rPr lang="en-US" sz="1000" b="1" dirty="0">
-                <a:solidFill>
-                  <a:srgbClr val="E2E8F0"/>
-                </a:solidFill>
-                <a:latin typeface="Arial" pitchFamily="34" charset="0"/>
-                <a:ea typeface="Arial" pitchFamily="34" charset="-122"/>
-                <a:cs typeface="Arial" pitchFamily="34" charset="-120"/>
-              </a:rPr>
-              <a:t>20 / 41</a:t>
-            </a:r>
-            <a:endParaRPr lang="en-US" sz="1000" dirty="0"/>
-          </a:p>
-        </p:txBody>
-      </p:sp>
-      <p:sp>
-        <p:nvSpPr>
-          <p:cNvPr id="38" name="Text 35"/>
-          <p:cNvSpPr/>
-          <p:nvPr/>
-        </p:nvSpPr>
-        <p:spPr>
-          <a:xfrm>
-            <a:off x="4698950" y="2451050"/>
-            <a:ext cx="4067607" cy="159990"/>
-          </a:xfrm>
-          <a:prstGeom prst="rect">
-            <a:avLst/>
-          </a:prstGeom>
-          <a:noFill/>
-          <a:ln/>
-        </p:spPr>
-        <p:txBody>
-          <a:bodyPr wrap="square" lIns="0" tIns="0" rIns="0" bIns="0" rtlCol="0" anchor="t"/>
-          <a:lstStyle/>
-          <a:p>
-            <a:pPr algn="l" indent="0" marL="0">
-              <a:lnSpc>
-                <a:spcPts val="1260"/>
-              </a:lnSpc>
-              <a:spcBef>
-                <a:spcPts val="1000"/>
-              </a:spcBef>
-              <a:spcAft>
-                <a:spcPts val="600"/>
-              </a:spcAft>
-              <a:buNone/>
-            </a:pPr>
-            <a:r>
-              <a:rPr lang="en-US" sz="900" dirty="0">
-                <a:solidFill>
-                  <a:srgbClr val="94A3B8"/>
-                </a:solidFill>
-                <a:latin typeface="Arial" pitchFamily="34" charset="0"/>
-                <a:ea typeface="Arial" pitchFamily="34" charset="-122"/>
-                <a:cs typeface="Arial" pitchFamily="34" charset="-120"/>
-              </a:rPr>
-              <a:t>HUMAN BENCHMARK</a:t>
-            </a:r>
-            <a:endParaRPr lang="en-US" sz="900" dirty="0"/>
-          </a:p>
-        </p:txBody>
-      </p:sp>
-      <p:sp>
-        <p:nvSpPr>
-          <p:cNvPr id="39" name="Shape 36"/>
-          <p:cNvSpPr/>
-          <p:nvPr/>
-        </p:nvSpPr>
-        <p:spPr>
-          <a:xfrm>
-            <a:off x="4698950" y="2996505"/>
-            <a:ext cx="3987850" cy="0"/>
-          </a:xfrm>
-          <a:prstGeom prst="line">
-            <a:avLst/>
-          </a:prstGeom>
-          <a:noFill/>
-          <a:ln w="9525">
-            <a:solidFill>
-              <a:srgbClr val="FFFFFF"/>
-            </a:solidFill>
-            <a:prstDash val="solid"/>
-          </a:ln>
-        </p:spPr>
-      </p:sp>
-      <p:sp>
-        <p:nvSpPr>
-          <p:cNvPr id="40" name="Text 37"/>
-          <p:cNvSpPr/>
-          <p:nvPr/>
-        </p:nvSpPr>
-        <p:spPr>
-          <a:xfrm>
-            <a:off x="4698950" y="2750641"/>
-            <a:ext cx="1227189" cy="177701"/>
-          </a:xfrm>
-          <a:prstGeom prst="rect">
-            <a:avLst/>
-          </a:prstGeom>
-          <a:noFill/>
-          <a:ln/>
-        </p:spPr>
-        <p:txBody>
-          <a:bodyPr wrap="square" lIns="0" tIns="0" rIns="0" bIns="0" rtlCol="0" anchor="t"/>
-          <a:lstStyle/>
-          <a:p>
-            <a:pPr algn="l" indent="0" marL="0">
-              <a:lnSpc>
-                <a:spcPts val="1400"/>
-              </a:lnSpc>
-              <a:buNone/>
-            </a:pPr>
-            <a:r>
-              <a:rPr lang="en-US" sz="1000" dirty="0">
-                <a:solidFill>
-                  <a:srgbClr val="94A3B8"/>
-                </a:solidFill>
-                <a:latin typeface="Arial" pitchFamily="34" charset="0"/>
-                <a:ea typeface="Arial" pitchFamily="34" charset="-122"/>
-                <a:cs typeface="Arial" pitchFamily="34" charset="-120"/>
-              </a:rPr>
-              <a:t>Cohen's kappa range</a:t>
-            </a:r>
-            <a:endParaRPr lang="en-US" sz="1000" dirty="0"/>
-          </a:p>
-        </p:txBody>
-      </p:sp>
-      <p:sp>
-        <p:nvSpPr>
-          <p:cNvPr id="41" name="Text 38"/>
-          <p:cNvSpPr/>
-          <p:nvPr/>
-        </p:nvSpPr>
-        <p:spPr>
-          <a:xfrm>
-            <a:off x="8079730" y="2750641"/>
-            <a:ext cx="619211" cy="177701"/>
-          </a:xfrm>
-          <a:prstGeom prst="rect">
-            <a:avLst/>
-          </a:prstGeom>
-          <a:noFill/>
-          <a:ln/>
-        </p:spPr>
-        <p:txBody>
-          <a:bodyPr wrap="square" lIns="0" tIns="0" rIns="0" bIns="0" rtlCol="0" anchor="t"/>
-          <a:lstStyle/>
-          <a:p>
-            <a:pPr algn="l" indent="0" marL="0">
-              <a:lnSpc>
-                <a:spcPts val="1400"/>
-              </a:lnSpc>
-              <a:buNone/>
-            </a:pPr>
-            <a:r>
-              <a:rPr lang="en-US" sz="1000" b="1" dirty="0">
-                <a:solidFill>
-                  <a:srgbClr val="E2E8F0"/>
-                </a:solidFill>
-                <a:latin typeface="Arial" pitchFamily="34" charset="0"/>
-                <a:ea typeface="Arial" pitchFamily="34" charset="-122"/>
-                <a:cs typeface="Arial" pitchFamily="34" charset="-120"/>
-              </a:rPr>
-              <a:t>0.63 - 0.93</a:t>
-            </a:r>
-            <a:endParaRPr lang="en-US" sz="1000" dirty="0"/>
-          </a:p>
-        </p:txBody>
-      </p:sp>
-      <p:sp>
-        <p:nvSpPr>
-          <p:cNvPr id="42" name="Shape 39"/>
-          <p:cNvSpPr/>
-          <p:nvPr/>
-        </p:nvSpPr>
-        <p:spPr>
-          <a:xfrm>
-            <a:off x="4698950" y="3310533"/>
-            <a:ext cx="3987850" cy="0"/>
-          </a:xfrm>
-          <a:prstGeom prst="line">
-            <a:avLst/>
-          </a:prstGeom>
-          <a:noFill/>
-          <a:ln w="9525">
-            <a:solidFill>
-              <a:srgbClr val="FFFFFF"/>
-            </a:solidFill>
-            <a:prstDash val="solid"/>
-          </a:ln>
-        </p:spPr>
-      </p:sp>
-      <p:sp>
-        <p:nvSpPr>
-          <p:cNvPr id="43" name="Text 40"/>
-          <p:cNvSpPr/>
-          <p:nvPr/>
-        </p:nvSpPr>
-        <p:spPr>
-          <a:xfrm>
-            <a:off x="4698950" y="3064669"/>
-            <a:ext cx="1562070" cy="177701"/>
-          </a:xfrm>
-          <a:prstGeom prst="rect">
-            <a:avLst/>
-          </a:prstGeom>
-          <a:noFill/>
-          <a:ln/>
-        </p:spPr>
-        <p:txBody>
-          <a:bodyPr wrap="square" lIns="0" tIns="0" rIns="0" bIns="0" rtlCol="0" anchor="t"/>
-          <a:lstStyle/>
-          <a:p>
-            <a:pPr algn="l" indent="0" marL="0">
-              <a:lnSpc>
-                <a:spcPts val="1400"/>
-              </a:lnSpc>
-              <a:buNone/>
-            </a:pPr>
-            <a:r>
-              <a:rPr lang="en-US" sz="1000" dirty="0">
-                <a:solidFill>
-                  <a:srgbClr val="94A3B8"/>
-                </a:solidFill>
-                <a:latin typeface="Arial" pitchFamily="34" charset="0"/>
-                <a:ea typeface="Arial" pitchFamily="34" charset="-122"/>
-                <a:cs typeface="Arial" pitchFamily="34" charset="-120"/>
-              </a:rPr>
-              <a:t>Highest (Appellate Review)</a:t>
-            </a:r>
-            <a:endParaRPr lang="en-US" sz="1000" dirty="0"/>
-          </a:p>
-        </p:txBody>
-      </p:sp>
-      <p:sp>
-        <p:nvSpPr>
-          <p:cNvPr id="44" name="Text 41"/>
-          <p:cNvSpPr/>
-          <p:nvPr/>
-        </p:nvSpPr>
-        <p:spPr>
-          <a:xfrm>
-            <a:off x="8439596" y="3064669"/>
-            <a:ext cx="252148" cy="177701"/>
-          </a:xfrm>
-          <a:prstGeom prst="rect">
-            <a:avLst/>
-          </a:prstGeom>
-          <a:noFill/>
-          <a:ln/>
-        </p:spPr>
-        <p:txBody>
-          <a:bodyPr wrap="square" lIns="0" tIns="0" rIns="0" bIns="0" rtlCol="0" anchor="t"/>
-          <a:lstStyle/>
-          <a:p>
-            <a:pPr algn="l" indent="0" marL="0">
-              <a:lnSpc>
-                <a:spcPts val="1400"/>
-              </a:lnSpc>
-              <a:buNone/>
-            </a:pPr>
-            <a:r>
-              <a:rPr lang="en-US" sz="1000" b="1" dirty="0">
-                <a:solidFill>
-                  <a:srgbClr val="E2E8F0"/>
-                </a:solidFill>
-                <a:latin typeface="Arial" pitchFamily="34" charset="0"/>
-                <a:ea typeface="Arial" pitchFamily="34" charset="-122"/>
-                <a:cs typeface="Arial" pitchFamily="34" charset="-120"/>
-              </a:rPr>
-              <a:t>0.93</a:t>
-            </a:r>
-            <a:endParaRPr lang="en-US" sz="1000" dirty="0"/>
-          </a:p>
-        </p:txBody>
-      </p:sp>
-      <p:sp>
-        <p:nvSpPr>
-          <p:cNvPr id="45" name="Shape 42"/>
-          <p:cNvSpPr/>
-          <p:nvPr/>
-        </p:nvSpPr>
-        <p:spPr>
-          <a:xfrm>
-            <a:off x="4698950" y="3624560"/>
-            <a:ext cx="3987850" cy="0"/>
-          </a:xfrm>
-          <a:prstGeom prst="line">
-            <a:avLst/>
-          </a:prstGeom>
-          <a:noFill/>
-          <a:ln w="9525">
-            <a:solidFill>
-              <a:srgbClr val="FFFFFF"/>
-            </a:solidFill>
-            <a:prstDash val="solid"/>
-          </a:ln>
-        </p:spPr>
-      </p:sp>
-      <p:sp>
-        <p:nvSpPr>
-          <p:cNvPr id="46" name="Text 43"/>
-          <p:cNvSpPr/>
-          <p:nvPr/>
-        </p:nvSpPr>
-        <p:spPr>
-          <a:xfrm>
-            <a:off x="4698950" y="3378696"/>
-            <a:ext cx="1182862" cy="177701"/>
-          </a:xfrm>
-          <a:prstGeom prst="rect">
-            <a:avLst/>
-          </a:prstGeom>
-          <a:noFill/>
-          <a:ln/>
-        </p:spPr>
-        <p:txBody>
-          <a:bodyPr wrap="square" lIns="0" tIns="0" rIns="0" bIns="0" rtlCol="0" anchor="t"/>
-          <a:lstStyle/>
-          <a:p>
-            <a:pPr algn="l" indent="0" marL="0">
-              <a:lnSpc>
-                <a:spcPts val="1400"/>
-              </a:lnSpc>
-              <a:buNone/>
-            </a:pPr>
-            <a:r>
-              <a:rPr lang="en-US" sz="1000" dirty="0">
-                <a:solidFill>
-                  <a:srgbClr val="94A3B8"/>
-                </a:solidFill>
-                <a:latin typeface="Arial" pitchFamily="34" charset="0"/>
-                <a:ea typeface="Arial" pitchFamily="34" charset="-122"/>
-                <a:cs typeface="Arial" pitchFamily="34" charset="-120"/>
-              </a:rPr>
-              <a:t>Lowest (Trial Phase)</a:t>
-            </a:r>
-            <a:endParaRPr lang="en-US" sz="1000" dirty="0"/>
-          </a:p>
-        </p:txBody>
-      </p:sp>
-      <p:sp>
-        <p:nvSpPr>
-          <p:cNvPr id="47" name="Text 44"/>
-          <p:cNvSpPr/>
-          <p:nvPr/>
-        </p:nvSpPr>
-        <p:spPr>
-          <a:xfrm>
-            <a:off x="8439596" y="3378696"/>
-            <a:ext cx="252148" cy="177701"/>
-          </a:xfrm>
-          <a:prstGeom prst="rect">
-            <a:avLst/>
-          </a:prstGeom>
-          <a:noFill/>
-          <a:ln/>
-        </p:spPr>
-        <p:txBody>
-          <a:bodyPr wrap="square" lIns="0" tIns="0" rIns="0" bIns="0" rtlCol="0" anchor="t"/>
-          <a:lstStyle/>
-          <a:p>
-            <a:pPr algn="l" indent="0" marL="0">
-              <a:lnSpc>
-                <a:spcPts val="1400"/>
-              </a:lnSpc>
-              <a:buNone/>
-            </a:pPr>
-            <a:r>
-              <a:rPr lang="en-US" sz="1000" b="1" dirty="0">
-                <a:solidFill>
-                  <a:srgbClr val="E2E8F0"/>
-                </a:solidFill>
-                <a:latin typeface="Arial" pitchFamily="34" charset="0"/>
-                <a:ea typeface="Arial" pitchFamily="34" charset="-122"/>
-                <a:cs typeface="Arial" pitchFamily="34" charset="-120"/>
-              </a:rPr>
-              <a:t>0.63</a:t>
-            </a:r>
-            <a:endParaRPr lang="en-US" sz="1000" dirty="0"/>
-          </a:p>
-        </p:txBody>
-      </p:sp>
-      <p:sp>
-        <p:nvSpPr>
-          <p:cNvPr id="48" name="Text 45"/>
-          <p:cNvSpPr/>
-          <p:nvPr/>
-        </p:nvSpPr>
-        <p:spPr>
-          <a:xfrm>
-            <a:off x="4698950" y="3730823"/>
-            <a:ext cx="3987850" cy="1049982"/>
+            <a:off x="457200" y="3660279"/>
+            <a:ext cx="4013150" cy="451842"/>
           </a:xfrm>
           <a:prstGeom prst="roundRect">
             <a:avLst>
-              <a:gd name="adj" fmla="val 7257"/>
+              <a:gd name="adj" fmla="val 16864"/>
             </a:avLst>
           </a:prstGeom>
           <a:solidFill>
             <a:srgbClr val="00B4D8">
-              <a:alpha val="8000"/>
+              <a:alpha val="6000"/>
             </a:srgbClr>
           </a:solidFill>
           <a:ln w="9525">
@@ -14116,14 +13377,1215 @@
       </p:sp>
       <p:sp>
         <p:nvSpPr>
+          <p:cNvPr id="26" name="Text 23"/>
+          <p:cNvSpPr/>
+          <p:nvPr/>
+        </p:nvSpPr>
+        <p:spPr>
+          <a:xfrm>
+            <a:off x="593675" y="3746004"/>
+            <a:ext cx="3815004" cy="280392"/>
+          </a:xfrm>
+          <a:prstGeom prst="rect">
+            <a:avLst/>
+          </a:prstGeom>
+          <a:noFill/>
+          <a:ln/>
+        </p:spPr>
+        <p:txBody>
+          <a:bodyPr wrap="square" lIns="0" tIns="0" rIns="0" bIns="0" rtlCol="0" anchor="t"/>
+          <a:lstStyle/>
+          <a:p>
+            <a:pPr algn="l" indent="0" marL="0">
+              <a:lnSpc>
+                <a:spcPts val="1105"/>
+              </a:lnSpc>
+              <a:buNone/>
+            </a:pPr>
+            <a:r>
+              <a:rPr lang="en-US" sz="850" b="1" dirty="0">
+                <a:solidFill>
+                  <a:srgbClr val="00B4D8"/>
+                </a:solidFill>
+                <a:latin typeface="Arial" pitchFamily="34" charset="0"/>
+                <a:ea typeface="Arial" pitchFamily="34" charset="-122"/>
+                <a:cs typeface="Arial" pitchFamily="34" charset="-120"/>
+              </a:rPr>
+              <a:t>Per-class thresholds</a:t>
+            </a:r>
+            <a:pPr algn="l" indent="0" marL="0">
+              <a:lnSpc>
+                <a:spcPts val="1105"/>
+              </a:lnSpc>
+              <a:buNone/>
+            </a:pPr>
+            <a:r>
+              <a:rPr lang="en-US" sz="850" dirty="0">
+                <a:solidFill>
+                  <a:srgbClr val="94A3B8"/>
+                </a:solidFill>
+                <a:latin typeface="Arial" pitchFamily="34" charset="0"/>
+                <a:ea typeface="Arial" pitchFamily="34" charset="-122"/>
+                <a:cs typeface="Arial" pitchFamily="34" charset="-120"/>
+              </a:rPr>
+              <a:t> push more classes into automation tiers. LF Per-Class: +2.1% F1 Micro, +6.7% F1 Macro vs baseline.</a:t>
+            </a:r>
+            <a:endParaRPr lang="en-US" sz="850" dirty="0"/>
+          </a:p>
+        </p:txBody>
+      </p:sp>
+      <p:sp>
+        <p:nvSpPr>
+          <p:cNvPr id="27" name="Text 24"/>
+          <p:cNvSpPr/>
+          <p:nvPr/>
+        </p:nvSpPr>
+        <p:spPr>
+          <a:xfrm>
+            <a:off x="4673501" y="726877"/>
+            <a:ext cx="4093565" cy="140196"/>
+          </a:xfrm>
+          <a:prstGeom prst="rect">
+            <a:avLst/>
+          </a:prstGeom>
+          <a:noFill/>
+          <a:ln/>
+        </p:spPr>
+        <p:txBody>
+          <a:bodyPr wrap="square" lIns="0" tIns="0" rIns="0" bIns="0" rtlCol="0" anchor="t"/>
+          <a:lstStyle/>
+          <a:p>
+            <a:pPr algn="l" indent="0" marL="0">
+              <a:lnSpc>
+                <a:spcPts val="1105"/>
+              </a:lnSpc>
+              <a:spcAft>
+                <a:spcPts val="500"/>
+              </a:spcAft>
+              <a:buNone/>
+            </a:pPr>
+            <a:r>
+              <a:rPr lang="en-US" sz="850" dirty="0">
+                <a:solidFill>
+                  <a:srgbClr val="94A3B8"/>
+                </a:solidFill>
+                <a:latin typeface="Arial" pitchFamily="34" charset="0"/>
+                <a:ea typeface="Arial" pitchFamily="34" charset="-122"/>
+                <a:cs typeface="Arial" pitchFamily="34" charset="-120"/>
+              </a:rPr>
+              <a:t>BASELINE FEASIBILITY (TF-IDF)</a:t>
+            </a:r>
+            <a:endParaRPr lang="en-US" sz="850" dirty="0"/>
+          </a:p>
+        </p:txBody>
+      </p:sp>
+      <p:sp>
+        <p:nvSpPr>
+          <p:cNvPr id="28" name="Shape 25"/>
+          <p:cNvSpPr/>
+          <p:nvPr/>
+        </p:nvSpPr>
+        <p:spPr>
+          <a:xfrm>
+            <a:off x="4673501" y="1193602"/>
+            <a:ext cx="4013299" cy="0"/>
+          </a:xfrm>
+          <a:prstGeom prst="line">
+            <a:avLst/>
+          </a:prstGeom>
+          <a:noFill/>
+          <a:ln w="9525">
+            <a:solidFill>
+              <a:srgbClr val="FFFFFF"/>
+            </a:solidFill>
+            <a:prstDash val="solid"/>
+          </a:ln>
+        </p:spPr>
+      </p:sp>
+      <p:sp>
+        <p:nvSpPr>
+          <p:cNvPr id="29" name="Text 26"/>
+          <p:cNvSpPr/>
+          <p:nvPr/>
+        </p:nvSpPr>
+        <p:spPr>
+          <a:xfrm>
+            <a:off x="4673501" y="981224"/>
+            <a:ext cx="1401764" cy="156865"/>
+          </a:xfrm>
+          <a:prstGeom prst="rect">
+            <a:avLst/>
+          </a:prstGeom>
+          <a:noFill/>
+          <a:ln/>
+        </p:spPr>
+        <p:txBody>
+          <a:bodyPr wrap="square" lIns="0" tIns="0" rIns="0" bIns="0" rtlCol="0" anchor="t"/>
+          <a:lstStyle/>
+          <a:p>
+            <a:pPr algn="l" indent="0" marL="0">
+              <a:lnSpc>
+                <a:spcPts val="1235"/>
+              </a:lnSpc>
+              <a:buNone/>
+            </a:pPr>
+            <a:r>
+              <a:rPr lang="en-US" sz="950" dirty="0">
+                <a:solidFill>
+                  <a:srgbClr val="94A3B8"/>
+                </a:solidFill>
+                <a:latin typeface="Arial" pitchFamily="34" charset="0"/>
+                <a:ea typeface="Arial" pitchFamily="34" charset="-122"/>
+                <a:cs typeface="Arial" pitchFamily="34" charset="-120"/>
+              </a:rPr>
+              <a:t>Automatable (F1 &gt;= 0.63)</a:t>
+            </a:r>
+            <a:endParaRPr lang="en-US" sz="950" dirty="0"/>
+          </a:p>
+        </p:txBody>
+      </p:sp>
+      <p:sp>
+        <p:nvSpPr>
+          <p:cNvPr id="30" name="Text 27"/>
+          <p:cNvSpPr/>
+          <p:nvPr/>
+        </p:nvSpPr>
+        <p:spPr>
+          <a:xfrm>
+            <a:off x="8318004" y="981224"/>
+            <a:ext cx="376172" cy="156865"/>
+          </a:xfrm>
+          <a:prstGeom prst="rect">
+            <a:avLst/>
+          </a:prstGeom>
+          <a:noFill/>
+          <a:ln/>
+        </p:spPr>
+        <p:txBody>
+          <a:bodyPr wrap="square" lIns="0" tIns="0" rIns="0" bIns="0" rtlCol="0" anchor="t"/>
+          <a:lstStyle/>
+          <a:p>
+            <a:pPr algn="l" indent="0" marL="0">
+              <a:lnSpc>
+                <a:spcPts val="1235"/>
+              </a:lnSpc>
+              <a:buNone/>
+            </a:pPr>
+            <a:r>
+              <a:rPr lang="en-US" sz="950" b="1" dirty="0">
+                <a:solidFill>
+                  <a:srgbClr val="E2E8F0"/>
+                </a:solidFill>
+                <a:latin typeface="Arial" pitchFamily="34" charset="0"/>
+                <a:ea typeface="Arial" pitchFamily="34" charset="-122"/>
+                <a:cs typeface="Arial" pitchFamily="34" charset="-120"/>
+              </a:rPr>
+              <a:t>13 / 41</a:t>
+            </a:r>
+            <a:endParaRPr lang="en-US" sz="950" dirty="0"/>
+          </a:p>
+        </p:txBody>
+      </p:sp>
+      <p:sp>
+        <p:nvSpPr>
+          <p:cNvPr id="31" name="Shape 28"/>
+          <p:cNvSpPr/>
+          <p:nvPr/>
+        </p:nvSpPr>
+        <p:spPr>
+          <a:xfrm>
+            <a:off x="4673501" y="1461492"/>
+            <a:ext cx="4013299" cy="0"/>
+          </a:xfrm>
+          <a:prstGeom prst="line">
+            <a:avLst/>
+          </a:prstGeom>
+          <a:noFill/>
+          <a:ln w="9525">
+            <a:solidFill>
+              <a:srgbClr val="FFFFFF"/>
+            </a:solidFill>
+            <a:prstDash val="solid"/>
+          </a:ln>
+        </p:spPr>
+      </p:sp>
+      <p:sp>
+        <p:nvSpPr>
+          <p:cNvPr id="32" name="Text 29"/>
+          <p:cNvSpPr/>
+          <p:nvPr/>
+        </p:nvSpPr>
+        <p:spPr>
+          <a:xfrm>
+            <a:off x="4673501" y="1249114"/>
+            <a:ext cx="1593190" cy="156865"/>
+          </a:xfrm>
+          <a:prstGeom prst="rect">
+            <a:avLst/>
+          </a:prstGeom>
+          <a:noFill/>
+          <a:ln/>
+        </p:spPr>
+        <p:txBody>
+          <a:bodyPr wrap="square" lIns="0" tIns="0" rIns="0" bIns="0" rtlCol="0" anchor="t"/>
+          <a:lstStyle/>
+          <a:p>
+            <a:pPr algn="l" indent="0" marL="0">
+              <a:lnSpc>
+                <a:spcPts val="1235"/>
+              </a:lnSpc>
+              <a:buNone/>
+            </a:pPr>
+            <a:r>
+              <a:rPr lang="en-US" sz="950" dirty="0">
+                <a:solidFill>
+                  <a:srgbClr val="94A3B8"/>
+                </a:solidFill>
+                <a:latin typeface="Arial" pitchFamily="34" charset="0"/>
+                <a:ea typeface="Arial" pitchFamily="34" charset="-122"/>
+                <a:cs typeface="Arial" pitchFamily="34" charset="-120"/>
+              </a:rPr>
+              <a:t>High confidence (F1 &gt;= 0.93)</a:t>
+            </a:r>
+            <a:endParaRPr lang="en-US" sz="950" dirty="0"/>
+          </a:p>
+        </p:txBody>
+      </p:sp>
+      <p:sp>
+        <p:nvSpPr>
+          <p:cNvPr id="33" name="Text 30"/>
+          <p:cNvSpPr/>
+          <p:nvPr/>
+        </p:nvSpPr>
+        <p:spPr>
+          <a:xfrm>
+            <a:off x="8384977" y="1249114"/>
+            <a:ext cx="307860" cy="156865"/>
+          </a:xfrm>
+          <a:prstGeom prst="rect">
+            <a:avLst/>
+          </a:prstGeom>
+          <a:noFill/>
+          <a:ln/>
+        </p:spPr>
+        <p:txBody>
+          <a:bodyPr wrap="square" lIns="0" tIns="0" rIns="0" bIns="0" rtlCol="0" anchor="t"/>
+          <a:lstStyle/>
+          <a:p>
+            <a:pPr algn="l" indent="0" marL="0">
+              <a:lnSpc>
+                <a:spcPts val="1235"/>
+              </a:lnSpc>
+              <a:buNone/>
+            </a:pPr>
+            <a:r>
+              <a:rPr lang="en-US" sz="950" b="1" dirty="0">
+                <a:solidFill>
+                  <a:srgbClr val="E2E8F0"/>
+                </a:solidFill>
+                <a:latin typeface="Arial" pitchFamily="34" charset="0"/>
+                <a:ea typeface="Arial" pitchFamily="34" charset="-122"/>
+                <a:cs typeface="Arial" pitchFamily="34" charset="-120"/>
+              </a:rPr>
+              <a:t>1 / 41</a:t>
+            </a:r>
+            <a:endParaRPr lang="en-US" sz="950" dirty="0"/>
+          </a:p>
+        </p:txBody>
+      </p:sp>
+      <p:sp>
+        <p:nvSpPr>
+          <p:cNvPr id="34" name="Shape 31"/>
+          <p:cNvSpPr/>
+          <p:nvPr/>
+        </p:nvSpPr>
+        <p:spPr>
+          <a:xfrm>
+            <a:off x="4673501" y="1729383"/>
+            <a:ext cx="4013299" cy="0"/>
+          </a:xfrm>
+          <a:prstGeom prst="line">
+            <a:avLst/>
+          </a:prstGeom>
+          <a:noFill/>
+          <a:ln w="9525">
+            <a:solidFill>
+              <a:srgbClr val="FFFFFF"/>
+            </a:solidFill>
+            <a:prstDash val="solid"/>
+          </a:ln>
+        </p:spPr>
+      </p:sp>
+      <p:sp>
+        <p:nvSpPr>
+          <p:cNvPr id="35" name="Text 32"/>
+          <p:cNvSpPr/>
+          <p:nvPr/>
+        </p:nvSpPr>
+        <p:spPr>
+          <a:xfrm>
+            <a:off x="4673501" y="1517005"/>
+            <a:ext cx="1380967" cy="156865"/>
+          </a:xfrm>
+          <a:prstGeom prst="rect">
+            <a:avLst/>
+          </a:prstGeom>
+          <a:noFill/>
+          <a:ln/>
+        </p:spPr>
+        <p:txBody>
+          <a:bodyPr wrap="square" lIns="0" tIns="0" rIns="0" bIns="0" rtlCol="0" anchor="t"/>
+          <a:lstStyle/>
+          <a:p>
+            <a:pPr algn="l" indent="0" marL="0">
+              <a:lnSpc>
+                <a:spcPts val="1235"/>
+              </a:lnSpc>
+              <a:buNone/>
+            </a:pPr>
+            <a:r>
+              <a:rPr lang="en-US" sz="950" dirty="0">
+                <a:solidFill>
+                  <a:srgbClr val="94A3B8"/>
+                </a:solidFill>
+                <a:latin typeface="Arial" pitchFamily="34" charset="0"/>
+                <a:ea typeface="Arial" pitchFamily="34" charset="-122"/>
+                <a:cs typeface="Arial" pitchFamily="34" charset="-120"/>
+              </a:rPr>
+              <a:t>Needs review (0.50-0.63)</a:t>
+            </a:r>
+            <a:endParaRPr lang="en-US" sz="950" dirty="0"/>
+          </a:p>
+        </p:txBody>
+      </p:sp>
+      <p:sp>
+        <p:nvSpPr>
+          <p:cNvPr id="36" name="Text 33"/>
+          <p:cNvSpPr/>
+          <p:nvPr/>
+        </p:nvSpPr>
+        <p:spPr>
+          <a:xfrm>
+            <a:off x="8324552" y="1517005"/>
+            <a:ext cx="369493" cy="156865"/>
+          </a:xfrm>
+          <a:prstGeom prst="rect">
+            <a:avLst/>
+          </a:prstGeom>
+          <a:noFill/>
+          <a:ln/>
+        </p:spPr>
+        <p:txBody>
+          <a:bodyPr wrap="square" lIns="0" tIns="0" rIns="0" bIns="0" rtlCol="0" anchor="t"/>
+          <a:lstStyle/>
+          <a:p>
+            <a:pPr algn="l" indent="0" marL="0">
+              <a:lnSpc>
+                <a:spcPts val="1235"/>
+              </a:lnSpc>
+              <a:buNone/>
+            </a:pPr>
+            <a:r>
+              <a:rPr lang="en-US" sz="950" b="1" dirty="0">
+                <a:solidFill>
+                  <a:srgbClr val="E2E8F0"/>
+                </a:solidFill>
+                <a:latin typeface="Arial" pitchFamily="34" charset="0"/>
+                <a:ea typeface="Arial" pitchFamily="34" charset="-122"/>
+                <a:cs typeface="Arial" pitchFamily="34" charset="-120"/>
+              </a:rPr>
+              <a:t>11 / 41</a:t>
+            </a:r>
+            <a:endParaRPr lang="en-US" sz="950" dirty="0"/>
+          </a:p>
+        </p:txBody>
+      </p:sp>
+      <p:sp>
+        <p:nvSpPr>
+          <p:cNvPr id="37" name="Shape 34"/>
+          <p:cNvSpPr/>
+          <p:nvPr/>
+        </p:nvSpPr>
+        <p:spPr>
+          <a:xfrm>
+            <a:off x="4673501" y="1997273"/>
+            <a:ext cx="4013299" cy="0"/>
+          </a:xfrm>
+          <a:prstGeom prst="line">
+            <a:avLst/>
+          </a:prstGeom>
+          <a:noFill/>
+          <a:ln w="9525">
+            <a:solidFill>
+              <a:srgbClr val="FFFFFF"/>
+            </a:solidFill>
+            <a:prstDash val="solid"/>
+          </a:ln>
+        </p:spPr>
+      </p:sp>
+      <p:sp>
+        <p:nvSpPr>
+          <p:cNvPr id="38" name="Text 35"/>
+          <p:cNvSpPr/>
+          <p:nvPr/>
+        </p:nvSpPr>
+        <p:spPr>
+          <a:xfrm>
+            <a:off x="4673501" y="1784896"/>
+            <a:ext cx="1288822" cy="156865"/>
+          </a:xfrm>
+          <a:prstGeom prst="rect">
+            <a:avLst/>
+          </a:prstGeom>
+          <a:noFill/>
+          <a:ln/>
+        </p:spPr>
+        <p:txBody>
+          <a:bodyPr wrap="square" lIns="0" tIns="0" rIns="0" bIns="0" rtlCol="0" anchor="t"/>
+          <a:lstStyle/>
+          <a:p>
+            <a:pPr algn="l" indent="0" marL="0">
+              <a:lnSpc>
+                <a:spcPts val="1235"/>
+              </a:lnSpc>
+              <a:buNone/>
+            </a:pPr>
+            <a:r>
+              <a:rPr lang="en-US" sz="950" dirty="0">
+                <a:solidFill>
+                  <a:srgbClr val="94A3B8"/>
+                </a:solidFill>
+                <a:latin typeface="Arial" pitchFamily="34" charset="0"/>
+                <a:ea typeface="Arial" pitchFamily="34" charset="-122"/>
+                <a:cs typeface="Arial" pitchFamily="34" charset="-120"/>
+              </a:rPr>
+              <a:t>Not feasible (F1 &lt; 0.50)</a:t>
+            </a:r>
+            <a:endParaRPr lang="en-US" sz="950" dirty="0"/>
+          </a:p>
+        </p:txBody>
+      </p:sp>
+      <p:sp>
+        <p:nvSpPr>
+          <p:cNvPr id="39" name="Text 36"/>
+          <p:cNvSpPr/>
+          <p:nvPr/>
+        </p:nvSpPr>
+        <p:spPr>
+          <a:xfrm>
+            <a:off x="8318004" y="1784896"/>
+            <a:ext cx="376172" cy="156865"/>
+          </a:xfrm>
+          <a:prstGeom prst="rect">
+            <a:avLst/>
+          </a:prstGeom>
+          <a:noFill/>
+          <a:ln/>
+        </p:spPr>
+        <p:txBody>
+          <a:bodyPr wrap="square" lIns="0" tIns="0" rIns="0" bIns="0" rtlCol="0" anchor="t"/>
+          <a:lstStyle/>
+          <a:p>
+            <a:pPr algn="l" indent="0" marL="0">
+              <a:lnSpc>
+                <a:spcPts val="1235"/>
+              </a:lnSpc>
+              <a:buNone/>
+            </a:pPr>
+            <a:r>
+              <a:rPr lang="en-US" sz="950" b="1" dirty="0">
+                <a:solidFill>
+                  <a:srgbClr val="E2E8F0"/>
+                </a:solidFill>
+                <a:latin typeface="Arial" pitchFamily="34" charset="0"/>
+                <a:ea typeface="Arial" pitchFamily="34" charset="-122"/>
+                <a:cs typeface="Arial" pitchFamily="34" charset="-120"/>
+              </a:rPr>
+              <a:t>17 / 41</a:t>
+            </a:r>
+            <a:endParaRPr lang="en-US" sz="950" dirty="0"/>
+          </a:p>
+        </p:txBody>
+      </p:sp>
+      <p:sp>
+        <p:nvSpPr>
+          <p:cNvPr id="40" name="Text 37"/>
+          <p:cNvSpPr/>
+          <p:nvPr/>
+        </p:nvSpPr>
+        <p:spPr>
+          <a:xfrm>
+            <a:off x="4673501" y="2103537"/>
+            <a:ext cx="4093565" cy="140196"/>
+          </a:xfrm>
+          <a:prstGeom prst="rect">
+            <a:avLst/>
+          </a:prstGeom>
+          <a:noFill/>
+          <a:ln/>
+        </p:spPr>
+        <p:txBody>
+          <a:bodyPr wrap="square" lIns="0" tIns="0" rIns="0" bIns="0" rtlCol="0" anchor="t"/>
+          <a:lstStyle/>
+          <a:p>
+            <a:pPr algn="l" indent="0" marL="0">
+              <a:lnSpc>
+                <a:spcPts val="1105"/>
+              </a:lnSpc>
+              <a:spcBef>
+                <a:spcPts val="800"/>
+              </a:spcBef>
+              <a:spcAft>
+                <a:spcPts val="500"/>
+              </a:spcAft>
+              <a:buNone/>
+            </a:pPr>
+            <a:r>
+              <a:rPr lang="en-US" sz="850" dirty="0">
+                <a:solidFill>
+                  <a:srgbClr val="94A3B8"/>
+                </a:solidFill>
+                <a:latin typeface="Arial" pitchFamily="34" charset="0"/>
+                <a:ea typeface="Arial" pitchFamily="34" charset="-122"/>
+                <a:cs typeface="Arial" pitchFamily="34" charset="-120"/>
+              </a:rPr>
+              <a:t>BEST MODEL (LF PER-CLASS THRESHOLDS)</a:t>
+            </a:r>
+            <a:endParaRPr lang="en-US" sz="850" dirty="0"/>
+          </a:p>
+        </p:txBody>
+      </p:sp>
+      <p:sp>
+        <p:nvSpPr>
+          <p:cNvPr id="41" name="Shape 38"/>
+          <p:cNvSpPr/>
+          <p:nvPr/>
+        </p:nvSpPr>
+        <p:spPr>
+          <a:xfrm>
+            <a:off x="4673501" y="2570262"/>
+            <a:ext cx="4013299" cy="0"/>
+          </a:xfrm>
+          <a:prstGeom prst="line">
+            <a:avLst/>
+          </a:prstGeom>
+          <a:noFill/>
+          <a:ln w="9525">
+            <a:solidFill>
+              <a:srgbClr val="FFFFFF"/>
+            </a:solidFill>
+            <a:prstDash val="solid"/>
+          </a:ln>
+        </p:spPr>
+      </p:sp>
+      <p:sp>
+        <p:nvSpPr>
+          <p:cNvPr id="42" name="Text 39"/>
+          <p:cNvSpPr/>
+          <p:nvPr/>
+        </p:nvSpPr>
+        <p:spPr>
+          <a:xfrm>
+            <a:off x="4673501" y="2357884"/>
+            <a:ext cx="478488" cy="156865"/>
+          </a:xfrm>
+          <a:prstGeom prst="rect">
+            <a:avLst/>
+          </a:prstGeom>
+          <a:noFill/>
+          <a:ln/>
+        </p:spPr>
+        <p:txBody>
+          <a:bodyPr wrap="square" lIns="0" tIns="0" rIns="0" bIns="0" rtlCol="0" anchor="t"/>
+          <a:lstStyle/>
+          <a:p>
+            <a:pPr algn="l" indent="0" marL="0">
+              <a:lnSpc>
+                <a:spcPts val="1235"/>
+              </a:lnSpc>
+              <a:buNone/>
+            </a:pPr>
+            <a:r>
+              <a:rPr lang="en-US" sz="950" dirty="0">
+                <a:solidFill>
+                  <a:srgbClr val="94A3B8"/>
+                </a:solidFill>
+                <a:latin typeface="Arial" pitchFamily="34" charset="0"/>
+                <a:ea typeface="Arial" pitchFamily="34" charset="-122"/>
+                <a:cs typeface="Arial" pitchFamily="34" charset="-120"/>
+              </a:rPr>
+              <a:t>F1 Micro</a:t>
+            </a:r>
+            <a:endParaRPr lang="en-US" sz="950" dirty="0"/>
+          </a:p>
+        </p:txBody>
+      </p:sp>
+      <p:sp>
+        <p:nvSpPr>
+          <p:cNvPr id="43" name="Text 40"/>
+          <p:cNvSpPr/>
+          <p:nvPr/>
+        </p:nvSpPr>
+        <p:spPr>
+          <a:xfrm>
+            <a:off x="7858869" y="2357884"/>
+            <a:ext cx="844489" cy="156865"/>
+          </a:xfrm>
+          <a:prstGeom prst="rect">
+            <a:avLst/>
+          </a:prstGeom>
+          <a:noFill/>
+          <a:ln/>
+        </p:spPr>
+        <p:txBody>
+          <a:bodyPr wrap="square" lIns="0" tIns="0" rIns="0" bIns="0" rtlCol="0" anchor="t"/>
+          <a:lstStyle/>
+          <a:p>
+            <a:pPr algn="l" indent="0" marL="0">
+              <a:lnSpc>
+                <a:spcPts val="1235"/>
+              </a:lnSpc>
+              <a:buNone/>
+            </a:pPr>
+            <a:r>
+              <a:rPr lang="en-US" sz="950" b="1" dirty="0">
+                <a:solidFill>
+                  <a:srgbClr val="22C55E"/>
+                </a:solidFill>
+                <a:latin typeface="Arial" pitchFamily="34" charset="0"/>
+                <a:ea typeface="Arial" pitchFamily="34" charset="-122"/>
+                <a:cs typeface="Arial" pitchFamily="34" charset="-120"/>
+              </a:rPr>
+              <a:t>0.7735 (+2.1%)</a:t>
+            </a:r>
+            <a:endParaRPr lang="en-US" sz="950" dirty="0"/>
+          </a:p>
+        </p:txBody>
+      </p:sp>
+      <p:sp>
+        <p:nvSpPr>
+          <p:cNvPr id="44" name="Shape 41"/>
+          <p:cNvSpPr/>
+          <p:nvPr/>
+        </p:nvSpPr>
+        <p:spPr>
+          <a:xfrm>
+            <a:off x="4673501" y="2838152"/>
+            <a:ext cx="4013299" cy="0"/>
+          </a:xfrm>
+          <a:prstGeom prst="line">
+            <a:avLst/>
+          </a:prstGeom>
+          <a:noFill/>
+          <a:ln w="9525">
+            <a:solidFill>
+              <a:srgbClr val="FFFFFF"/>
+            </a:solidFill>
+            <a:prstDash val="solid"/>
+          </a:ln>
+        </p:spPr>
+      </p:sp>
+      <p:sp>
+        <p:nvSpPr>
+          <p:cNvPr id="45" name="Text 42"/>
+          <p:cNvSpPr/>
+          <p:nvPr/>
+        </p:nvSpPr>
+        <p:spPr>
+          <a:xfrm>
+            <a:off x="4673501" y="2625775"/>
+            <a:ext cx="519476" cy="156865"/>
+          </a:xfrm>
+          <a:prstGeom prst="rect">
+            <a:avLst/>
+          </a:prstGeom>
+          <a:noFill/>
+          <a:ln/>
+        </p:spPr>
+        <p:txBody>
+          <a:bodyPr wrap="square" lIns="0" tIns="0" rIns="0" bIns="0" rtlCol="0" anchor="t"/>
+          <a:lstStyle/>
+          <a:p>
+            <a:pPr algn="l" indent="0" marL="0">
+              <a:lnSpc>
+                <a:spcPts val="1235"/>
+              </a:lnSpc>
+              <a:buNone/>
+            </a:pPr>
+            <a:r>
+              <a:rPr lang="en-US" sz="950" dirty="0">
+                <a:solidFill>
+                  <a:srgbClr val="94A3B8"/>
+                </a:solidFill>
+                <a:latin typeface="Arial" pitchFamily="34" charset="0"/>
+                <a:ea typeface="Arial" pitchFamily="34" charset="-122"/>
+                <a:cs typeface="Arial" pitchFamily="34" charset="-120"/>
+              </a:rPr>
+              <a:t>F1 Macro</a:t>
+            </a:r>
+            <a:endParaRPr lang="en-US" sz="950" dirty="0"/>
+          </a:p>
+        </p:txBody>
+      </p:sp>
+      <p:sp>
+        <p:nvSpPr>
+          <p:cNvPr id="46" name="Text 43"/>
+          <p:cNvSpPr/>
+          <p:nvPr/>
+        </p:nvSpPr>
+        <p:spPr>
+          <a:xfrm>
+            <a:off x="7858869" y="2625775"/>
+            <a:ext cx="844489" cy="156865"/>
+          </a:xfrm>
+          <a:prstGeom prst="rect">
+            <a:avLst/>
+          </a:prstGeom>
+          <a:noFill/>
+          <a:ln/>
+        </p:spPr>
+        <p:txBody>
+          <a:bodyPr wrap="square" lIns="0" tIns="0" rIns="0" bIns="0" rtlCol="0" anchor="t"/>
+          <a:lstStyle/>
+          <a:p>
+            <a:pPr algn="l" indent="0" marL="0">
+              <a:lnSpc>
+                <a:spcPts val="1235"/>
+              </a:lnSpc>
+              <a:buNone/>
+            </a:pPr>
+            <a:r>
+              <a:rPr lang="en-US" sz="950" b="1" dirty="0">
+                <a:solidFill>
+                  <a:srgbClr val="22C55E"/>
+                </a:solidFill>
+                <a:latin typeface="Arial" pitchFamily="34" charset="0"/>
+                <a:ea typeface="Arial" pitchFamily="34" charset="-122"/>
+                <a:cs typeface="Arial" pitchFamily="34" charset="-120"/>
+              </a:rPr>
+              <a:t>0.6000 (+6.7%)</a:t>
+            </a:r>
+            <a:endParaRPr lang="en-US" sz="950" dirty="0"/>
+          </a:p>
+        </p:txBody>
+      </p:sp>
+      <p:sp>
+        <p:nvSpPr>
+          <p:cNvPr id="47" name="Text 44"/>
+          <p:cNvSpPr/>
+          <p:nvPr/>
+        </p:nvSpPr>
+        <p:spPr>
+          <a:xfrm>
+            <a:off x="4673501" y="2944416"/>
+            <a:ext cx="4093565" cy="140196"/>
+          </a:xfrm>
+          <a:prstGeom prst="rect">
+            <a:avLst/>
+          </a:prstGeom>
+          <a:noFill/>
+          <a:ln/>
+        </p:spPr>
+        <p:txBody>
+          <a:bodyPr wrap="square" lIns="0" tIns="0" rIns="0" bIns="0" rtlCol="0" anchor="t"/>
+          <a:lstStyle/>
+          <a:p>
+            <a:pPr algn="l" indent="0" marL="0">
+              <a:lnSpc>
+                <a:spcPts val="1105"/>
+              </a:lnSpc>
+              <a:spcBef>
+                <a:spcPts val="800"/>
+              </a:spcBef>
+              <a:spcAft>
+                <a:spcPts val="500"/>
+              </a:spcAft>
+              <a:buNone/>
+            </a:pPr>
+            <a:r>
+              <a:rPr lang="en-US" sz="850" dirty="0">
+                <a:solidFill>
+                  <a:srgbClr val="94A3B8"/>
+                </a:solidFill>
+                <a:latin typeface="Arial" pitchFamily="34" charset="0"/>
+                <a:ea typeface="Arial" pitchFamily="34" charset="-122"/>
+                <a:cs typeface="Arial" pitchFamily="34" charset="-120"/>
+              </a:rPr>
+              <a:t>HUMAN BENCHMARK</a:t>
+            </a:r>
+            <a:endParaRPr lang="en-US" sz="850" dirty="0"/>
+          </a:p>
+        </p:txBody>
+      </p:sp>
+      <p:sp>
+        <p:nvSpPr>
+          <p:cNvPr id="48" name="Shape 45"/>
+          <p:cNvSpPr/>
+          <p:nvPr/>
+        </p:nvSpPr>
+        <p:spPr>
+          <a:xfrm>
+            <a:off x="4673501" y="3411141"/>
+            <a:ext cx="4013299" cy="0"/>
+          </a:xfrm>
+          <a:prstGeom prst="line">
+            <a:avLst/>
+          </a:prstGeom>
+          <a:noFill/>
+          <a:ln w="9525">
+            <a:solidFill>
+              <a:srgbClr val="FFFFFF"/>
+            </a:solidFill>
+            <a:prstDash val="solid"/>
+          </a:ln>
+        </p:spPr>
+      </p:sp>
+      <p:sp>
+        <p:nvSpPr>
           <p:cNvPr id="49" name="Text 46"/>
           <p:cNvSpPr/>
           <p:nvPr/>
         </p:nvSpPr>
         <p:spPr>
           <a:xfrm>
-            <a:off x="4850042" y="3892748"/>
-            <a:ext cx="3685666" cy="497681"/>
+            <a:off x="4673501" y="3198763"/>
+            <a:ext cx="1165556" cy="156865"/>
+          </a:xfrm>
+          <a:prstGeom prst="rect">
+            <a:avLst/>
+          </a:prstGeom>
+          <a:noFill/>
+          <a:ln/>
+        </p:spPr>
+        <p:txBody>
+          <a:bodyPr wrap="square" lIns="0" tIns="0" rIns="0" bIns="0" rtlCol="0" anchor="t"/>
+          <a:lstStyle/>
+          <a:p>
+            <a:pPr algn="l" indent="0" marL="0">
+              <a:lnSpc>
+                <a:spcPts val="1235"/>
+              </a:lnSpc>
+              <a:buNone/>
+            </a:pPr>
+            <a:r>
+              <a:rPr lang="en-US" sz="950" dirty="0">
+                <a:solidFill>
+                  <a:srgbClr val="94A3B8"/>
+                </a:solidFill>
+                <a:latin typeface="Arial" pitchFamily="34" charset="0"/>
+                <a:ea typeface="Arial" pitchFamily="34" charset="-122"/>
+                <a:cs typeface="Arial" pitchFamily="34" charset="-120"/>
+              </a:rPr>
+              <a:t>Cohen's kappa range</a:t>
+            </a:r>
+            <a:endParaRPr lang="en-US" sz="950" dirty="0"/>
+          </a:p>
+        </p:txBody>
+      </p:sp>
+      <p:sp>
+        <p:nvSpPr>
+          <p:cNvPr id="50" name="Text 47"/>
+          <p:cNvSpPr/>
+          <p:nvPr/>
+        </p:nvSpPr>
+        <p:spPr>
+          <a:xfrm>
+            <a:off x="8110240" y="3198763"/>
+            <a:ext cx="588091" cy="156865"/>
+          </a:xfrm>
+          <a:prstGeom prst="rect">
+            <a:avLst/>
+          </a:prstGeom>
+          <a:noFill/>
+          <a:ln/>
+        </p:spPr>
+        <p:txBody>
+          <a:bodyPr wrap="square" lIns="0" tIns="0" rIns="0" bIns="0" rtlCol="0" anchor="t"/>
+          <a:lstStyle/>
+          <a:p>
+            <a:pPr algn="l" indent="0" marL="0">
+              <a:lnSpc>
+                <a:spcPts val="1235"/>
+              </a:lnSpc>
+              <a:buNone/>
+            </a:pPr>
+            <a:r>
+              <a:rPr lang="en-US" sz="950" b="1" dirty="0">
+                <a:solidFill>
+                  <a:srgbClr val="E2E8F0"/>
+                </a:solidFill>
+                <a:latin typeface="Arial" pitchFamily="34" charset="0"/>
+                <a:ea typeface="Arial" pitchFamily="34" charset="-122"/>
+                <a:cs typeface="Arial" pitchFamily="34" charset="-120"/>
+              </a:rPr>
+              <a:t>0.63 - 0.93</a:t>
+            </a:r>
+            <a:endParaRPr lang="en-US" sz="950" dirty="0"/>
+          </a:p>
+        </p:txBody>
+      </p:sp>
+      <p:sp>
+        <p:nvSpPr>
+          <p:cNvPr id="51" name="Shape 48"/>
+          <p:cNvSpPr/>
+          <p:nvPr/>
+        </p:nvSpPr>
+        <p:spPr>
+          <a:xfrm>
+            <a:off x="4673501" y="3679031"/>
+            <a:ext cx="4013299" cy="0"/>
+          </a:xfrm>
+          <a:prstGeom prst="line">
+            <a:avLst/>
+          </a:prstGeom>
+          <a:noFill/>
+          <a:ln w="9525">
+            <a:solidFill>
+              <a:srgbClr val="FFFFFF"/>
+            </a:solidFill>
+            <a:prstDash val="solid"/>
+          </a:ln>
+        </p:spPr>
+      </p:sp>
+      <p:sp>
+        <p:nvSpPr>
+          <p:cNvPr id="52" name="Text 49"/>
+          <p:cNvSpPr/>
+          <p:nvPr/>
+        </p:nvSpPr>
+        <p:spPr>
+          <a:xfrm>
+            <a:off x="4673501" y="3466654"/>
+            <a:ext cx="1483587" cy="156865"/>
+          </a:xfrm>
+          <a:prstGeom prst="rect">
+            <a:avLst/>
+          </a:prstGeom>
+          <a:noFill/>
+          <a:ln/>
+        </p:spPr>
+        <p:txBody>
+          <a:bodyPr wrap="square" lIns="0" tIns="0" rIns="0" bIns="0" rtlCol="0" anchor="t"/>
+          <a:lstStyle/>
+          <a:p>
+            <a:pPr algn="l" indent="0" marL="0">
+              <a:lnSpc>
+                <a:spcPts val="1235"/>
+              </a:lnSpc>
+              <a:buNone/>
+            </a:pPr>
+            <a:r>
+              <a:rPr lang="en-US" sz="950" dirty="0">
+                <a:solidFill>
+                  <a:srgbClr val="94A3B8"/>
+                </a:solidFill>
+                <a:latin typeface="Arial" pitchFamily="34" charset="0"/>
+                <a:ea typeface="Arial" pitchFamily="34" charset="-122"/>
+                <a:cs typeface="Arial" pitchFamily="34" charset="-120"/>
+              </a:rPr>
+              <a:t>Highest (Appellate Review)</a:t>
+            </a:r>
+            <a:endParaRPr lang="en-US" sz="950" dirty="0"/>
+          </a:p>
+        </p:txBody>
+      </p:sp>
+      <p:sp>
+        <p:nvSpPr>
+          <p:cNvPr id="53" name="Text 50"/>
+          <p:cNvSpPr/>
+          <p:nvPr/>
+        </p:nvSpPr>
+        <p:spPr>
+          <a:xfrm>
+            <a:off x="8452098" y="3466654"/>
+            <a:ext cx="239396" cy="156865"/>
+          </a:xfrm>
+          <a:prstGeom prst="rect">
+            <a:avLst/>
+          </a:prstGeom>
+          <a:noFill/>
+          <a:ln/>
+        </p:spPr>
+        <p:txBody>
+          <a:bodyPr wrap="square" lIns="0" tIns="0" rIns="0" bIns="0" rtlCol="0" anchor="t"/>
+          <a:lstStyle/>
+          <a:p>
+            <a:pPr algn="l" indent="0" marL="0">
+              <a:lnSpc>
+                <a:spcPts val="1235"/>
+              </a:lnSpc>
+              <a:buNone/>
+            </a:pPr>
+            <a:r>
+              <a:rPr lang="en-US" sz="950" b="1" dirty="0">
+                <a:solidFill>
+                  <a:srgbClr val="E2E8F0"/>
+                </a:solidFill>
+                <a:latin typeface="Arial" pitchFamily="34" charset="0"/>
+                <a:ea typeface="Arial" pitchFamily="34" charset="-122"/>
+                <a:cs typeface="Arial" pitchFamily="34" charset="-120"/>
+              </a:rPr>
+              <a:t>0.93</a:t>
+            </a:r>
+            <a:endParaRPr lang="en-US" sz="950" dirty="0"/>
+          </a:p>
+        </p:txBody>
+      </p:sp>
+      <p:sp>
+        <p:nvSpPr>
+          <p:cNvPr id="54" name="Shape 51"/>
+          <p:cNvSpPr/>
+          <p:nvPr/>
+        </p:nvSpPr>
+        <p:spPr>
+          <a:xfrm>
+            <a:off x="4673501" y="3946922"/>
+            <a:ext cx="4013299" cy="0"/>
+          </a:xfrm>
+          <a:prstGeom prst="line">
+            <a:avLst/>
+          </a:prstGeom>
+          <a:noFill/>
+          <a:ln w="9525">
+            <a:solidFill>
+              <a:srgbClr val="FFFFFF"/>
+            </a:solidFill>
+            <a:prstDash val="solid"/>
+          </a:ln>
+        </p:spPr>
+      </p:sp>
+      <p:sp>
+        <p:nvSpPr>
+          <p:cNvPr id="55" name="Text 52"/>
+          <p:cNvSpPr/>
+          <p:nvPr/>
+        </p:nvSpPr>
+        <p:spPr>
+          <a:xfrm>
+            <a:off x="4673501" y="3734544"/>
+            <a:ext cx="1123355" cy="156865"/>
+          </a:xfrm>
+          <a:prstGeom prst="rect">
+            <a:avLst/>
+          </a:prstGeom>
+          <a:noFill/>
+          <a:ln/>
+        </p:spPr>
+        <p:txBody>
+          <a:bodyPr wrap="square" lIns="0" tIns="0" rIns="0" bIns="0" rtlCol="0" anchor="t"/>
+          <a:lstStyle/>
+          <a:p>
+            <a:pPr algn="l" indent="0" marL="0">
+              <a:lnSpc>
+                <a:spcPts val="1235"/>
+              </a:lnSpc>
+              <a:buNone/>
+            </a:pPr>
+            <a:r>
+              <a:rPr lang="en-US" sz="950" dirty="0">
+                <a:solidFill>
+                  <a:srgbClr val="94A3B8"/>
+                </a:solidFill>
+                <a:latin typeface="Arial" pitchFamily="34" charset="0"/>
+                <a:ea typeface="Arial" pitchFamily="34" charset="-122"/>
+                <a:cs typeface="Arial" pitchFamily="34" charset="-120"/>
+              </a:rPr>
+              <a:t>Lowest (Trial Phase)</a:t>
+            </a:r>
+            <a:endParaRPr lang="en-US" sz="950" dirty="0"/>
+          </a:p>
+        </p:txBody>
+      </p:sp>
+      <p:sp>
+        <p:nvSpPr>
+          <p:cNvPr id="56" name="Text 53"/>
+          <p:cNvSpPr/>
+          <p:nvPr/>
+        </p:nvSpPr>
+        <p:spPr>
+          <a:xfrm>
+            <a:off x="8452098" y="3734544"/>
+            <a:ext cx="239396" cy="156865"/>
+          </a:xfrm>
+          <a:prstGeom prst="rect">
+            <a:avLst/>
+          </a:prstGeom>
+          <a:noFill/>
+          <a:ln/>
+        </p:spPr>
+        <p:txBody>
+          <a:bodyPr wrap="square" lIns="0" tIns="0" rIns="0" bIns="0" rtlCol="0" anchor="t"/>
+          <a:lstStyle/>
+          <a:p>
+            <a:pPr algn="l" indent="0" marL="0">
+              <a:lnSpc>
+                <a:spcPts val="1235"/>
+              </a:lnSpc>
+              <a:buNone/>
+            </a:pPr>
+            <a:r>
+              <a:rPr lang="en-US" sz="950" b="1" dirty="0">
+                <a:solidFill>
+                  <a:srgbClr val="E2E8F0"/>
+                </a:solidFill>
+                <a:latin typeface="Arial" pitchFamily="34" charset="0"/>
+                <a:ea typeface="Arial" pitchFamily="34" charset="-122"/>
+                <a:cs typeface="Arial" pitchFamily="34" charset="-120"/>
+              </a:rPr>
+              <a:t>0.63</a:t>
+            </a:r>
+            <a:endParaRPr lang="en-US" sz="950" dirty="0"/>
+          </a:p>
+        </p:txBody>
+      </p:sp>
+      <p:sp>
+        <p:nvSpPr>
+          <p:cNvPr id="57" name="Text 54"/>
+          <p:cNvSpPr/>
+          <p:nvPr/>
+        </p:nvSpPr>
+        <p:spPr>
+          <a:xfrm>
+            <a:off x="4673501" y="4027884"/>
+            <a:ext cx="4013299" cy="940594"/>
+          </a:xfrm>
+          <a:prstGeom prst="roundRect">
+            <a:avLst>
+              <a:gd name="adj" fmla="val 8101"/>
+            </a:avLst>
+          </a:prstGeom>
+          <a:solidFill>
+            <a:srgbClr val="22C55E">
+              <a:alpha val="8000"/>
+            </a:srgbClr>
+          </a:solidFill>
+          <a:ln w="9525">
+            <a:solidFill>
+              <a:srgbClr val="22C55E"/>
+            </a:solidFill>
+          </a:ln>
+        </p:spPr>
+        <p:txBody>
+          <a:bodyPr wrap="square" rtlCol="0" anchor="ctr"/>
+          <a:lstStyle/>
+          <a:p>
+            <a:pPr indent="0" marL="0">
+              <a:buNone/>
+            </a:pPr>
+            <a:endParaRPr lang="en-US" dirty="0"/>
+          </a:p>
+        </p:txBody>
+      </p:sp>
+      <p:sp>
+        <p:nvSpPr>
+          <p:cNvPr id="58" name="Text 55"/>
+          <p:cNvSpPr/>
+          <p:nvPr/>
+        </p:nvSpPr>
+        <p:spPr>
+          <a:xfrm>
+            <a:off x="4772573" y="4138910"/>
+            <a:ext cx="3815155" cy="396180"/>
           </a:xfrm>
           <a:prstGeom prst="rect">
             <a:avLst/>
@@ -14137,38 +14599,38 @@
           <a:p>
             <a:pPr algn="ctr" indent="0" marL="0">
               <a:lnSpc>
-                <a:spcPts val="3920"/>
+                <a:spcPts val="3120"/>
               </a:lnSpc>
               <a:spcAft>
-                <a:spcPts val="400"/>
+                <a:spcPts val="200"/>
               </a:spcAft>
               <a:buNone/>
             </a:pPr>
             <a:r>
-              <a:rPr lang="en-US" sz="2800" b="1" dirty="0">
-                <a:solidFill>
-                  <a:srgbClr val="00B4D8"/>
-                </a:solidFill>
-                <a:latin typeface="Arial" pitchFamily="34" charset="0"/>
-                <a:ea typeface="Arial" pitchFamily="34" charset="-122"/>
-                <a:cs typeface="Arial" pitchFamily="34" charset="-120"/>
-              </a:rPr>
-              <a:t>~34%</a:t>
-            </a:r>
-            <a:endParaRPr lang="en-US" sz="2800" dirty="0"/>
-          </a:p>
-        </p:txBody>
-      </p:sp>
-      <p:sp>
-        <p:nvSpPr>
-          <p:cNvPr id="50" name="Text 47"/>
-          <p:cNvSpPr/>
-          <p:nvPr/>
-        </p:nvSpPr>
-        <p:spPr>
-          <a:xfrm>
-            <a:off x="4850042" y="4441180"/>
-            <a:ext cx="3685666" cy="177701"/>
+              <a:rPr lang="en-US" sz="2400" b="1" dirty="0">
+                <a:solidFill>
+                  <a:srgbClr val="22C55E"/>
+                </a:solidFill>
+                <a:latin typeface="Arial" pitchFamily="34" charset="0"/>
+                <a:ea typeface="Arial" pitchFamily="34" charset="-122"/>
+                <a:cs typeface="Arial" pitchFamily="34" charset="-120"/>
+              </a:rPr>
+              <a:t>~92%</a:t>
+            </a:r>
+            <a:endParaRPr lang="en-US" sz="2400" dirty="0"/>
+          </a:p>
+        </p:txBody>
+      </p:sp>
+      <p:sp>
+        <p:nvSpPr>
+          <p:cNvPr id="59" name="Text 56"/>
+          <p:cNvSpPr/>
+          <p:nvPr/>
+        </p:nvSpPr>
+        <p:spPr>
+          <a:xfrm>
+            <a:off x="4772573" y="4560391"/>
+            <a:ext cx="3815155" cy="148530"/>
           </a:xfrm>
           <a:prstGeom prst="rect">
             <a:avLst/>
@@ -14182,12 +14644,12 @@
           <a:p>
             <a:pPr algn="ctr" indent="0" marL="0">
               <a:lnSpc>
-                <a:spcPts val="1400"/>
-              </a:lnSpc>
-              <a:buNone/>
-            </a:pPr>
-            <a:r>
-              <a:rPr lang="en-US" sz="1000" dirty="0">
+                <a:spcPts val="1170"/>
+              </a:lnSpc>
+              <a:buNone/>
+            </a:pPr>
+            <a:r>
+              <a:rPr lang="en-US" sz="900" dirty="0">
                 <a:solidFill>
                   <a:srgbClr val="E2E8F0"/>
                 </a:solidFill>
@@ -14195,9 +14657,51 @@
                 <a:ea typeface="Arial" pitchFamily="34" charset="-122"/>
                 <a:cs typeface="Arial" pitchFamily="34" charset="-120"/>
               </a:rPr>
-              <a:t>of labeling can be automated or assisted</a:t>
-            </a:r>
-            <a:endParaRPr lang="en-US" sz="1000" dirty="0"/>
+              <a:t>of labeling volume covered by automatable</a:t>
+            </a:r>
+            <a:endParaRPr lang="en-US" sz="900" dirty="0"/>
+          </a:p>
+        </p:txBody>
+      </p:sp>
+      <p:sp>
+        <p:nvSpPr>
+          <p:cNvPr id="60" name="Text 57"/>
+          <p:cNvSpPr/>
+          <p:nvPr/>
+        </p:nvSpPr>
+        <p:spPr>
+          <a:xfrm>
+            <a:off x="4772573" y="4708922"/>
+            <a:ext cx="3815155" cy="148530"/>
+          </a:xfrm>
+          <a:prstGeom prst="rect">
+            <a:avLst/>
+          </a:prstGeom>
+          <a:noFill/>
+          <a:ln/>
+        </p:spPr>
+        <p:txBody>
+          <a:bodyPr wrap="square" lIns="0" tIns="0" rIns="0" bIns="0" rtlCol="0" anchor="t"/>
+          <a:lstStyle/>
+          <a:p>
+            <a:pPr algn="ctr" indent="0" marL="0">
+              <a:lnSpc>
+                <a:spcPts val="1170"/>
+              </a:lnSpc>
+              <a:buNone/>
+            </a:pPr>
+            <a:r>
+              <a:rPr lang="en-US" sz="900" dirty="0">
+                <a:solidFill>
+                  <a:srgbClr val="E2E8F0"/>
+                </a:solidFill>
+                <a:latin typeface="Arial" pitchFamily="34" charset="0"/>
+                <a:ea typeface="Arial" pitchFamily="34" charset="-122"/>
+                <a:cs typeface="Arial" pitchFamily="34" charset="-120"/>
+              </a:rPr>
+              <a:t>or review-tier classes (by sample count)</a:t>
+            </a:r>
+            <a:endParaRPr lang="en-US" sz="900" dirty="0"/>
           </a:p>
         </p:txBody>
       </p:sp>
@@ -14272,7 +14776,7 @@
         </p:nvSpPr>
         <p:spPr>
           <a:xfrm>
-            <a:off x="457200" y="355550"/>
+            <a:off x="457200" y="330101"/>
             <a:ext cx="8394192" cy="323850"/>
           </a:xfrm>
           <a:prstGeom prst="rect">
@@ -14297,7 +14801,7 @@
                 <a:ea typeface="Arial" pitchFamily="34" charset="-122"/>
                 <a:cs typeface="Arial" pitchFamily="34" charset="-120"/>
               </a:rPr>
-              <a:t>Key Insights &amp; Takeaways</a:t>
+              <a:t>Key Insights and Takeaways</a:t>
             </a:r>
             <a:endParaRPr lang="en-US" sz="2200" dirty="0"/>
           </a:p>
@@ -14311,12 +14815,12 @@
         </p:nvSpPr>
         <p:spPr>
           <a:xfrm>
-            <a:off x="457200" y="882402"/>
-            <a:ext cx="323850" cy="323850"/>
+            <a:off x="457200" y="831652"/>
+            <a:ext cx="298400" cy="298400"/>
           </a:xfrm>
           <a:prstGeom prst="roundRect">
             <a:avLst>
-              <a:gd name="adj" fmla="val 282353"/>
+              <a:gd name="adj" fmla="val 306434"/>
             </a:avLst>
           </a:prstGeom>
           <a:solidFill>
@@ -14349,24 +14853,24 @@
         </p:nvSpPr>
         <p:spPr>
           <a:xfrm>
-            <a:off x="580281" y="968127"/>
-            <a:ext cx="79242" cy="152400"/>
-          </a:xfrm>
-          <a:prstGeom prst="rect">
-            <a:avLst/>
-          </a:prstGeom>
-          <a:noFill/>
-          <a:ln/>
-        </p:spPr>
-        <p:txBody>
-          <a:bodyPr wrap="square" lIns="0" tIns="0" rIns="0" bIns="0" rtlCol="0" anchor="t"/>
-          <a:lstStyle/>
-          <a:p>
-            <a:pPr algn="l" indent="0" marL="0">
-              <a:buNone/>
-            </a:pPr>
-            <a:r>
-              <a:rPr lang="en-US" sz="1100" b="1" dirty="0">
+            <a:off x="571054" y="909340"/>
+            <a:ext cx="72107" cy="142875"/>
+          </a:xfrm>
+          <a:prstGeom prst="rect">
+            <a:avLst/>
+          </a:prstGeom>
+          <a:noFill/>
+          <a:ln/>
+        </p:spPr>
+        <p:txBody>
+          <a:bodyPr wrap="square" lIns="0" tIns="0" rIns="0" bIns="0" rtlCol="0" anchor="t"/>
+          <a:lstStyle/>
+          <a:p>
+            <a:pPr algn="l" indent="0" marL="0">
+              <a:buNone/>
+            </a:pPr>
+            <a:r>
+              <a:rPr lang="en-US" sz="1000" b="1" dirty="0">
                 <a:solidFill>
                   <a:srgbClr val="00B4D8"/>
                 </a:solidFill>
@@ -14376,7 +14880,7 @@
               </a:rPr>
               <a:t>1</a:t>
             </a:r>
-            <a:endParaRPr lang="en-US" sz="1100" dirty="0"/>
+            <a:endParaRPr lang="en-US" sz="1000" dirty="0"/>
           </a:p>
         </p:txBody>
       </p:sp>
@@ -14388,22 +14892,22 @@
         </p:nvSpPr>
         <p:spPr>
           <a:xfrm>
-            <a:off x="933450" y="857101"/>
-            <a:ext cx="5267926" cy="195560"/>
-          </a:xfrm>
-          <a:prstGeom prst="rect">
-            <a:avLst/>
-          </a:prstGeom>
-          <a:noFill/>
-          <a:ln/>
-        </p:spPr>
-        <p:txBody>
-          <a:bodyPr wrap="square" lIns="0" tIns="0" rIns="0" bIns="0" rtlCol="0" anchor="t"/>
-          <a:lstStyle/>
-          <a:p>
-            <a:pPr algn="l" indent="0" marL="0">
-              <a:lnSpc>
-                <a:spcPts val="1540"/>
+            <a:off x="882551" y="806351"/>
+            <a:ext cx="4993312" cy="179933"/>
+          </a:xfrm>
+          <a:prstGeom prst="rect">
+            <a:avLst/>
+          </a:prstGeom>
+          <a:noFill/>
+          <a:ln/>
+        </p:spPr>
+        <p:txBody>
+          <a:bodyPr wrap="square" lIns="0" tIns="0" rIns="0" bIns="0" rtlCol="0" anchor="t"/>
+          <a:lstStyle/>
+          <a:p>
+            <a:pPr algn="l" indent="0" marL="0">
+              <a:lnSpc>
+                <a:spcPts val="1418"/>
               </a:lnSpc>
               <a:spcAft>
                 <a:spcPts val="200"/>
@@ -14411,7 +14915,7 @@
               <a:buNone/>
             </a:pPr>
             <a:r>
-              <a:rPr lang="en-US" sz="1100" b="1" dirty="0">
+              <a:rPr lang="en-US" sz="1050" b="1" dirty="0">
                 <a:solidFill>
                   <a:srgbClr val="E2E8F0"/>
                 </a:solidFill>
@@ -14421,7 +14925,7 @@
               </a:rPr>
               <a:t>Sample size is the strongest predictor of model performance</a:t>
             </a:r>
-            <a:endParaRPr lang="en-US" sz="1100" dirty="0"/>
+            <a:endParaRPr lang="en-US" sz="1050" dirty="0"/>
           </a:p>
         </p:txBody>
       </p:sp>
@@ -14433,27 +14937,27 @@
         </p:nvSpPr>
         <p:spPr>
           <a:xfrm>
-            <a:off x="933450" y="1077962"/>
-            <a:ext cx="5267926" cy="168920"/>
-          </a:xfrm>
-          <a:prstGeom prst="rect">
-            <a:avLst/>
-          </a:prstGeom>
-          <a:noFill/>
-          <a:ln/>
-        </p:spPr>
-        <p:txBody>
-          <a:bodyPr wrap="square" lIns="0" tIns="0" rIns="0" bIns="0" rtlCol="0" anchor="t"/>
-          <a:lstStyle/>
-          <a:p>
-            <a:pPr algn="l" indent="0" marL="0">
-              <a:lnSpc>
-                <a:spcPts val="1330"/>
-              </a:lnSpc>
-              <a:buNone/>
-            </a:pPr>
-            <a:r>
-              <a:rPr lang="en-US" sz="950" dirty="0">
+            <a:off x="882551" y="1011585"/>
+            <a:ext cx="4993312" cy="154186"/>
+          </a:xfrm>
+          <a:prstGeom prst="rect">
+            <a:avLst/>
+          </a:prstGeom>
+          <a:noFill/>
+          <a:ln/>
+        </p:spPr>
+        <p:txBody>
+          <a:bodyPr wrap="square" lIns="0" tIns="0" rIns="0" bIns="0" rtlCol="0" anchor="t"/>
+          <a:lstStyle/>
+          <a:p>
+            <a:pPr algn="l" indent="0" marL="0">
+              <a:lnSpc>
+                <a:spcPts val="1215"/>
+              </a:lnSpc>
+              <a:buNone/>
+            </a:pPr>
+            <a:r>
+              <a:rPr lang="en-US" sz="900" dirty="0">
                 <a:solidFill>
                   <a:srgbClr val="94A3B8"/>
                 </a:solidFill>
@@ -14463,7 +14967,7 @@
               </a:rPr>
               <a:t>Postures with 500+ samples achieve F1 &gt; 0.92; rare postures (&lt;50 samples) struggle below 0.50</a:t>
             </a:r>
-            <a:endParaRPr lang="en-US" sz="950" dirty="0"/>
+            <a:endParaRPr lang="en-US" sz="900" dirty="0"/>
           </a:p>
         </p:txBody>
       </p:sp>
@@ -14475,12 +14979,12 @@
         </p:nvSpPr>
         <p:spPr>
           <a:xfrm>
-            <a:off x="457200" y="1399133"/>
-            <a:ext cx="323850" cy="323850"/>
+            <a:off x="457200" y="1292572"/>
+            <a:ext cx="298400" cy="298400"/>
           </a:xfrm>
           <a:prstGeom prst="roundRect">
             <a:avLst>
-              <a:gd name="adj" fmla="val 282353"/>
+              <a:gd name="adj" fmla="val 306434"/>
             </a:avLst>
           </a:prstGeom>
           <a:solidFill>
@@ -14513,24 +15017,24 @@
         </p:nvSpPr>
         <p:spPr>
           <a:xfrm>
-            <a:off x="580281" y="1484858"/>
-            <a:ext cx="79242" cy="152400"/>
-          </a:xfrm>
-          <a:prstGeom prst="rect">
-            <a:avLst/>
-          </a:prstGeom>
-          <a:noFill/>
-          <a:ln/>
-        </p:spPr>
-        <p:txBody>
-          <a:bodyPr wrap="square" lIns="0" tIns="0" rIns="0" bIns="0" rtlCol="0" anchor="t"/>
-          <a:lstStyle/>
-          <a:p>
-            <a:pPr algn="l" indent="0" marL="0">
-              <a:buNone/>
-            </a:pPr>
-            <a:r>
-              <a:rPr lang="en-US" sz="1100" b="1" dirty="0">
+            <a:off x="571054" y="1370261"/>
+            <a:ext cx="72107" cy="142875"/>
+          </a:xfrm>
+          <a:prstGeom prst="rect">
+            <a:avLst/>
+          </a:prstGeom>
+          <a:noFill/>
+          <a:ln/>
+        </p:spPr>
+        <p:txBody>
+          <a:bodyPr wrap="square" lIns="0" tIns="0" rIns="0" bIns="0" rtlCol="0" anchor="t"/>
+          <a:lstStyle/>
+          <a:p>
+            <a:pPr algn="l" indent="0" marL="0">
+              <a:buNone/>
+            </a:pPr>
+            <a:r>
+              <a:rPr lang="en-US" sz="1000" b="1" dirty="0">
                 <a:solidFill>
                   <a:srgbClr val="00B4D8"/>
                 </a:solidFill>
@@ -14540,7 +15044,7 @@
               </a:rPr>
               <a:t>2</a:t>
             </a:r>
-            <a:endParaRPr lang="en-US" sz="1100" dirty="0"/>
+            <a:endParaRPr lang="en-US" sz="1000" dirty="0"/>
           </a:p>
         </p:txBody>
       </p:sp>
@@ -14552,22 +15056,22 @@
         </p:nvSpPr>
         <p:spPr>
           <a:xfrm>
-            <a:off x="933450" y="1373832"/>
-            <a:ext cx="5469219" cy="195560"/>
-          </a:xfrm>
-          <a:prstGeom prst="rect">
-            <a:avLst/>
-          </a:prstGeom>
-          <a:noFill/>
-          <a:ln/>
-        </p:spPr>
-        <p:txBody>
-          <a:bodyPr wrap="square" lIns="0" tIns="0" rIns="0" bIns="0" rtlCol="0" anchor="t"/>
-          <a:lstStyle/>
-          <a:p>
-            <a:pPr algn="l" indent="0" marL="0">
-              <a:lnSpc>
-                <a:spcPts val="1540"/>
+            <a:off x="882551" y="1267271"/>
+            <a:ext cx="6285777" cy="179933"/>
+          </a:xfrm>
+          <a:prstGeom prst="rect">
+            <a:avLst/>
+          </a:prstGeom>
+          <a:noFill/>
+          <a:ln/>
+        </p:spPr>
+        <p:txBody>
+          <a:bodyPr wrap="square" lIns="0" tIns="0" rIns="0" bIns="0" rtlCol="0" anchor="t"/>
+          <a:lstStyle/>
+          <a:p>
+            <a:pPr algn="l" indent="0" marL="0">
+              <a:lnSpc>
+                <a:spcPts val="1418"/>
               </a:lnSpc>
               <a:spcAft>
                 <a:spcPts val="200"/>
@@ -14575,7 +15079,7 @@
               <a:buNone/>
             </a:pPr>
             <a:r>
-              <a:rPr lang="en-US" sz="1100" b="1" dirty="0">
+              <a:rPr lang="en-US" sz="1050" b="1" dirty="0">
                 <a:solidFill>
                   <a:srgbClr val="E2E8F0"/>
                 </a:solidFill>
@@ -14583,9 +15087,9 @@
                 <a:ea typeface="Arial" pitchFamily="34" charset="-122"/>
                 <a:cs typeface="Arial" pitchFamily="34" charset="-120"/>
               </a:rPr>
-              <a:t>TF-IDF baseline is competitive - simple models should not be dismissed</a:t>
-            </a:r>
-            <a:endParaRPr lang="en-US" sz="1100" dirty="0"/>
+              <a:t>Per-class threshold optimization unlocked the transformer's potential</a:t>
+            </a:r>
+            <a:endParaRPr lang="en-US" sz="1050" dirty="0"/>
           </a:p>
         </p:txBody>
       </p:sp>
@@ -14597,27 +15101,27 @@
         </p:nvSpPr>
         <p:spPr>
           <a:xfrm>
-            <a:off x="933450" y="1594693"/>
-            <a:ext cx="5469219" cy="168920"/>
-          </a:xfrm>
-          <a:prstGeom prst="rect">
-            <a:avLst/>
-          </a:prstGeom>
-          <a:noFill/>
-          <a:ln/>
-        </p:spPr>
-        <p:txBody>
-          <a:bodyPr wrap="square" lIns="0" tIns="0" rIns="0" bIns="0" rtlCol="0" anchor="t"/>
-          <a:lstStyle/>
-          <a:p>
-            <a:pPr algn="l" indent="0" marL="0">
-              <a:lnSpc>
-                <a:spcPts val="1330"/>
-              </a:lnSpc>
-              <a:buNone/>
-            </a:pPr>
-            <a:r>
-              <a:rPr lang="en-US" sz="950" dirty="0">
+            <a:off x="882551" y="1472505"/>
+            <a:ext cx="6285777" cy="154186"/>
+          </a:xfrm>
+          <a:prstGeom prst="rect">
+            <a:avLst/>
+          </a:prstGeom>
+          <a:noFill/>
+          <a:ln/>
+        </p:spPr>
+        <p:txBody>
+          <a:bodyPr wrap="square" lIns="0" tIns="0" rIns="0" bIns="0" rtlCol="0" anchor="t"/>
+          <a:lstStyle/>
+          <a:p>
+            <a:pPr algn="l" indent="0" marL="0">
+              <a:lnSpc>
+                <a:spcPts val="1215"/>
+              </a:lnSpc>
+              <a:buNone/>
+            </a:pPr>
+            <a:r>
+              <a:rPr lang="en-US" sz="900" dirty="0">
                 <a:solidFill>
                   <a:srgbClr val="94A3B8"/>
                 </a:solidFill>
@@ -14625,9 +15129,9 @@
                 <a:ea typeface="Arial" pitchFamily="34" charset="-122"/>
                 <a:cs typeface="Arial" pitchFamily="34" charset="-120"/>
               </a:rPr>
-              <a:t>Outperformed the transformer on all metrics except recall. Legal domain has strong keyword signals.</a:t>
-            </a:r>
-            <a:endParaRPr lang="en-US" sz="950" dirty="0"/>
+              <a:t>Default 0.5 threshold caused over-prediction. Per-class tuning (+2.1% F1 Micro, +6.7% F1 Macro) made it the best model.</a:t>
+            </a:r>
+            <a:endParaRPr lang="en-US" sz="900" dirty="0"/>
           </a:p>
         </p:txBody>
       </p:sp>
@@ -14639,12 +15143,12 @@
         </p:nvSpPr>
         <p:spPr>
           <a:xfrm>
-            <a:off x="457200" y="1915864"/>
-            <a:ext cx="323850" cy="323850"/>
+            <a:off x="457200" y="1753493"/>
+            <a:ext cx="298400" cy="298400"/>
           </a:xfrm>
           <a:prstGeom prst="roundRect">
             <a:avLst>
-              <a:gd name="adj" fmla="val 282353"/>
+              <a:gd name="adj" fmla="val 306434"/>
             </a:avLst>
           </a:prstGeom>
           <a:solidFill>
@@ -14677,24 +15181,24 @@
         </p:nvSpPr>
         <p:spPr>
           <a:xfrm>
-            <a:off x="580281" y="2001589"/>
-            <a:ext cx="79242" cy="152400"/>
-          </a:xfrm>
-          <a:prstGeom prst="rect">
-            <a:avLst/>
-          </a:prstGeom>
-          <a:noFill/>
-          <a:ln/>
-        </p:spPr>
-        <p:txBody>
-          <a:bodyPr wrap="square" lIns="0" tIns="0" rIns="0" bIns="0" rtlCol="0" anchor="t"/>
-          <a:lstStyle/>
-          <a:p>
-            <a:pPr algn="l" indent="0" marL="0">
-              <a:buNone/>
-            </a:pPr>
-            <a:r>
-              <a:rPr lang="en-US" sz="1100" b="1" dirty="0">
+            <a:off x="571054" y="1831181"/>
+            <a:ext cx="72107" cy="142875"/>
+          </a:xfrm>
+          <a:prstGeom prst="rect">
+            <a:avLst/>
+          </a:prstGeom>
+          <a:noFill/>
+          <a:ln/>
+        </p:spPr>
+        <p:txBody>
+          <a:bodyPr wrap="square" lIns="0" tIns="0" rIns="0" bIns="0" rtlCol="0" anchor="t"/>
+          <a:lstStyle/>
+          <a:p>
+            <a:pPr algn="l" indent="0" marL="0">
+              <a:buNone/>
+            </a:pPr>
+            <a:r>
+              <a:rPr lang="en-US" sz="1000" b="1" dirty="0">
                 <a:solidFill>
                   <a:srgbClr val="00B4D8"/>
                 </a:solidFill>
@@ -14704,7 +15208,7 @@
               </a:rPr>
               <a:t>3</a:t>
             </a:r>
-            <a:endParaRPr lang="en-US" sz="1100" dirty="0"/>
+            <a:endParaRPr lang="en-US" sz="1000" dirty="0"/>
           </a:p>
         </p:txBody>
       </p:sp>
@@ -14716,22 +15220,22 @@
         </p:nvSpPr>
         <p:spPr>
           <a:xfrm>
-            <a:off x="933450" y="1890564"/>
-            <a:ext cx="5227698" cy="195560"/>
-          </a:xfrm>
-          <a:prstGeom prst="rect">
-            <a:avLst/>
-          </a:prstGeom>
-          <a:noFill/>
-          <a:ln/>
-        </p:spPr>
-        <p:txBody>
-          <a:bodyPr wrap="square" lIns="0" tIns="0" rIns="0" bIns="0" rtlCol="0" anchor="t"/>
-          <a:lstStyle/>
-          <a:p>
-            <a:pPr algn="l" indent="0" marL="0">
-              <a:lnSpc>
-                <a:spcPts val="1540"/>
+            <a:off x="882551" y="1728192"/>
+            <a:ext cx="5272632" cy="179933"/>
+          </a:xfrm>
+          <a:prstGeom prst="rect">
+            <a:avLst/>
+          </a:prstGeom>
+          <a:noFill/>
+          <a:ln/>
+        </p:spPr>
+        <p:txBody>
+          <a:bodyPr wrap="square" lIns="0" tIns="0" rIns="0" bIns="0" rtlCol="0" anchor="t"/>
+          <a:lstStyle/>
+          <a:p>
+            <a:pPr algn="l" indent="0" marL="0">
+              <a:lnSpc>
+                <a:spcPts val="1418"/>
               </a:lnSpc>
               <a:spcAft>
                 <a:spcPts val="200"/>
@@ -14739,7 +15243,7 @@
               <a:buNone/>
             </a:pPr>
             <a:r>
-              <a:rPr lang="en-US" sz="1100" b="1" dirty="0">
+              <a:rPr lang="en-US" sz="1050" b="1" dirty="0">
                 <a:solidFill>
                   <a:srgbClr val="E2E8F0"/>
                 </a:solidFill>
@@ -14749,7 +15253,7 @@
               </a:rPr>
               <a:t>Document length is a real engineering challenge</a:t>
             </a:r>
-            <a:endParaRPr lang="en-US" sz="1100" dirty="0"/>
+            <a:endParaRPr lang="en-US" sz="1050" dirty="0"/>
           </a:p>
         </p:txBody>
       </p:sp>
@@ -14761,27 +15265,27 @@
         </p:nvSpPr>
         <p:spPr>
           <a:xfrm>
-            <a:off x="933450" y="2111425"/>
-            <a:ext cx="5227698" cy="168920"/>
-          </a:xfrm>
-          <a:prstGeom prst="rect">
-            <a:avLst/>
-          </a:prstGeom>
-          <a:noFill/>
-          <a:ln/>
-        </p:spPr>
-        <p:txBody>
-          <a:bodyPr wrap="square" lIns="0" tIns="0" rIns="0" bIns="0" rtlCol="0" anchor="t"/>
-          <a:lstStyle/>
-          <a:p>
-            <a:pPr algn="l" indent="0" marL="0">
-              <a:lnSpc>
-                <a:spcPts val="1330"/>
-              </a:lnSpc>
-              <a:buNone/>
-            </a:pPr>
-            <a:r>
-              <a:rPr lang="en-US" sz="950" dirty="0">
+            <a:off x="882551" y="1933426"/>
+            <a:ext cx="5272632" cy="154186"/>
+          </a:xfrm>
+          <a:prstGeom prst="rect">
+            <a:avLst/>
+          </a:prstGeom>
+          <a:noFill/>
+          <a:ln/>
+        </p:spPr>
+        <p:txBody>
+          <a:bodyPr wrap="square" lIns="0" tIns="0" rIns="0" bIns="0" rtlCol="0" anchor="t"/>
+          <a:lstStyle/>
+          <a:p>
+            <a:pPr algn="l" indent="0" marL="0">
+              <a:lnSpc>
+                <a:spcPts val="1215"/>
+              </a:lnSpc>
+              <a:buNone/>
+            </a:pPr>
+            <a:r>
+              <a:rPr lang="en-US" sz="900" dirty="0">
                 <a:solidFill>
                   <a:srgbClr val="94A3B8"/>
                 </a:solidFill>
@@ -14789,9 +15293,9 @@
                 <a:ea typeface="Arial" pitchFamily="34" charset="-122"/>
                 <a:cs typeface="Arial" pitchFamily="34" charset="-120"/>
               </a:rPr>
-              <a:t>Median 2,693 tokens. Only 4.1% fit BERT. Summarization adds complexity and information loss.</a:t>
-            </a:r>
-            <a:endParaRPr lang="en-US" sz="950" dirty="0"/>
+              <a:t>Median 2,693 tokens. Only 4.1% fit BERT. Summarization adds complexity and some information loss.</a:t>
+            </a:r>
+            <a:endParaRPr lang="en-US" sz="900" dirty="0"/>
           </a:p>
         </p:txBody>
       </p:sp>
@@ -14803,12 +15307,12 @@
         </p:nvSpPr>
         <p:spPr>
           <a:xfrm>
-            <a:off x="457200" y="2432596"/>
-            <a:ext cx="323850" cy="323850"/>
+            <a:off x="457200" y="2214414"/>
+            <a:ext cx="298400" cy="298400"/>
           </a:xfrm>
           <a:prstGeom prst="roundRect">
             <a:avLst>
-              <a:gd name="adj" fmla="val 282353"/>
+              <a:gd name="adj" fmla="val 306434"/>
             </a:avLst>
           </a:prstGeom>
           <a:solidFill>
@@ -14841,24 +15345,24 @@
         </p:nvSpPr>
         <p:spPr>
           <a:xfrm>
-            <a:off x="580281" y="2518321"/>
-            <a:ext cx="79242" cy="152400"/>
-          </a:xfrm>
-          <a:prstGeom prst="rect">
-            <a:avLst/>
-          </a:prstGeom>
-          <a:noFill/>
-          <a:ln/>
-        </p:spPr>
-        <p:txBody>
-          <a:bodyPr wrap="square" lIns="0" tIns="0" rIns="0" bIns="0" rtlCol="0" anchor="t"/>
-          <a:lstStyle/>
-          <a:p>
-            <a:pPr algn="l" indent="0" marL="0">
-              <a:buNone/>
-            </a:pPr>
-            <a:r>
-              <a:rPr lang="en-US" sz="1100" b="1" dirty="0">
+            <a:off x="571054" y="2292102"/>
+            <a:ext cx="72107" cy="142875"/>
+          </a:xfrm>
+          <a:prstGeom prst="rect">
+            <a:avLst/>
+          </a:prstGeom>
+          <a:noFill/>
+          <a:ln/>
+        </p:spPr>
+        <p:txBody>
+          <a:bodyPr wrap="square" lIns="0" tIns="0" rIns="0" bIns="0" rtlCol="0" anchor="t"/>
+          <a:lstStyle/>
+          <a:p>
+            <a:pPr algn="l" indent="0" marL="0">
+              <a:buNone/>
+            </a:pPr>
+            <a:r>
+              <a:rPr lang="en-US" sz="1000" b="1" dirty="0">
                 <a:solidFill>
                   <a:srgbClr val="00B4D8"/>
                 </a:solidFill>
@@ -14868,7 +15372,7 @@
               </a:rPr>
               <a:t>4</a:t>
             </a:r>
-            <a:endParaRPr lang="en-US" sz="1100" dirty="0"/>
+            <a:endParaRPr lang="en-US" sz="1000" dirty="0"/>
           </a:p>
         </p:txBody>
       </p:sp>
@@ -14880,22 +15384,22 @@
         </p:nvSpPr>
         <p:spPr>
           <a:xfrm>
-            <a:off x="933450" y="2407295"/>
-            <a:ext cx="4943368" cy="195560"/>
-          </a:xfrm>
-          <a:prstGeom prst="rect">
-            <a:avLst/>
-          </a:prstGeom>
-          <a:noFill/>
-          <a:ln/>
-        </p:spPr>
-        <p:txBody>
-          <a:bodyPr wrap="square" lIns="0" tIns="0" rIns="0" bIns="0" rtlCol="0" anchor="t"/>
-          <a:lstStyle/>
-          <a:p>
-            <a:pPr algn="l" indent="0" marL="0">
-              <a:lnSpc>
-                <a:spcPts val="1540"/>
+            <a:off x="882551" y="2189113"/>
+            <a:ext cx="4938510" cy="179933"/>
+          </a:xfrm>
+          <a:prstGeom prst="rect">
+            <a:avLst/>
+          </a:prstGeom>
+          <a:noFill/>
+          <a:ln/>
+        </p:spPr>
+        <p:txBody>
+          <a:bodyPr wrap="square" lIns="0" tIns="0" rIns="0" bIns="0" rtlCol="0" anchor="t"/>
+          <a:lstStyle/>
+          <a:p>
+            <a:pPr algn="l" indent="0" marL="0">
+              <a:lnSpc>
+                <a:spcPts val="1418"/>
               </a:lnSpc>
               <a:spcAft>
                 <a:spcPts val="200"/>
@@ -14903,7 +15407,7 @@
               <a:buNone/>
             </a:pPr>
             <a:r>
-              <a:rPr lang="en-US" sz="1100" b="1" dirty="0">
+              <a:rPr lang="en-US" sz="1050" b="1" dirty="0">
                 <a:solidFill>
                   <a:srgbClr val="E2E8F0"/>
                 </a:solidFill>
@@ -14913,7 +15417,7 @@
               </a:rPr>
               <a:t>Multi-label nature adds significant complexity</a:t>
             </a:r>
-            <a:endParaRPr lang="en-US" sz="1100" dirty="0"/>
+            <a:endParaRPr lang="en-US" sz="1050" dirty="0"/>
           </a:p>
         </p:txBody>
       </p:sp>
@@ -14925,27 +15429,27 @@
         </p:nvSpPr>
         <p:spPr>
           <a:xfrm>
-            <a:off x="933450" y="2628156"/>
-            <a:ext cx="4943368" cy="168920"/>
-          </a:xfrm>
-          <a:prstGeom prst="rect">
-            <a:avLst/>
-          </a:prstGeom>
-          <a:noFill/>
-          <a:ln/>
-        </p:spPr>
-        <p:txBody>
-          <a:bodyPr wrap="square" lIns="0" tIns="0" rIns="0" bIns="0" rtlCol="0" anchor="t"/>
-          <a:lstStyle/>
-          <a:p>
-            <a:pPr algn="l" indent="0" marL="0">
-              <a:lnSpc>
-                <a:spcPts val="1330"/>
-              </a:lnSpc>
-              <a:buNone/>
-            </a:pPr>
-            <a:r>
-              <a:rPr lang="en-US" sz="950" dirty="0">
+            <a:off x="882551" y="2394347"/>
+            <a:ext cx="4938510" cy="154186"/>
+          </a:xfrm>
+          <a:prstGeom prst="rect">
+            <a:avLst/>
+          </a:prstGeom>
+          <a:noFill/>
+          <a:ln/>
+        </p:spPr>
+        <p:txBody>
+          <a:bodyPr wrap="square" lIns="0" tIns="0" rIns="0" bIns="0" rtlCol="0" anchor="t"/>
+          <a:lstStyle/>
+          <a:p>
+            <a:pPr algn="l" indent="0" marL="0">
+              <a:lnSpc>
+                <a:spcPts val="1215"/>
+              </a:lnSpc>
+              <a:buNone/>
+            </a:pPr>
+            <a:r>
+              <a:rPr lang="en-US" sz="900" dirty="0">
                 <a:solidFill>
                   <a:srgbClr val="94A3B8"/>
                 </a:solidFill>
@@ -14953,9 +15457,9 @@
                 <a:ea typeface="Arial" pitchFamily="34" charset="-122"/>
                 <a:cs typeface="Arial" pitchFamily="34" charset="-120"/>
               </a:rPr>
-              <a:t>49.8% multi-label docs. Labels encode orthogonal dimensions (stage, motion, proceeding).</a:t>
-            </a:r>
-            <a:endParaRPr lang="en-US" sz="950" dirty="0"/>
+              <a:t>49.8% multi-label docs. Labels encode orthogonal dimensions (stage, motion, proceeding type).</a:t>
+            </a:r>
+            <a:endParaRPr lang="en-US" sz="900" dirty="0"/>
           </a:p>
         </p:txBody>
       </p:sp>
@@ -14967,22 +15471,22 @@
         </p:nvSpPr>
         <p:spPr>
           <a:xfrm>
-            <a:off x="457200" y="2974777"/>
-            <a:ext cx="8229600" cy="927050"/>
+            <a:off x="457200" y="2675483"/>
+            <a:ext cx="8229600" cy="812602"/>
           </a:xfrm>
           <a:prstGeom prst="roundRect">
             <a:avLst>
-              <a:gd name="adj" fmla="val 8220"/>
+              <a:gd name="adj" fmla="val 9377"/>
             </a:avLst>
           </a:prstGeom>
           <a:solidFill>
-            <a:srgbClr val="E76F51">
+            <a:srgbClr val="22C55E">
               <a:alpha val="10000"/>
             </a:srgbClr>
           </a:solidFill>
           <a:ln w="9525">
             <a:solidFill>
-              <a:srgbClr val="E76F51"/>
+              <a:srgbClr val="22C55E"/>
             </a:solidFill>
           </a:ln>
         </p:spPr>
@@ -15005,8 +15509,8 @@
         </p:nvSpPr>
         <p:spPr>
           <a:xfrm>
-            <a:off x="669875" y="3136702"/>
-            <a:ext cx="7960334" cy="171450"/>
+            <a:off x="644426" y="2811959"/>
+            <a:ext cx="8012251" cy="152400"/>
           </a:xfrm>
           <a:prstGeom prst="rect">
             <a:avLst/>
@@ -15020,14 +15524,14 @@
           <a:p>
             <a:pPr algn="l" indent="0" marL="0">
               <a:spcAft>
-                <a:spcPts val="600"/>
+                <a:spcPts val="500"/>
               </a:spcAft>
               <a:buNone/>
             </a:pPr>
             <a:r>
-              <a:rPr lang="en-US" sz="1200" b="1" dirty="0">
-                <a:solidFill>
-                  <a:srgbClr val="E76F51"/>
+              <a:rPr lang="en-US" sz="1100" b="1" dirty="0">
+                <a:solidFill>
+                  <a:srgbClr val="22C55E"/>
                 </a:solidFill>
                 <a:latin typeface="Arial" pitchFamily="34" charset="0"/>
                 <a:ea typeface="Arial" pitchFamily="34" charset="-122"/>
@@ -15035,7 +15539,7 @@
               </a:rPr>
               <a:t>Business Recommendation</a:t>
             </a:r>
-            <a:endParaRPr lang="en-US" sz="1200" dirty="0"/>
+            <a:endParaRPr lang="en-US" sz="1100" dirty="0"/>
           </a:p>
         </p:txBody>
       </p:sp>
@@ -15047,8 +15551,8 @@
         </p:nvSpPr>
         <p:spPr>
           <a:xfrm>
-            <a:off x="669875" y="3384352"/>
-            <a:ext cx="7960334" cy="304800"/>
+            <a:off x="644426" y="3027759"/>
+            <a:ext cx="8012251" cy="285750"/>
           </a:xfrm>
           <a:prstGeom prst="rect">
             <a:avLst/>
@@ -15062,12 +15566,12 @@
           <a:p>
             <a:pPr algn="l" indent="0" marL="0">
               <a:spcAft>
-                <a:spcPts val="400"/>
+                <a:spcPts val="300"/>
               </a:spcAft>
               <a:buNone/>
             </a:pPr>
             <a:r>
-              <a:rPr lang="en-US" sz="1100" dirty="0">
+              <a:rPr lang="en-US" sz="1000" dirty="0">
                 <a:solidFill>
                   <a:srgbClr val="E2E8F0"/>
                 </a:solidFill>
@@ -15075,9 +15579,9 @@
                 <a:ea typeface="Arial" pitchFamily="34" charset="-122"/>
                 <a:cs typeface="Arial" pitchFamily="34" charset="-120"/>
               </a:rPr>
-              <a:t>Partial automation is feasible for high-frequency postures. A tiered deployment strategy (auto / assisted / human) can yield ~34% efficiency gains while maintaining quality.</a:t>
-            </a:r>
-            <a:endParaRPr lang="en-US" sz="1100" dirty="0"/>
+              <a:t>Partial automation is feasible for high-frequency postures. A tiered deployment strategy (auto / assisted / human) can cover ~92% of labeling volume, with the best model achieving F1 Micro 0.77.</a:t>
+            </a:r>
+            <a:endParaRPr lang="en-US" sz="1000" dirty="0"/>
           </a:p>
         </p:txBody>
       </p:sp>
